--- a/Poster.pptx
+++ b/Poster.pptx
@@ -243,7 +243,7 @@
           <a:p>
             <a:fld id="{5811824B-EEDB-4D92-B6A2-800259AEC68D}" type="datetimeFigureOut">
               <a:rPr lang="en-US" smtClean="0"/>
-              <a:t>12/17/2021</a:t>
+              <a:t>12/18/2021</a:t>
             </a:fld>
             <a:endParaRPr lang="en-US"/>
           </a:p>
@@ -413,7 +413,7 @@
           <a:p>
             <a:fld id="{5811824B-EEDB-4D92-B6A2-800259AEC68D}" type="datetimeFigureOut">
               <a:rPr lang="en-US" smtClean="0"/>
-              <a:t>12/17/2021</a:t>
+              <a:t>12/18/2021</a:t>
             </a:fld>
             <a:endParaRPr lang="en-US"/>
           </a:p>
@@ -593,7 +593,7 @@
           <a:p>
             <a:fld id="{5811824B-EEDB-4D92-B6A2-800259AEC68D}" type="datetimeFigureOut">
               <a:rPr lang="en-US" smtClean="0"/>
-              <a:t>12/17/2021</a:t>
+              <a:t>12/18/2021</a:t>
             </a:fld>
             <a:endParaRPr lang="en-US"/>
           </a:p>
@@ -763,7 +763,7 @@
           <a:p>
             <a:fld id="{5811824B-EEDB-4D92-B6A2-800259AEC68D}" type="datetimeFigureOut">
               <a:rPr lang="en-US" smtClean="0"/>
-              <a:t>12/17/2021</a:t>
+              <a:t>12/18/2021</a:t>
             </a:fld>
             <a:endParaRPr lang="en-US"/>
           </a:p>
@@ -1007,7 +1007,7 @@
           <a:p>
             <a:fld id="{5811824B-EEDB-4D92-B6A2-800259AEC68D}" type="datetimeFigureOut">
               <a:rPr lang="en-US" smtClean="0"/>
-              <a:t>12/17/2021</a:t>
+              <a:t>12/18/2021</a:t>
             </a:fld>
             <a:endParaRPr lang="en-US"/>
           </a:p>
@@ -1239,7 +1239,7 @@
           <a:p>
             <a:fld id="{5811824B-EEDB-4D92-B6A2-800259AEC68D}" type="datetimeFigureOut">
               <a:rPr lang="en-US" smtClean="0"/>
-              <a:t>12/17/2021</a:t>
+              <a:t>12/18/2021</a:t>
             </a:fld>
             <a:endParaRPr lang="en-US"/>
           </a:p>
@@ -1606,7 +1606,7 @@
           <a:p>
             <a:fld id="{5811824B-EEDB-4D92-B6A2-800259AEC68D}" type="datetimeFigureOut">
               <a:rPr lang="en-US" smtClean="0"/>
-              <a:t>12/17/2021</a:t>
+              <a:t>12/18/2021</a:t>
             </a:fld>
             <a:endParaRPr lang="en-US"/>
           </a:p>
@@ -1724,7 +1724,7 @@
           <a:p>
             <a:fld id="{5811824B-EEDB-4D92-B6A2-800259AEC68D}" type="datetimeFigureOut">
               <a:rPr lang="en-US" smtClean="0"/>
-              <a:t>12/17/2021</a:t>
+              <a:t>12/18/2021</a:t>
             </a:fld>
             <a:endParaRPr lang="en-US"/>
           </a:p>
@@ -1819,7 +1819,7 @@
           <a:p>
             <a:fld id="{5811824B-EEDB-4D92-B6A2-800259AEC68D}" type="datetimeFigureOut">
               <a:rPr lang="en-US" smtClean="0"/>
-              <a:t>12/17/2021</a:t>
+              <a:t>12/18/2021</a:t>
             </a:fld>
             <a:endParaRPr lang="en-US"/>
           </a:p>
@@ -2096,7 +2096,7 @@
           <a:p>
             <a:fld id="{5811824B-EEDB-4D92-B6A2-800259AEC68D}" type="datetimeFigureOut">
               <a:rPr lang="en-US" smtClean="0"/>
-              <a:t>12/17/2021</a:t>
+              <a:t>12/18/2021</a:t>
             </a:fld>
             <a:endParaRPr lang="en-US"/>
           </a:p>
@@ -2353,7 +2353,7 @@
           <a:p>
             <a:fld id="{5811824B-EEDB-4D92-B6A2-800259AEC68D}" type="datetimeFigureOut">
               <a:rPr lang="en-US" smtClean="0"/>
-              <a:t>12/17/2021</a:t>
+              <a:t>12/18/2021</a:t>
             </a:fld>
             <a:endParaRPr lang="en-US"/>
           </a:p>
@@ -2566,7 +2566,7 @@
           <a:p>
             <a:fld id="{5811824B-EEDB-4D92-B6A2-800259AEC68D}" type="datetimeFigureOut">
               <a:rPr lang="en-US" smtClean="0"/>
-              <a:t>12/17/2021</a:t>
+              <a:t>12/18/2021</a:t>
             </a:fld>
             <a:endParaRPr lang="en-US"/>
           </a:p>
@@ -2957,6 +2957,30 @@
 <file path=ppt/slides/slide1.xml><?xml version="1.0" encoding="utf-8"?>
 <p:sld xmlns:a="http://schemas.openxmlformats.org/drawingml/2006/main" xmlns:r="http://schemas.openxmlformats.org/officeDocument/2006/relationships" xmlns:p="http://schemas.openxmlformats.org/presentationml/2006/main">
   <p:cSld>
+    <p:bg>
+      <p:bgPr>
+        <a:gradFill>
+          <a:gsLst>
+            <a:gs pos="0">
+              <a:schemeClr val="bg1">
+                <a:lumMod val="95000"/>
+              </a:schemeClr>
+            </a:gs>
+            <a:gs pos="74000">
+              <a:schemeClr val="bg1"/>
+            </a:gs>
+            <a:gs pos="83000">
+              <a:schemeClr val="bg1"/>
+            </a:gs>
+            <a:gs pos="100000">
+              <a:schemeClr val="bg1"/>
+            </a:gs>
+          </a:gsLst>
+          <a:lin ang="5400000" scaled="1"/>
+        </a:gradFill>
+        <a:effectLst/>
+      </p:bgPr>
+    </p:bg>
     <p:spTree>
       <p:nvGrpSpPr>
         <p:cNvPr id="1" name=""/>
@@ -2973,6 +2997,389 @@
       </p:grpSpPr>
       <p:sp>
         <p:nvSpPr>
+          <p:cNvPr id="29" name="Rectangle 28">
+            <a:extLst>
+              <a:ext uri="{FF2B5EF4-FFF2-40B4-BE49-F238E27FC236}">
+                <a16:creationId xmlns:a16="http://schemas.microsoft.com/office/drawing/2014/main" id="{89F7D6D4-4524-4E3C-A5D3-C23B958153BF}"/>
+              </a:ext>
+            </a:extLst>
+          </p:cNvPr>
+          <p:cNvSpPr/>
+          <p:nvPr/>
+        </p:nvSpPr>
+        <p:spPr>
+          <a:xfrm>
+            <a:off x="10333017" y="22699473"/>
+            <a:ext cx="10833094" cy="7111416"/>
+          </a:xfrm>
+          <a:prstGeom prst="rect">
+            <a:avLst/>
+          </a:prstGeom>
+          <a:solidFill>
+            <a:schemeClr val="accent4">
+              <a:lumMod val="60000"/>
+              <a:lumOff val="40000"/>
+            </a:schemeClr>
+          </a:solidFill>
+        </p:spPr>
+        <p:style>
+          <a:lnRef idx="2">
+            <a:schemeClr val="accent1">
+              <a:shade val="50000"/>
+            </a:schemeClr>
+          </a:lnRef>
+          <a:fillRef idx="1">
+            <a:schemeClr val="accent1"/>
+          </a:fillRef>
+          <a:effectRef idx="0">
+            <a:schemeClr val="accent1"/>
+          </a:effectRef>
+          <a:fontRef idx="minor">
+            <a:schemeClr val="lt1"/>
+          </a:fontRef>
+        </p:style>
+        <p:txBody>
+          <a:bodyPr rtlCol="0" anchor="ctr"/>
+          <a:lstStyle/>
+          <a:p>
+            <a:pPr algn="ctr"/>
+            <a:endParaRPr lang="en-US"/>
+          </a:p>
+        </p:txBody>
+      </p:sp>
+      <p:sp>
+        <p:nvSpPr>
+          <p:cNvPr id="28" name="Rectangle 27">
+            <a:extLst>
+              <a:ext uri="{FF2B5EF4-FFF2-40B4-BE49-F238E27FC236}">
+                <a16:creationId xmlns:a16="http://schemas.microsoft.com/office/drawing/2014/main" id="{5A4F90B7-9FFB-42A5-A95E-11DC36129E90}"/>
+              </a:ext>
+            </a:extLst>
+          </p:cNvPr>
+          <p:cNvSpPr/>
+          <p:nvPr/>
+        </p:nvSpPr>
+        <p:spPr>
+          <a:xfrm>
+            <a:off x="10341835" y="4385917"/>
+            <a:ext cx="10809607" cy="9084613"/>
+          </a:xfrm>
+          <a:prstGeom prst="rect">
+            <a:avLst/>
+          </a:prstGeom>
+          <a:solidFill>
+            <a:schemeClr val="accent4">
+              <a:lumMod val="60000"/>
+              <a:lumOff val="40000"/>
+            </a:schemeClr>
+          </a:solidFill>
+        </p:spPr>
+        <p:style>
+          <a:lnRef idx="2">
+            <a:schemeClr val="accent1">
+              <a:shade val="50000"/>
+            </a:schemeClr>
+          </a:lnRef>
+          <a:fillRef idx="1">
+            <a:schemeClr val="accent1"/>
+          </a:fillRef>
+          <a:effectRef idx="0">
+            <a:schemeClr val="accent1"/>
+          </a:effectRef>
+          <a:fontRef idx="minor">
+            <a:schemeClr val="lt1"/>
+          </a:fontRef>
+        </p:style>
+        <p:txBody>
+          <a:bodyPr rtlCol="0" anchor="ctr"/>
+          <a:lstStyle/>
+          <a:p>
+            <a:pPr algn="ctr"/>
+            <a:endParaRPr lang="en-US"/>
+          </a:p>
+        </p:txBody>
+      </p:sp>
+      <p:sp>
+        <p:nvSpPr>
+          <p:cNvPr id="27" name="Rectangle 26">
+            <a:extLst>
+              <a:ext uri="{FF2B5EF4-FFF2-40B4-BE49-F238E27FC236}">
+                <a16:creationId xmlns:a16="http://schemas.microsoft.com/office/drawing/2014/main" id="{FA43CD72-9462-4489-85CD-95BD77A4D36E}"/>
+              </a:ext>
+            </a:extLst>
+          </p:cNvPr>
+          <p:cNvSpPr/>
+          <p:nvPr/>
+        </p:nvSpPr>
+        <p:spPr>
+          <a:xfrm>
+            <a:off x="217512" y="23484357"/>
+            <a:ext cx="9896857" cy="6326531"/>
+          </a:xfrm>
+          <a:prstGeom prst="rect">
+            <a:avLst/>
+          </a:prstGeom>
+          <a:solidFill>
+            <a:schemeClr val="accent5">
+              <a:lumMod val="60000"/>
+              <a:lumOff val="40000"/>
+            </a:schemeClr>
+          </a:solidFill>
+        </p:spPr>
+        <p:style>
+          <a:lnRef idx="2">
+            <a:schemeClr val="accent1">
+              <a:shade val="50000"/>
+            </a:schemeClr>
+          </a:lnRef>
+          <a:fillRef idx="1">
+            <a:schemeClr val="accent1"/>
+          </a:fillRef>
+          <a:effectRef idx="0">
+            <a:schemeClr val="accent1"/>
+          </a:effectRef>
+          <a:fontRef idx="minor">
+            <a:schemeClr val="lt1"/>
+          </a:fontRef>
+        </p:style>
+        <p:txBody>
+          <a:bodyPr rtlCol="0" anchor="ctr"/>
+          <a:lstStyle/>
+          <a:p>
+            <a:pPr algn="ctr"/>
+            <a:endParaRPr lang="en-US"/>
+          </a:p>
+        </p:txBody>
+      </p:sp>
+      <p:sp>
+        <p:nvSpPr>
+          <p:cNvPr id="26" name="Rectangle 25">
+            <a:extLst>
+              <a:ext uri="{FF2B5EF4-FFF2-40B4-BE49-F238E27FC236}">
+                <a16:creationId xmlns:a16="http://schemas.microsoft.com/office/drawing/2014/main" id="{F9FEBA7F-4382-4E1D-910C-EE3F0550D14E}"/>
+              </a:ext>
+            </a:extLst>
+          </p:cNvPr>
+          <p:cNvSpPr/>
+          <p:nvPr/>
+        </p:nvSpPr>
+        <p:spPr>
+          <a:xfrm>
+            <a:off x="232184" y="14951157"/>
+            <a:ext cx="9882185" cy="8384332"/>
+          </a:xfrm>
+          <a:prstGeom prst="rect">
+            <a:avLst/>
+          </a:prstGeom>
+          <a:solidFill>
+            <a:schemeClr val="accent5">
+              <a:lumMod val="60000"/>
+              <a:lumOff val="40000"/>
+            </a:schemeClr>
+          </a:solidFill>
+        </p:spPr>
+        <p:style>
+          <a:lnRef idx="2">
+            <a:schemeClr val="accent1">
+              <a:shade val="50000"/>
+            </a:schemeClr>
+          </a:lnRef>
+          <a:fillRef idx="1">
+            <a:schemeClr val="accent1"/>
+          </a:fillRef>
+          <a:effectRef idx="0">
+            <a:schemeClr val="accent1"/>
+          </a:effectRef>
+          <a:fontRef idx="minor">
+            <a:schemeClr val="lt1"/>
+          </a:fontRef>
+        </p:style>
+        <p:txBody>
+          <a:bodyPr rtlCol="0" anchor="ctr"/>
+          <a:lstStyle/>
+          <a:p>
+            <a:pPr algn="ctr"/>
+            <a:endParaRPr lang="en-US"/>
+          </a:p>
+        </p:txBody>
+      </p:sp>
+      <p:sp>
+        <p:nvSpPr>
+          <p:cNvPr id="24" name="Rectangle 23">
+            <a:extLst>
+              <a:ext uri="{FF2B5EF4-FFF2-40B4-BE49-F238E27FC236}">
+                <a16:creationId xmlns:a16="http://schemas.microsoft.com/office/drawing/2014/main" id="{A02C9923-F879-4698-8E80-7A5D595508BC}"/>
+              </a:ext>
+            </a:extLst>
+          </p:cNvPr>
+          <p:cNvSpPr/>
+          <p:nvPr/>
+        </p:nvSpPr>
+        <p:spPr>
+          <a:xfrm>
+            <a:off x="232183" y="8099736"/>
+            <a:ext cx="9882187" cy="6724961"/>
+          </a:xfrm>
+          <a:prstGeom prst="rect">
+            <a:avLst/>
+          </a:prstGeom>
+          <a:solidFill>
+            <a:schemeClr val="accent5">
+              <a:lumMod val="60000"/>
+              <a:lumOff val="40000"/>
+            </a:schemeClr>
+          </a:solidFill>
+        </p:spPr>
+        <p:style>
+          <a:lnRef idx="2">
+            <a:schemeClr val="accent1">
+              <a:shade val="50000"/>
+            </a:schemeClr>
+          </a:lnRef>
+          <a:fillRef idx="1">
+            <a:schemeClr val="accent1"/>
+          </a:fillRef>
+          <a:effectRef idx="0">
+            <a:schemeClr val="accent1"/>
+          </a:effectRef>
+          <a:fontRef idx="minor">
+            <a:schemeClr val="lt1"/>
+          </a:fontRef>
+        </p:style>
+        <p:txBody>
+          <a:bodyPr rtlCol="0" anchor="ctr"/>
+          <a:lstStyle/>
+          <a:p>
+            <a:pPr algn="ctr"/>
+            <a:endParaRPr lang="en-US"/>
+          </a:p>
+        </p:txBody>
+      </p:sp>
+      <p:sp>
+        <p:nvSpPr>
+          <p:cNvPr id="17" name="Rectangle 16">
+            <a:extLst>
+              <a:ext uri="{FF2B5EF4-FFF2-40B4-BE49-F238E27FC236}">
+                <a16:creationId xmlns:a16="http://schemas.microsoft.com/office/drawing/2014/main" id="{7AB976B2-7E97-4E4C-8C61-E5BA08102D98}"/>
+              </a:ext>
+            </a:extLst>
+          </p:cNvPr>
+          <p:cNvSpPr/>
+          <p:nvPr/>
+        </p:nvSpPr>
+        <p:spPr>
+          <a:xfrm>
+            <a:off x="232183" y="4353507"/>
+            <a:ext cx="9882187" cy="3619770"/>
+          </a:xfrm>
+          <a:prstGeom prst="rect">
+            <a:avLst/>
+          </a:prstGeom>
+          <a:solidFill>
+            <a:schemeClr val="accent5">
+              <a:lumMod val="60000"/>
+              <a:lumOff val="40000"/>
+            </a:schemeClr>
+          </a:solidFill>
+        </p:spPr>
+        <p:style>
+          <a:lnRef idx="2">
+            <a:schemeClr val="accent1">
+              <a:shade val="50000"/>
+            </a:schemeClr>
+          </a:lnRef>
+          <a:fillRef idx="1">
+            <a:schemeClr val="accent1"/>
+          </a:fillRef>
+          <a:effectRef idx="0">
+            <a:schemeClr val="accent1"/>
+          </a:effectRef>
+          <a:fontRef idx="minor">
+            <a:schemeClr val="lt1"/>
+          </a:fontRef>
+        </p:style>
+        <p:txBody>
+          <a:bodyPr rtlCol="0" anchor="ctr"/>
+          <a:lstStyle/>
+          <a:p>
+            <a:pPr algn="ctr"/>
+            <a:endParaRPr lang="en-US"/>
+          </a:p>
+        </p:txBody>
+      </p:sp>
+      <p:sp>
+        <p:nvSpPr>
+          <p:cNvPr id="16" name="Rectangle 15">
+            <a:extLst>
+              <a:ext uri="{FF2B5EF4-FFF2-40B4-BE49-F238E27FC236}">
+                <a16:creationId xmlns:a16="http://schemas.microsoft.com/office/drawing/2014/main" id="{0AE034B6-5835-458B-8EB5-22E6633048F4}"/>
+              </a:ext>
+            </a:extLst>
+          </p:cNvPr>
+          <p:cNvSpPr/>
+          <p:nvPr/>
+        </p:nvSpPr>
+        <p:spPr>
+          <a:xfrm>
+            <a:off x="0" y="0"/>
+            <a:ext cx="21383625" cy="4226254"/>
+          </a:xfrm>
+          <a:prstGeom prst="rect">
+            <a:avLst/>
+          </a:prstGeom>
+          <a:gradFill flip="none" rotWithShape="1">
+            <a:gsLst>
+              <a:gs pos="100000">
+                <a:srgbClr val="FF7C80"/>
+              </a:gs>
+              <a:gs pos="0">
+                <a:srgbClr val="FF3333"/>
+              </a:gs>
+              <a:gs pos="100000">
+                <a:schemeClr val="bg1"/>
+              </a:gs>
+              <a:gs pos="100000">
+                <a:schemeClr val="bg1"/>
+              </a:gs>
+            </a:gsLst>
+            <a:path path="circle">
+              <a:fillToRect r="100000" b="100000"/>
+            </a:path>
+            <a:tileRect l="-100000" t="-100000"/>
+          </a:gradFill>
+          <a:ln>
+            <a:solidFill>
+              <a:schemeClr val="accent1"/>
+            </a:solidFill>
+          </a:ln>
+        </p:spPr>
+        <p:style>
+          <a:lnRef idx="2">
+            <a:schemeClr val="accent1">
+              <a:shade val="50000"/>
+            </a:schemeClr>
+          </a:lnRef>
+          <a:fillRef idx="1">
+            <a:schemeClr val="accent1"/>
+          </a:fillRef>
+          <a:effectRef idx="0">
+            <a:schemeClr val="accent1"/>
+          </a:effectRef>
+          <a:fontRef idx="minor">
+            <a:schemeClr val="lt1"/>
+          </a:fontRef>
+        </p:style>
+        <p:txBody>
+          <a:bodyPr rtlCol="0" anchor="ctr"/>
+          <a:lstStyle/>
+          <a:p>
+            <a:pPr algn="ctr"/>
+            <a:endParaRPr lang="en-US"/>
+          </a:p>
+        </p:txBody>
+      </p:sp>
+      <p:sp>
+        <p:nvSpPr>
           <p:cNvPr id="5" name="TextBox 4">
             <a:extLst>
               <a:ext uri="{FF2B5EF4-FFF2-40B4-BE49-F238E27FC236}">
@@ -2985,8 +3392,8 @@
         </p:nvSpPr>
         <p:spPr>
           <a:xfrm>
-            <a:off x="4876800" y="1167884"/>
-            <a:ext cx="11887199" cy="1323439"/>
+            <a:off x="290513" y="932359"/>
+            <a:ext cx="16706843" cy="1323439"/>
           </a:xfrm>
           <a:prstGeom prst="rect">
             <a:avLst/>
@@ -2999,9 +3406,8 @@
           </a:bodyPr>
           <a:lstStyle/>
           <a:p>
-            <a:pPr algn="ctr"/>
-            <a:r>
-              <a:rPr lang="en-US" sz="8000" dirty="0">
+            <a:r>
+              <a:rPr lang="en-US" sz="8000" b="1" u="sng" dirty="0">
                 <a:latin typeface="Arial" panose="020B0604020202020204" pitchFamily="34" charset="0"/>
                 <a:cs typeface="Arial" panose="020B0604020202020204" pitchFamily="34" charset="0"/>
               </a:rPr>
@@ -3024,8 +3430,8 @@
         </p:nvSpPr>
         <p:spPr>
           <a:xfrm>
-            <a:off x="407194" y="4701378"/>
-            <a:ext cx="9479758" cy="5078313"/>
+            <a:off x="306921" y="4385917"/>
+            <a:ext cx="9610494" cy="4278094"/>
           </a:xfrm>
           <a:prstGeom prst="rect">
             <a:avLst/>
@@ -3040,13 +3446,13 @@
           <a:p>
             <a:pPr algn="ctr"/>
             <a:r>
-              <a:rPr lang="en-US" sz="2800" b="1" u="sng" dirty="0">
+              <a:rPr lang="en-US" sz="3200" b="1" u="sng" dirty="0">
                 <a:latin typeface="Times New Roman" panose="02020603050405020304" pitchFamily="18" charset="0"/>
                 <a:cs typeface="Times New Roman" panose="02020603050405020304" pitchFamily="18" charset="0"/>
               </a:rPr>
               <a:t>Abstract</a:t>
             </a:r>
-            <a:endParaRPr lang="en-US" sz="2800" dirty="0">
+            <a:endParaRPr lang="en-US" sz="3200" dirty="0">
               <a:latin typeface="Times New Roman" panose="02020603050405020304" pitchFamily="18" charset="0"/>
               <a:cs typeface="Times New Roman" panose="02020603050405020304" pitchFamily="18" charset="0"/>
             </a:endParaRPr>
@@ -3057,7 +3463,7 @@
                 <a:latin typeface="Times New Roman" panose="02020603050405020304" pitchFamily="18" charset="0"/>
                 <a:cs typeface="Times New Roman" panose="02020603050405020304" pitchFamily="18" charset="0"/>
               </a:rPr>
-              <a:t> The objective of this project is to create a chatbot that can respond to queries related to a certain domain. The purpose of the domain specific chatbot is to help in gathering information about a given subject by asking questions to the bot and receiving information in response. This can be implemented using python along with certain deep learning and natural language processing libraries such as </a:t>
+              <a:t> The objective of this project is to create a chatbot that can respond to queries related to a certain domain. The purpose of this chatbot is to provide information related to electronic gadgets. This can be implemented using python along with certain deep learning and natural language processing libraries such as </a:t>
             </a:r>
             <a:r>
               <a:rPr lang="en-US" sz="2800" dirty="0" err="1">
@@ -3110,8 +3516,8 @@
         </p:nvSpPr>
         <p:spPr>
           <a:xfrm>
-            <a:off x="10490596" y="4680610"/>
-            <a:ext cx="9882187" cy="4247317"/>
+            <a:off x="217513" y="23496927"/>
+            <a:ext cx="9911528" cy="861774"/>
           </a:xfrm>
           <a:prstGeom prst="rect">
             <a:avLst/>
@@ -3126,57 +3532,11 @@
           <a:p>
             <a:pPr algn="ctr"/>
             <a:r>
-              <a:rPr lang="en-US" sz="2800" b="1" u="sng" dirty="0">
+              <a:rPr lang="en-US" sz="3200" b="1" u="sng" dirty="0">
                 <a:latin typeface="Times New Roman" panose="02020603050405020304" pitchFamily="18" charset="0"/>
                 <a:cs typeface="Times New Roman" panose="02020603050405020304" pitchFamily="18" charset="0"/>
               </a:rPr>
               <a:t>Natural Language Processing</a:t>
-            </a:r>
-          </a:p>
-          <a:p>
-            <a:r>
-              <a:rPr lang="en-US" sz="2800" b="1" u="sng" dirty="0">
-                <a:latin typeface="Times New Roman" panose="02020603050405020304" pitchFamily="18" charset="0"/>
-                <a:cs typeface="Times New Roman" panose="02020603050405020304" pitchFamily="18" charset="0"/>
-              </a:rPr>
-              <a:t>Tokenization: </a:t>
-            </a:r>
-            <a:r>
-              <a:rPr lang="en-US" sz="2800" dirty="0">
-                <a:latin typeface="Times New Roman" panose="02020603050405020304" pitchFamily="18" charset="0"/>
-                <a:cs typeface="Times New Roman" panose="02020603050405020304" pitchFamily="18" charset="0"/>
-              </a:rPr>
-              <a:t>Tokenization is a step where we take sentences and split the words in them as smaller units known as tokens. </a:t>
-            </a:r>
-            <a:r>
-              <a:rPr lang="en-US" sz="2800" b="1" u="sng" dirty="0">
-                <a:latin typeface="Times New Roman" panose="02020603050405020304" pitchFamily="18" charset="0"/>
-                <a:cs typeface="Times New Roman" panose="02020603050405020304" pitchFamily="18" charset="0"/>
-              </a:rPr>
-              <a:t>Stemming</a:t>
-            </a:r>
-            <a:r>
-              <a:rPr lang="en-US" sz="2800" dirty="0">
-                <a:latin typeface="Times New Roman" panose="02020603050405020304" pitchFamily="18" charset="0"/>
-                <a:cs typeface="Times New Roman" panose="02020603050405020304" pitchFamily="18" charset="0"/>
-              </a:rPr>
-              <a:t>: Stemming is the step that is performed after tokenization. Breaking down individual tokens to their simplest form is known as stemming. </a:t>
-            </a:r>
-          </a:p>
-          <a:p>
-            <a:r>
-              <a:rPr lang="en-US" sz="2800" b="1" u="sng" dirty="0">
-                <a:latin typeface="Times New Roman" panose="02020603050405020304" pitchFamily="18" charset="0"/>
-                <a:cs typeface="Times New Roman" panose="02020603050405020304" pitchFamily="18" charset="0"/>
-              </a:rPr>
-              <a:t>Bag of Words</a:t>
-            </a:r>
-            <a:r>
-              <a:rPr lang="en-US" sz="2800" dirty="0">
-                <a:latin typeface="Times New Roman" panose="02020603050405020304" pitchFamily="18" charset="0"/>
-                <a:cs typeface="Times New Roman" panose="02020603050405020304" pitchFamily="18" charset="0"/>
-              </a:rPr>
-              <a:t>: The bag of words is the step where the stemmed words are converted into a machine-readable form. Each word is converted to a unique combination of 0 and 1. </a:t>
             </a:r>
           </a:p>
           <a:p>
@@ -3198,8 +3558,8 @@
         </p:nvSpPr>
         <p:spPr>
           <a:xfrm>
-            <a:off x="10490596" y="12192649"/>
-            <a:ext cx="9882187" cy="6555641"/>
+            <a:off x="10426417" y="4390343"/>
+            <a:ext cx="10725025" cy="584775"/>
           </a:xfrm>
           <a:prstGeom prst="rect">
             <a:avLst/>
@@ -3214,108 +3574,11 @@
           <a:p>
             <a:pPr algn="ctr"/>
             <a:r>
-              <a:rPr lang="en-US" sz="2800" b="1" u="sng" dirty="0">
+              <a:rPr lang="en-US" sz="3200" b="1" u="sng" dirty="0">
                 <a:latin typeface="Times New Roman" panose="02020603050405020304" pitchFamily="18" charset="0"/>
                 <a:cs typeface="Times New Roman" panose="02020603050405020304" pitchFamily="18" charset="0"/>
               </a:rPr>
               <a:t>Training</a:t>
-            </a:r>
-          </a:p>
-          <a:p>
-            <a:r>
-              <a:rPr lang="en-US" sz="2800" b="1" u="sng" dirty="0">
-                <a:latin typeface="Times New Roman" panose="02020603050405020304" pitchFamily="18" charset="0"/>
-                <a:cs typeface="Times New Roman" panose="02020603050405020304" pitchFamily="18" charset="0"/>
-              </a:rPr>
-              <a:t>Model:</a:t>
-            </a:r>
-            <a:r>
-              <a:rPr lang="en-US" sz="2800" b="1" dirty="0">
-                <a:latin typeface="Times New Roman" panose="02020603050405020304" pitchFamily="18" charset="0"/>
-                <a:cs typeface="Times New Roman" panose="02020603050405020304" pitchFamily="18" charset="0"/>
-              </a:rPr>
-              <a:t> </a:t>
-            </a:r>
-            <a:r>
-              <a:rPr lang="en-US" sz="2800" dirty="0">
-                <a:latin typeface="Times New Roman" panose="02020603050405020304" pitchFamily="18" charset="0"/>
-                <a:cs typeface="Times New Roman" panose="02020603050405020304" pitchFamily="18" charset="0"/>
-              </a:rPr>
-              <a:t>To train the model we need to import the </a:t>
-            </a:r>
-            <a:r>
-              <a:rPr lang="en-US" sz="2800" dirty="0" err="1">
-                <a:latin typeface="Times New Roman" panose="02020603050405020304" pitchFamily="18" charset="0"/>
-                <a:cs typeface="Times New Roman" panose="02020603050405020304" pitchFamily="18" charset="0"/>
-              </a:rPr>
-              <a:t>Tensorflow</a:t>
-            </a:r>
-            <a:r>
-              <a:rPr lang="en-US" sz="2800" dirty="0">
-                <a:latin typeface="Times New Roman" panose="02020603050405020304" pitchFamily="18" charset="0"/>
-                <a:cs typeface="Times New Roman" panose="02020603050405020304" pitchFamily="18" charset="0"/>
-              </a:rPr>
-              <a:t> and </a:t>
-            </a:r>
-            <a:r>
-              <a:rPr lang="en-US" sz="2800" dirty="0" err="1">
-                <a:latin typeface="Times New Roman" panose="02020603050405020304" pitchFamily="18" charset="0"/>
-                <a:cs typeface="Times New Roman" panose="02020603050405020304" pitchFamily="18" charset="0"/>
-              </a:rPr>
-              <a:t>Keras</a:t>
-            </a:r>
-            <a:r>
-              <a:rPr lang="en-US" sz="2800" dirty="0">
-                <a:latin typeface="Times New Roman" panose="02020603050405020304" pitchFamily="18" charset="0"/>
-                <a:cs typeface="Times New Roman" panose="02020603050405020304" pitchFamily="18" charset="0"/>
-              </a:rPr>
-              <a:t> libraries. We use a function known as dense to declare a layer of neurons. I have declared two hidden layers with 50 neurons each that perform the computations and a final layer with one neuron that gives the output. </a:t>
-            </a:r>
-          </a:p>
-          <a:p>
-            <a:r>
-              <a:rPr lang="en-US" sz="2800" b="1" u="sng" dirty="0">
-                <a:latin typeface="Times New Roman" panose="02020603050405020304" pitchFamily="18" charset="0"/>
-                <a:cs typeface="Times New Roman" panose="02020603050405020304" pitchFamily="18" charset="0"/>
-              </a:rPr>
-              <a:t>Activation Function:</a:t>
-            </a:r>
-            <a:r>
-              <a:rPr lang="en-US" sz="2800" b="1" dirty="0">
-                <a:latin typeface="Times New Roman" panose="02020603050405020304" pitchFamily="18" charset="0"/>
-                <a:cs typeface="Times New Roman" panose="02020603050405020304" pitchFamily="18" charset="0"/>
-              </a:rPr>
-              <a:t> </a:t>
-            </a:r>
-            <a:r>
-              <a:rPr lang="en-US" sz="2800" dirty="0">
-                <a:latin typeface="Times New Roman" panose="02020603050405020304" pitchFamily="18" charset="0"/>
-                <a:cs typeface="Times New Roman" panose="02020603050405020304" pitchFamily="18" charset="0"/>
-              </a:rPr>
-              <a:t>The activation function is a parameter that is initialized while declaring the dense function. Each layer has an activation function. The activation function decides the types of predictions the model makes, and it is the most important parameter while declaring the model. </a:t>
-            </a:r>
-          </a:p>
-          <a:p>
-            <a:r>
-              <a:rPr lang="en-US" sz="2800" b="1" u="sng" dirty="0">
-                <a:latin typeface="Times New Roman" panose="02020603050405020304" pitchFamily="18" charset="0"/>
-                <a:cs typeface="Times New Roman" panose="02020603050405020304" pitchFamily="18" charset="0"/>
-              </a:rPr>
-              <a:t>Compiling and Fitting:</a:t>
-            </a:r>
-            <a:r>
-              <a:rPr lang="en-US" sz="2800" b="1" dirty="0">
-                <a:latin typeface="Times New Roman" panose="02020603050405020304" pitchFamily="18" charset="0"/>
-                <a:cs typeface="Times New Roman" panose="02020603050405020304" pitchFamily="18" charset="0"/>
-              </a:rPr>
-              <a:t> </a:t>
-            </a:r>
-            <a:r>
-              <a:rPr lang="en-US" sz="2800" dirty="0">
-                <a:latin typeface="Times New Roman" panose="02020603050405020304" pitchFamily="18" charset="0"/>
-                <a:cs typeface="Times New Roman" panose="02020603050405020304" pitchFamily="18" charset="0"/>
-              </a:rPr>
-              <a:t>The next step is to compile and fit the model to the processed dataset. While compiling the model, we need to declare a function called compile and set the optimizer, loss function and metrics. </a:t>
             </a:r>
           </a:p>
         </p:txBody>
@@ -3334,8 +3597,8 @@
         </p:nvSpPr>
         <p:spPr>
           <a:xfrm>
-            <a:off x="407171" y="9106804"/>
-            <a:ext cx="9882187" cy="5262979"/>
+            <a:off x="297847" y="8217707"/>
+            <a:ext cx="9765529" cy="1015663"/>
           </a:xfrm>
           <a:prstGeom prst="rect">
             <a:avLst/>
@@ -3350,7 +3613,7 @@
           <a:p>
             <a:pPr algn="ctr"/>
             <a:r>
-              <a:rPr lang="en-US" sz="2800" b="1" u="sng" dirty="0">
+              <a:rPr lang="en-US" sz="3200" b="1" u="sng" dirty="0">
                 <a:latin typeface="Times New Roman" panose="02020603050405020304" pitchFamily="18" charset="0"/>
                 <a:cs typeface="Times New Roman" panose="02020603050405020304" pitchFamily="18" charset="0"/>
               </a:rPr>
@@ -3358,97 +3621,14 @@
             </a:r>
           </a:p>
           <a:p>
-            <a:r>
-              <a:rPr lang="en-US" sz="2800" b="1" u="sng" dirty="0" err="1">
-                <a:latin typeface="Times New Roman" panose="02020603050405020304" pitchFamily="18" charset="0"/>
-                <a:cs typeface="Times New Roman" panose="02020603050405020304" pitchFamily="18" charset="0"/>
-              </a:rPr>
-              <a:t>Tensorflow</a:t>
-            </a:r>
-            <a:r>
-              <a:rPr lang="en-US" sz="2800" b="1" u="sng" dirty="0">
-                <a:latin typeface="Times New Roman" panose="02020603050405020304" pitchFamily="18" charset="0"/>
-                <a:cs typeface="Times New Roman" panose="02020603050405020304" pitchFamily="18" charset="0"/>
-              </a:rPr>
-              <a:t> and </a:t>
-            </a:r>
-            <a:r>
-              <a:rPr lang="en-US" sz="2800" b="1" u="sng" dirty="0" err="1">
-                <a:latin typeface="Times New Roman" panose="02020603050405020304" pitchFamily="18" charset="0"/>
-                <a:cs typeface="Times New Roman" panose="02020603050405020304" pitchFamily="18" charset="0"/>
-              </a:rPr>
-              <a:t>Keras</a:t>
-            </a:r>
-            <a:r>
-              <a:rPr lang="en-US" sz="2800" b="1" u="sng" dirty="0">
-                <a:latin typeface="Times New Roman" panose="02020603050405020304" pitchFamily="18" charset="0"/>
-                <a:cs typeface="Times New Roman" panose="02020603050405020304" pitchFamily="18" charset="0"/>
-              </a:rPr>
-              <a:t> </a:t>
-            </a:r>
-            <a:r>
-              <a:rPr lang="en-US" sz="2800" dirty="0">
-                <a:latin typeface="Times New Roman" panose="02020603050405020304" pitchFamily="18" charset="0"/>
-                <a:cs typeface="Times New Roman" panose="02020603050405020304" pitchFamily="18" charset="0"/>
-              </a:rPr>
-              <a:t>– These libraries are used for implementing neural networks and executing deep learning models. </a:t>
-            </a:r>
-          </a:p>
-          <a:p>
-            <a:r>
-              <a:rPr lang="en-US" sz="2800" b="1" u="sng" dirty="0">
-                <a:latin typeface="Times New Roman" panose="02020603050405020304" pitchFamily="18" charset="0"/>
-                <a:cs typeface="Times New Roman" panose="02020603050405020304" pitchFamily="18" charset="0"/>
-              </a:rPr>
-              <a:t>NLTK</a:t>
-            </a:r>
-            <a:r>
-              <a:rPr lang="en-US" sz="2800" dirty="0">
-                <a:latin typeface="Times New Roman" panose="02020603050405020304" pitchFamily="18" charset="0"/>
-                <a:cs typeface="Times New Roman" panose="02020603050405020304" pitchFamily="18" charset="0"/>
-              </a:rPr>
-              <a:t> – Natural Language Toolkit also known as NLTK is a library that is used to perform operations on words and alphabetic data. Tokenizing and Stemming are some of the useful operations that we perform on the data and for this we use the NLTK library.</a:t>
-            </a:r>
-          </a:p>
-          <a:p>
-            <a:r>
-              <a:rPr lang="en-US" sz="2800" b="1" u="sng" dirty="0">
-                <a:latin typeface="Times New Roman" panose="02020603050405020304" pitchFamily="18" charset="0"/>
-                <a:cs typeface="Times New Roman" panose="02020603050405020304" pitchFamily="18" charset="0"/>
-              </a:rPr>
-              <a:t>JSON </a:t>
-            </a:r>
-            <a:r>
-              <a:rPr lang="en-US" sz="2800" dirty="0">
-                <a:latin typeface="Times New Roman" panose="02020603050405020304" pitchFamily="18" charset="0"/>
-                <a:cs typeface="Times New Roman" panose="02020603050405020304" pitchFamily="18" charset="0"/>
-              </a:rPr>
-              <a:t>– We use this library to import the intents file into the program which is of type JSON. </a:t>
-            </a:r>
-          </a:p>
-          <a:p>
-            <a:r>
-              <a:rPr lang="en-US" sz="2800" b="1" u="sng" dirty="0" err="1">
-                <a:latin typeface="Times New Roman" panose="02020603050405020304" pitchFamily="18" charset="0"/>
-                <a:cs typeface="Times New Roman" panose="02020603050405020304" pitchFamily="18" charset="0"/>
-              </a:rPr>
-              <a:t>Numpy</a:t>
-            </a:r>
-            <a:r>
-              <a:rPr lang="en-US" sz="2800" b="1" u="sng" dirty="0">
-                <a:latin typeface="Times New Roman" panose="02020603050405020304" pitchFamily="18" charset="0"/>
-                <a:cs typeface="Times New Roman" panose="02020603050405020304" pitchFamily="18" charset="0"/>
-              </a:rPr>
-              <a:t> &amp; Pandas </a:t>
-            </a:r>
-            <a:r>
-              <a:rPr lang="en-US" sz="2800" dirty="0">
-                <a:latin typeface="Times New Roman" panose="02020603050405020304" pitchFamily="18" charset="0"/>
-                <a:cs typeface="Times New Roman" panose="02020603050405020304" pitchFamily="18" charset="0"/>
-              </a:rPr>
-              <a:t>– These are libraries that are almost always used in any projects that involve data. They are used to reorder, reshape, and rearrange data and perform other modifications to the dataset.</a:t>
-            </a:r>
-            <a:endParaRPr lang="en-US" sz="2800" dirty="0"/>
+            <a:pPr marL="342900" indent="-342900">
+              <a:buFont typeface="Arial" panose="020B0604020202020204" pitchFamily="34" charset="0"/>
+              <a:buChar char="•"/>
+            </a:pPr>
+            <a:endParaRPr lang="en-US" sz="2800" dirty="0">
+              <a:latin typeface="Times New Roman" panose="02020603050405020304" pitchFamily="18" charset="0"/>
+              <a:cs typeface="Times New Roman" panose="02020603050405020304" pitchFamily="18" charset="0"/>
+            </a:endParaRPr>
           </a:p>
         </p:txBody>
       </p:sp>
@@ -3466,8 +3646,8 @@
         </p:nvSpPr>
         <p:spPr>
           <a:xfrm>
-            <a:off x="290513" y="17568555"/>
-            <a:ext cx="9882187" cy="7417415"/>
+            <a:off x="232184" y="14951156"/>
+            <a:ext cx="9882186" cy="4462760"/>
           </a:xfrm>
           <a:prstGeom prst="rect">
             <a:avLst/>
@@ -3482,20 +3662,36 @@
           <a:p>
             <a:pPr algn="ctr"/>
             <a:r>
+              <a:rPr lang="en-US" sz="3200" b="1" u="sng" dirty="0">
+                <a:latin typeface="Times New Roman" panose="02020603050405020304" pitchFamily="18" charset="0"/>
+                <a:cs typeface="Times New Roman" panose="02020603050405020304" pitchFamily="18" charset="0"/>
+              </a:rPr>
+              <a:t>Intents </a:t>
+            </a:r>
+          </a:p>
+          <a:p>
+            <a:r>
+              <a:rPr lang="en-US" sz="2800" dirty="0">
+                <a:latin typeface="Times New Roman" panose="02020603050405020304" pitchFamily="18" charset="0"/>
+                <a:cs typeface="Times New Roman" panose="02020603050405020304" pitchFamily="18" charset="0"/>
+              </a:rPr>
+              <a:t>This is a JSON file that consists of classes, patterns and responses. </a:t>
+            </a:r>
+          </a:p>
+          <a:p>
+            <a:r>
               <a:rPr lang="en-US" sz="2800" b="1" u="sng" dirty="0">
                 <a:latin typeface="Times New Roman" panose="02020603050405020304" pitchFamily="18" charset="0"/>
                 <a:cs typeface="Times New Roman" panose="02020603050405020304" pitchFamily="18" charset="0"/>
               </a:rPr>
-              <a:t>Intents </a:t>
-            </a:r>
-          </a:p>
-          <a:p>
+              <a:t>Classes:</a:t>
+            </a:r>
             <a:r>
               <a:rPr lang="en-US" sz="2800" dirty="0">
                 <a:latin typeface="Times New Roman" panose="02020603050405020304" pitchFamily="18" charset="0"/>
                 <a:cs typeface="Times New Roman" panose="02020603050405020304" pitchFamily="18" charset="0"/>
               </a:rPr>
-              <a:t>This is a JSON file that consists of classes, patterns and responses. </a:t>
+              <a:t> Classes are used to categorize the queries and responses in the chatbot. For example, user inputs such as “Hello”, “Hi”, “Good Morning”, etc. will belong to the greeting class.</a:t>
             </a:r>
           </a:p>
           <a:p>
@@ -3504,14 +3700,14 @@
                 <a:latin typeface="Times New Roman" panose="02020603050405020304" pitchFamily="18" charset="0"/>
                 <a:cs typeface="Times New Roman" panose="02020603050405020304" pitchFamily="18" charset="0"/>
               </a:rPr>
-              <a:t>JSON:</a:t>
+              <a:t>Patterns:</a:t>
             </a:r>
             <a:r>
               <a:rPr lang="en-US" sz="2800" dirty="0">
                 <a:latin typeface="Times New Roman" panose="02020603050405020304" pitchFamily="18" charset="0"/>
                 <a:cs typeface="Times New Roman" panose="02020603050405020304" pitchFamily="18" charset="0"/>
               </a:rPr>
-              <a:t> JSON stands for Java Script Object Notation. JSON files are used to store and transmit human-readable text data.</a:t>
+              <a:t> Patterns contain keywords and terms that will generally be a be part of queries related to a certain topic. The patterns section will help the bot pick up these terms.</a:t>
             </a:r>
           </a:p>
           <a:p>
@@ -3520,122 +3716,18 @@
                 <a:latin typeface="Times New Roman" panose="02020603050405020304" pitchFamily="18" charset="0"/>
                 <a:cs typeface="Times New Roman" panose="02020603050405020304" pitchFamily="18" charset="0"/>
               </a:rPr>
-              <a:t>classes:</a:t>
+              <a:t>Responses:</a:t>
             </a:r>
             <a:r>
               <a:rPr lang="en-US" sz="2800" dirty="0">
                 <a:latin typeface="Times New Roman" panose="02020603050405020304" pitchFamily="18" charset="0"/>
                 <a:cs typeface="Times New Roman" panose="02020603050405020304" pitchFamily="18" charset="0"/>
               </a:rPr>
-              <a:t> classes are used to categorize the queries and responses in the chatbot. They act as subtopics inside the chatbot. For example, user inputs such as “Hello”, “Hi”, “Good Morning”, etc. will belong to the greeting class.</a:t>
-            </a:r>
-          </a:p>
-          <a:p>
-            <a:r>
-              <a:rPr lang="en-US" sz="2800" b="1" u="sng" dirty="0">
-                <a:latin typeface="Times New Roman" panose="02020603050405020304" pitchFamily="18" charset="0"/>
-                <a:cs typeface="Times New Roman" panose="02020603050405020304" pitchFamily="18" charset="0"/>
-              </a:rPr>
-              <a:t>Patterns:</a:t>
-            </a:r>
-            <a:r>
-              <a:rPr lang="en-US" sz="2800" dirty="0">
-                <a:latin typeface="Times New Roman" panose="02020603050405020304" pitchFamily="18" charset="0"/>
-                <a:cs typeface="Times New Roman" panose="02020603050405020304" pitchFamily="18" charset="0"/>
-              </a:rPr>
-              <a:t> Patterns are the types of queries that the chatbot can expect from the users. Certain keywords and terms will generally be a be part of queries related to a certain topic. The patterns section will help the bot pick up these terms and generate an appropriate response based on its response section for the same class. </a:t>
-            </a:r>
-          </a:p>
-          <a:p>
-            <a:r>
-              <a:rPr lang="en-US" sz="2800" b="1" u="sng" dirty="0">
-                <a:latin typeface="Times New Roman" panose="02020603050405020304" pitchFamily="18" charset="0"/>
-                <a:cs typeface="Times New Roman" panose="02020603050405020304" pitchFamily="18" charset="0"/>
-              </a:rPr>
-              <a:t>Responses:</a:t>
-            </a:r>
-            <a:r>
-              <a:rPr lang="en-US" sz="2800" dirty="0">
-                <a:latin typeface="Times New Roman" panose="02020603050405020304" pitchFamily="18" charset="0"/>
-                <a:cs typeface="Times New Roman" panose="02020603050405020304" pitchFamily="18" charset="0"/>
-              </a:rPr>
-              <a:t> Responses are the replies that the chatbot will give depending on the questions from the user. There can be one or more similar responses for the same query as there are multiple responses under each class.</a:t>
-            </a:r>
-          </a:p>
-        </p:txBody>
-      </p:sp>
-      <p:pic>
-        <p:nvPicPr>
-          <p:cNvPr id="15" name="Picture 14" descr="Logo&#10;&#10;Description automatically generated">
-            <a:extLst>
-              <a:ext uri="{FF2B5EF4-FFF2-40B4-BE49-F238E27FC236}">
-                <a16:creationId xmlns:a16="http://schemas.microsoft.com/office/drawing/2014/main" id="{8B31486D-8F04-4DA7-8F5F-B727C38684A1}"/>
-              </a:ext>
-            </a:extLst>
-          </p:cNvPr>
-          <p:cNvPicPr>
-            <a:picLocks noChangeAspect="1"/>
-          </p:cNvPicPr>
-          <p:nvPr/>
-        </p:nvPicPr>
-        <p:blipFill>
-          <a:blip r:embed="rId2">
-            <a:extLst>
-              <a:ext uri="{28A0092B-C50C-407E-A947-70E740481C1C}">
-                <a14:useLocalDpi xmlns:a14="http://schemas.microsoft.com/office/drawing/2010/main" val="0"/>
-              </a:ext>
-            </a:extLst>
-          </a:blip>
-          <a:stretch>
-            <a:fillRect/>
-          </a:stretch>
-        </p:blipFill>
-        <p:spPr>
-          <a:xfrm>
-            <a:off x="608410" y="783695"/>
-            <a:ext cx="1757365" cy="1707628"/>
-          </a:xfrm>
-          <a:prstGeom prst="rect">
-            <a:avLst/>
-          </a:prstGeom>
-        </p:spPr>
-      </p:pic>
-      <p:pic>
-        <p:nvPicPr>
-          <p:cNvPr id="18" name="Picture 17" descr="Logo&#10;&#10;Description automatically generated">
-            <a:extLst>
-              <a:ext uri="{FF2B5EF4-FFF2-40B4-BE49-F238E27FC236}">
-                <a16:creationId xmlns:a16="http://schemas.microsoft.com/office/drawing/2014/main" id="{BFDBF222-5C19-41B0-9645-8A17885158B5}"/>
-              </a:ext>
-            </a:extLst>
-          </p:cNvPr>
-          <p:cNvPicPr>
-            <a:picLocks noChangeAspect="1"/>
-          </p:cNvPicPr>
-          <p:nvPr/>
-        </p:nvPicPr>
-        <p:blipFill>
-          <a:blip r:embed="rId2">
-            <a:extLst>
-              <a:ext uri="{28A0092B-C50C-407E-A947-70E740481C1C}">
-                <a14:useLocalDpi xmlns:a14="http://schemas.microsoft.com/office/drawing/2010/main" val="0"/>
-              </a:ext>
-            </a:extLst>
-          </a:blip>
-          <a:stretch>
-            <a:fillRect/>
-          </a:stretch>
-        </p:blipFill>
-        <p:spPr>
-          <a:xfrm>
-            <a:off x="19017849" y="754954"/>
-            <a:ext cx="1757365" cy="1707628"/>
-          </a:xfrm>
-          <a:prstGeom prst="rect">
-            <a:avLst/>
-          </a:prstGeom>
-        </p:spPr>
-      </p:pic>
+              <a:t> Responses are the replies that the chatbot will give depending on the questions from the user. </a:t>
+            </a:r>
+          </a:p>
+        </p:txBody>
+      </p:sp>
       <p:sp>
         <p:nvSpPr>
           <p:cNvPr id="19" name="TextBox 18">
@@ -3650,7 +3742,7 @@
         </p:nvSpPr>
         <p:spPr>
           <a:xfrm>
-            <a:off x="2819400" y="2639832"/>
+            <a:off x="290513" y="2383051"/>
             <a:ext cx="16198449" cy="1569660"/>
           </a:xfrm>
           <a:prstGeom prst="rect">
@@ -3664,9 +3756,8 @@
           </a:bodyPr>
           <a:lstStyle/>
           <a:p>
-            <a:pPr algn="ctr"/>
-            <a:r>
-              <a:rPr lang="en-US" sz="4800" dirty="0">
+            <a:r>
+              <a:rPr lang="en-US" sz="4800" b="1" dirty="0">
                 <a:latin typeface="Arial" panose="020B0604020202020204" pitchFamily="34" charset="0"/>
                 <a:cs typeface="Arial" panose="020B0604020202020204" pitchFamily="34" charset="0"/>
               </a:rPr>
@@ -3674,23 +3765,22 @@
             </a:r>
           </a:p>
           <a:p>
-            <a:pPr algn="ctr"/>
-            <a:r>
-              <a:rPr lang="en-US" sz="4800" dirty="0">
+            <a:r>
+              <a:rPr lang="en-US" sz="4800" b="1" dirty="0">
                 <a:latin typeface="Arial" panose="020B0604020202020204" pitchFamily="34" charset="0"/>
                 <a:cs typeface="Arial" panose="020B0604020202020204" pitchFamily="34" charset="0"/>
               </a:rPr>
               <a:t>BITS </a:t>
             </a:r>
             <a:r>
-              <a:rPr lang="en-US" sz="4800" dirty="0" err="1">
+              <a:rPr lang="en-US" sz="4800" b="1" dirty="0" err="1">
                 <a:latin typeface="Arial" panose="020B0604020202020204" pitchFamily="34" charset="0"/>
                 <a:cs typeface="Arial" panose="020B0604020202020204" pitchFamily="34" charset="0"/>
               </a:rPr>
               <a:t>Pilani</a:t>
             </a:r>
             <a:r>
-              <a:rPr lang="en-US" sz="4800" dirty="0">
+              <a:rPr lang="en-US" sz="4800" b="1" dirty="0">
                 <a:latin typeface="Arial" panose="020B0604020202020204" pitchFamily="34" charset="0"/>
                 <a:cs typeface="Arial" panose="020B0604020202020204" pitchFamily="34" charset="0"/>
               </a:rPr>
@@ -3713,8 +3803,8 @@
         </p:nvSpPr>
         <p:spPr>
           <a:xfrm>
-            <a:off x="10490596" y="21277262"/>
-            <a:ext cx="9882187" cy="3385542"/>
+            <a:off x="11235458" y="23162197"/>
+            <a:ext cx="4018805" cy="3816429"/>
           </a:xfrm>
           <a:prstGeom prst="rect">
             <a:avLst/>
@@ -3728,13 +3818,10 @@
           <a:lstStyle/>
           <a:p>
             <a:pPr algn="ctr"/>
-            <a:r>
-              <a:rPr lang="en-US" sz="2800" b="1" u="sng" dirty="0">
-                <a:latin typeface="Times New Roman" panose="02020603050405020304" pitchFamily="18" charset="0"/>
-                <a:cs typeface="Times New Roman" panose="02020603050405020304" pitchFamily="18" charset="0"/>
-              </a:rPr>
-              <a:t>Result</a:t>
-            </a:r>
+            <a:endParaRPr lang="en-US" sz="2800" b="1" u="sng" dirty="0">
+              <a:latin typeface="Times New Roman" panose="02020603050405020304" pitchFamily="18" charset="0"/>
+              <a:cs typeface="Times New Roman" panose="02020603050405020304" pitchFamily="18" charset="0"/>
+            </a:endParaRPr>
           </a:p>
           <a:p>
             <a:r>
@@ -3742,7 +3829,7 @@
                 <a:latin typeface="Times New Roman" panose="02020603050405020304" pitchFamily="18" charset="0"/>
                 <a:cs typeface="Times New Roman" panose="02020603050405020304" pitchFamily="18" charset="0"/>
               </a:rPr>
-              <a:t>After training the model, we declare functions to tokenize, stem and create a bag of words model for the user text input (like how we processed the initial document). The user input, after being processed is then classified under a class and based on that a response is given. The bot is then hosted on a webpage using flask python library and html code. </a:t>
+              <a:t>Once the chatbot is fully functional, it can be hosted to a webpage using Flask (python library for web deployment) and a html script for the webpage design. </a:t>
             </a:r>
           </a:p>
           <a:p>
@@ -3764,16 +3851,15 @@
           </p:cNvPicPr>
           <p:nvPr/>
         </p:nvPicPr>
-        <p:blipFill>
-          <a:blip r:embed="rId3"/>
-          <a:stretch>
-            <a:fillRect/>
-          </a:stretch>
+        <p:blipFill rotWithShape="1">
+          <a:blip r:embed="rId2"/>
+          <a:srcRect l="1882" t="2994" r="5079"/>
+          <a:stretch/>
         </p:blipFill>
         <p:spPr>
           <a:xfrm>
-            <a:off x="11210926" y="18842237"/>
-            <a:ext cx="2953915" cy="2256065"/>
+            <a:off x="15910559" y="8030804"/>
+            <a:ext cx="4991150" cy="2901088"/>
           </a:xfrm>
           <a:prstGeom prst="rect">
             <a:avLst/>
@@ -3794,16 +3880,15 @@
           </p:cNvPicPr>
           <p:nvPr/>
         </p:nvPicPr>
-        <p:blipFill>
-          <a:blip r:embed="rId4"/>
-          <a:stretch>
-            <a:fillRect/>
-          </a:stretch>
+        <p:blipFill rotWithShape="1">
+          <a:blip r:embed="rId3"/>
+          <a:srcRect t="2527" r="6647"/>
+          <a:stretch/>
         </p:blipFill>
         <p:spPr>
           <a:xfrm>
-            <a:off x="16763999" y="18842237"/>
-            <a:ext cx="3052036" cy="2256065"/>
+            <a:off x="15930889" y="11003941"/>
+            <a:ext cx="4970819" cy="2362738"/>
           </a:xfrm>
           <a:prstGeom prst="rect">
             <a:avLst/>
@@ -3824,46 +3909,15 @@
           </p:cNvPicPr>
           <p:nvPr/>
         </p:nvPicPr>
-        <p:blipFill>
-          <a:blip r:embed="rId5"/>
-          <a:stretch>
-            <a:fillRect/>
-          </a:stretch>
+        <p:blipFill rotWithShape="1">
+          <a:blip r:embed="rId4"/>
+          <a:srcRect r="3841" b="1981"/>
+          <a:stretch/>
         </p:blipFill>
         <p:spPr>
           <a:xfrm>
-            <a:off x="13413138" y="9097482"/>
-            <a:ext cx="4037101" cy="2640811"/>
-          </a:xfrm>
-          <a:prstGeom prst="rect">
-            <a:avLst/>
-          </a:prstGeom>
-        </p:spPr>
-      </p:pic>
-      <p:pic>
-        <p:nvPicPr>
-          <p:cNvPr id="21" name="Picture 20">
-            <a:extLst>
-              <a:ext uri="{FF2B5EF4-FFF2-40B4-BE49-F238E27FC236}">
-                <a16:creationId xmlns:a16="http://schemas.microsoft.com/office/drawing/2014/main" id="{7C016FEB-F2F0-400C-A2E0-C3CF2CE30DB1}"/>
-              </a:ext>
-            </a:extLst>
-          </p:cNvPr>
-          <p:cNvPicPr>
-            <a:picLocks noChangeAspect="1"/>
-          </p:cNvPicPr>
-          <p:nvPr/>
-        </p:nvPicPr>
-        <p:blipFill>
-          <a:blip r:embed="rId6"/>
-          <a:stretch>
-            <a:fillRect/>
-          </a:stretch>
-        </p:blipFill>
-        <p:spPr>
-          <a:xfrm>
-            <a:off x="3607570" y="14712085"/>
-            <a:ext cx="3481388" cy="2385086"/>
+            <a:off x="4717762" y="25043152"/>
+            <a:ext cx="5338276" cy="3743604"/>
           </a:xfrm>
           <a:prstGeom prst="rect">
             <a:avLst/>
@@ -3884,6 +3938,64 @@
           </p:cNvPicPr>
           <p:nvPr/>
         </p:nvPicPr>
+        <p:blipFill rotWithShape="1">
+          <a:blip r:embed="rId5"/>
+          <a:srcRect r="4547"/>
+          <a:stretch/>
+        </p:blipFill>
+        <p:spPr>
+          <a:xfrm>
+            <a:off x="348841" y="19388914"/>
+            <a:ext cx="9568574" cy="3781176"/>
+          </a:xfrm>
+          <a:prstGeom prst="rect">
+            <a:avLst/>
+          </a:prstGeom>
+        </p:spPr>
+      </p:pic>
+      <p:pic>
+        <p:nvPicPr>
+          <p:cNvPr id="2" name="Picture 1">
+            <a:extLst>
+              <a:ext uri="{FF2B5EF4-FFF2-40B4-BE49-F238E27FC236}">
+                <a16:creationId xmlns:a16="http://schemas.microsoft.com/office/drawing/2014/main" id="{2E2ACA0C-F831-445F-847F-36FB4EB08E6B}"/>
+              </a:ext>
+            </a:extLst>
+          </p:cNvPr>
+          <p:cNvPicPr>
+            <a:picLocks noChangeAspect="1"/>
+          </p:cNvPicPr>
+          <p:nvPr/>
+        </p:nvPicPr>
+        <p:blipFill rotWithShape="1">
+          <a:blip r:embed="rId6"/>
+          <a:srcRect l="2122" r="1457" b="9985"/>
+          <a:stretch/>
+        </p:blipFill>
+        <p:spPr>
+          <a:xfrm>
+            <a:off x="12951080" y="26715490"/>
+            <a:ext cx="5918958" cy="3007687"/>
+          </a:xfrm>
+          <a:prstGeom prst="rect">
+            <a:avLst/>
+          </a:prstGeom>
+        </p:spPr>
+      </p:pic>
+      <p:pic>
+        <p:nvPicPr>
+          <p:cNvPr id="11" name="Picture 10">
+            <a:extLst>
+              <a:ext uri="{FF2B5EF4-FFF2-40B4-BE49-F238E27FC236}">
+                <a16:creationId xmlns:a16="http://schemas.microsoft.com/office/drawing/2014/main" id="{374D64F9-854B-4F7C-BC81-8823985DC291}"/>
+              </a:ext>
+            </a:extLst>
+          </p:cNvPr>
+          <p:cNvPicPr>
+            <a:picLocks noChangeAspect="1"/>
+          </p:cNvPicPr>
+          <p:nvPr/>
+        </p:nvPicPr>
         <p:blipFill>
           <a:blip r:embed="rId7"/>
           <a:stretch>
@@ -3892,8 +4004,816 @@
         </p:blipFill>
         <p:spPr>
           <a:xfrm>
-            <a:off x="1092155" y="24985970"/>
-            <a:ext cx="8512217" cy="2954654"/>
+            <a:off x="15910559" y="5093767"/>
+            <a:ext cx="4991150" cy="2879510"/>
+          </a:xfrm>
+          <a:prstGeom prst="rect">
+            <a:avLst/>
+          </a:prstGeom>
+        </p:spPr>
+      </p:pic>
+      <p:pic>
+        <p:nvPicPr>
+          <p:cNvPr id="1026" name="Picture 2" descr="Research at BITS Pilani">
+            <a:extLst>
+              <a:ext uri="{FF2B5EF4-FFF2-40B4-BE49-F238E27FC236}">
+                <a16:creationId xmlns:a16="http://schemas.microsoft.com/office/drawing/2014/main" id="{03D9D703-1ED2-44C1-9DCE-5B6BCA30DBAC}"/>
+              </a:ext>
+            </a:extLst>
+          </p:cNvPr>
+          <p:cNvPicPr>
+            <a:picLocks noChangeAspect="1" noChangeArrowheads="1"/>
+          </p:cNvPicPr>
+          <p:nvPr/>
+        </p:nvPicPr>
+        <p:blipFill rotWithShape="1">
+          <a:blip r:embed="rId8">
+            <a:extLst>
+              <a:ext uri="{28A0092B-C50C-407E-A947-70E740481C1C}">
+                <a14:useLocalDpi xmlns:a14="http://schemas.microsoft.com/office/drawing/2010/main" val="0"/>
+              </a:ext>
+            </a:extLst>
+          </a:blip>
+          <a:srcRect r="19247"/>
+          <a:stretch/>
+        </p:blipFill>
+        <p:spPr bwMode="auto">
+          <a:xfrm>
+            <a:off x="15910560" y="2278868"/>
+            <a:ext cx="5182552" cy="1772735"/>
+          </a:xfrm>
+          <a:prstGeom prst="rect">
+            <a:avLst/>
+          </a:prstGeom>
+          <a:noFill/>
+          <a:extLst>
+            <a:ext uri="{909E8E84-426E-40DD-AFC4-6F175D3DCCD1}">
+              <a14:hiddenFill xmlns:a14="http://schemas.microsoft.com/office/drawing/2010/main">
+                <a:solidFill>
+                  <a:srgbClr val="FFFFFF"/>
+                </a:solidFill>
+              </a14:hiddenFill>
+            </a:ext>
+          </a:extLst>
+        </p:spPr>
+      </p:pic>
+      <p:pic>
+        <p:nvPicPr>
+          <p:cNvPr id="30" name="Picture 29">
+            <a:extLst>
+              <a:ext uri="{FF2B5EF4-FFF2-40B4-BE49-F238E27FC236}">
+                <a16:creationId xmlns:a16="http://schemas.microsoft.com/office/drawing/2014/main" id="{58DF6CDB-3607-4C3E-B1D3-F0B13E6A5199}"/>
+              </a:ext>
+            </a:extLst>
+          </p:cNvPr>
+          <p:cNvPicPr>
+            <a:picLocks noChangeAspect="1"/>
+          </p:cNvPicPr>
+          <p:nvPr/>
+        </p:nvPicPr>
+        <p:blipFill>
+          <a:blip r:embed="rId9"/>
+          <a:stretch>
+            <a:fillRect/>
+          </a:stretch>
+        </p:blipFill>
+        <p:spPr>
+          <a:xfrm>
+            <a:off x="4960416" y="9634172"/>
+            <a:ext cx="5095624" cy="4145370"/>
+          </a:xfrm>
+          <a:prstGeom prst="rect">
+            <a:avLst/>
+          </a:prstGeom>
+        </p:spPr>
+      </p:pic>
+      <p:sp>
+        <p:nvSpPr>
+          <p:cNvPr id="14" name="TextBox 13">
+            <a:extLst>
+              <a:ext uri="{FF2B5EF4-FFF2-40B4-BE49-F238E27FC236}">
+                <a16:creationId xmlns:a16="http://schemas.microsoft.com/office/drawing/2014/main" id="{998AD6C1-4127-47E9-A5E9-6226473DC25B}"/>
+              </a:ext>
+            </a:extLst>
+          </p:cNvPr>
+          <p:cNvSpPr txBox="1"/>
+          <p:nvPr/>
+        </p:nvSpPr>
+        <p:spPr>
+          <a:xfrm>
+            <a:off x="348841" y="8772623"/>
+            <a:ext cx="4812529" cy="6401753"/>
+          </a:xfrm>
+          <a:prstGeom prst="rect">
+            <a:avLst/>
+          </a:prstGeom>
+          <a:noFill/>
+        </p:spPr>
+        <p:txBody>
+          <a:bodyPr wrap="square" rtlCol="0">
+            <a:spAutoFit/>
+          </a:bodyPr>
+          <a:lstStyle/>
+          <a:p>
+            <a:pPr marL="342900" indent="-342900">
+              <a:buFont typeface="Arial" panose="020B0604020202020204" pitchFamily="34" charset="0"/>
+              <a:buChar char="•"/>
+            </a:pPr>
+            <a:r>
+              <a:rPr lang="en-US" sz="2800" b="1" u="sng" dirty="0" err="1">
+                <a:latin typeface="Times New Roman" panose="02020603050405020304" pitchFamily="18" charset="0"/>
+                <a:cs typeface="Times New Roman" panose="02020603050405020304" pitchFamily="18" charset="0"/>
+              </a:rPr>
+              <a:t>Tenorflow</a:t>
+            </a:r>
+            <a:r>
+              <a:rPr lang="en-US" sz="2800" b="1" u="sng" dirty="0">
+                <a:latin typeface="Times New Roman" panose="02020603050405020304" pitchFamily="18" charset="0"/>
+                <a:cs typeface="Times New Roman" panose="02020603050405020304" pitchFamily="18" charset="0"/>
+              </a:rPr>
+              <a:t> &amp; </a:t>
+            </a:r>
+            <a:r>
+              <a:rPr lang="en-US" sz="2800" b="1" u="sng" dirty="0" err="1">
+                <a:latin typeface="Times New Roman" panose="02020603050405020304" pitchFamily="18" charset="0"/>
+                <a:cs typeface="Times New Roman" panose="02020603050405020304" pitchFamily="18" charset="0"/>
+              </a:rPr>
+              <a:t>Keras</a:t>
+            </a:r>
+            <a:r>
+              <a:rPr lang="en-US" sz="2800" b="1" u="sng" dirty="0">
+                <a:latin typeface="Times New Roman" panose="02020603050405020304" pitchFamily="18" charset="0"/>
+                <a:cs typeface="Times New Roman" panose="02020603050405020304" pitchFamily="18" charset="0"/>
+              </a:rPr>
+              <a:t>:</a:t>
+            </a:r>
+            <a:r>
+              <a:rPr lang="en-US" sz="2800" b="1" dirty="0">
+                <a:latin typeface="Times New Roman" panose="02020603050405020304" pitchFamily="18" charset="0"/>
+                <a:cs typeface="Times New Roman" panose="02020603050405020304" pitchFamily="18" charset="0"/>
+              </a:rPr>
+              <a:t> </a:t>
+            </a:r>
+            <a:r>
+              <a:rPr lang="en-US" sz="2800" dirty="0">
+                <a:latin typeface="Times New Roman" panose="02020603050405020304" pitchFamily="18" charset="0"/>
+                <a:cs typeface="Times New Roman" panose="02020603050405020304" pitchFamily="18" charset="0"/>
+              </a:rPr>
+              <a:t>For training the model</a:t>
+            </a:r>
+          </a:p>
+          <a:p>
+            <a:pPr marL="342900" indent="-342900">
+              <a:buFont typeface="Arial" panose="020B0604020202020204" pitchFamily="34" charset="0"/>
+              <a:buChar char="•"/>
+            </a:pPr>
+            <a:r>
+              <a:rPr lang="en-US" sz="2800" b="1" u="sng" dirty="0" err="1">
+                <a:latin typeface="Times New Roman" panose="02020603050405020304" pitchFamily="18" charset="0"/>
+                <a:cs typeface="Times New Roman" panose="02020603050405020304" pitchFamily="18" charset="0"/>
+              </a:rPr>
+              <a:t>Numpy</a:t>
+            </a:r>
+            <a:r>
+              <a:rPr lang="en-US" sz="2800" b="1" u="sng" dirty="0">
+                <a:latin typeface="Times New Roman" panose="02020603050405020304" pitchFamily="18" charset="0"/>
+                <a:cs typeface="Times New Roman" panose="02020603050405020304" pitchFamily="18" charset="0"/>
+              </a:rPr>
+              <a:t>:</a:t>
+            </a:r>
+            <a:r>
+              <a:rPr lang="en-US" sz="2800" dirty="0">
+                <a:latin typeface="Times New Roman" panose="02020603050405020304" pitchFamily="18" charset="0"/>
+                <a:cs typeface="Times New Roman" panose="02020603050405020304" pitchFamily="18" charset="0"/>
+              </a:rPr>
+              <a:t> To reshape and rearrange the data</a:t>
+            </a:r>
+          </a:p>
+          <a:p>
+            <a:pPr marL="342900" indent="-342900">
+              <a:buFont typeface="Arial" panose="020B0604020202020204" pitchFamily="34" charset="0"/>
+              <a:buChar char="•"/>
+            </a:pPr>
+            <a:r>
+              <a:rPr lang="en-US" sz="2800" b="1" u="sng" dirty="0">
+                <a:latin typeface="Times New Roman" panose="02020603050405020304" pitchFamily="18" charset="0"/>
+                <a:cs typeface="Times New Roman" panose="02020603050405020304" pitchFamily="18" charset="0"/>
+              </a:rPr>
+              <a:t>Matplotlib:</a:t>
+            </a:r>
+            <a:r>
+              <a:rPr lang="en-US" sz="2800" dirty="0">
+                <a:latin typeface="Times New Roman" panose="02020603050405020304" pitchFamily="18" charset="0"/>
+                <a:cs typeface="Times New Roman" panose="02020603050405020304" pitchFamily="18" charset="0"/>
+              </a:rPr>
+              <a:t> To visualize the training results graphically</a:t>
+            </a:r>
+          </a:p>
+          <a:p>
+            <a:pPr marL="342900" indent="-342900">
+              <a:buFont typeface="Arial" panose="020B0604020202020204" pitchFamily="34" charset="0"/>
+              <a:buChar char="•"/>
+            </a:pPr>
+            <a:r>
+              <a:rPr lang="en-US" sz="2800" b="1" u="sng" dirty="0" err="1">
+                <a:latin typeface="Times New Roman" panose="02020603050405020304" pitchFamily="18" charset="0"/>
+                <a:cs typeface="Times New Roman" panose="02020603050405020304" pitchFamily="18" charset="0"/>
+              </a:rPr>
+              <a:t>Nltk</a:t>
+            </a:r>
+            <a:r>
+              <a:rPr lang="en-US" sz="2800" b="1" u="sng" dirty="0">
+                <a:latin typeface="Times New Roman" panose="02020603050405020304" pitchFamily="18" charset="0"/>
+                <a:cs typeface="Times New Roman" panose="02020603050405020304" pitchFamily="18" charset="0"/>
+              </a:rPr>
+              <a:t>:</a:t>
+            </a:r>
+            <a:r>
+              <a:rPr lang="en-US" sz="2800" dirty="0">
+                <a:latin typeface="Times New Roman" panose="02020603050405020304" pitchFamily="18" charset="0"/>
+                <a:cs typeface="Times New Roman" panose="02020603050405020304" pitchFamily="18" charset="0"/>
+              </a:rPr>
+              <a:t> To perform operations on words and alphabetic data before training</a:t>
+            </a:r>
+          </a:p>
+          <a:p>
+            <a:pPr marL="342900" indent="-342900">
+              <a:buFont typeface="Arial" panose="020B0604020202020204" pitchFamily="34" charset="0"/>
+              <a:buChar char="•"/>
+            </a:pPr>
+            <a:r>
+              <a:rPr lang="en-US" sz="2800" b="1" u="sng" dirty="0">
+                <a:latin typeface="Times New Roman" panose="02020603050405020304" pitchFamily="18" charset="0"/>
+                <a:cs typeface="Times New Roman" panose="02020603050405020304" pitchFamily="18" charset="0"/>
+              </a:rPr>
+              <a:t>JSON</a:t>
+            </a:r>
+            <a:r>
+              <a:rPr lang="en-US" sz="2800" b="1" dirty="0">
+                <a:latin typeface="Times New Roman" panose="02020603050405020304" pitchFamily="18" charset="0"/>
+                <a:cs typeface="Times New Roman" panose="02020603050405020304" pitchFamily="18" charset="0"/>
+              </a:rPr>
+              <a:t>:</a:t>
+            </a:r>
+            <a:r>
+              <a:rPr lang="en-US" sz="2800" dirty="0">
+                <a:latin typeface="Times New Roman" panose="02020603050405020304" pitchFamily="18" charset="0"/>
+                <a:cs typeface="Times New Roman" panose="02020603050405020304" pitchFamily="18" charset="0"/>
+              </a:rPr>
+              <a:t> To import JSON files</a:t>
+            </a:r>
+          </a:p>
+          <a:p>
+            <a:pPr marL="342900" indent="-342900">
+              <a:buFont typeface="Arial" panose="020B0604020202020204" pitchFamily="34" charset="0"/>
+              <a:buChar char="•"/>
+            </a:pPr>
+            <a:r>
+              <a:rPr lang="en-US" sz="2800" b="1" u="sng" dirty="0">
+                <a:latin typeface="Times New Roman" panose="02020603050405020304" pitchFamily="18" charset="0"/>
+                <a:cs typeface="Times New Roman" panose="02020603050405020304" pitchFamily="18" charset="0"/>
+              </a:rPr>
+              <a:t>Pickle</a:t>
+            </a:r>
+            <a:r>
+              <a:rPr lang="en-US" sz="2800" b="1" dirty="0">
+                <a:latin typeface="Times New Roman" panose="02020603050405020304" pitchFamily="18" charset="0"/>
+                <a:cs typeface="Times New Roman" panose="02020603050405020304" pitchFamily="18" charset="0"/>
+              </a:rPr>
+              <a:t>:</a:t>
+            </a:r>
+            <a:r>
+              <a:rPr lang="en-US" sz="2800" dirty="0">
+                <a:latin typeface="Times New Roman" panose="02020603050405020304" pitchFamily="18" charset="0"/>
+                <a:cs typeface="Times New Roman" panose="02020603050405020304" pitchFamily="18" charset="0"/>
+              </a:rPr>
+              <a:t> To save and load the training model and data</a:t>
+            </a:r>
+          </a:p>
+          <a:p>
+            <a:pPr marL="342900" indent="-342900">
+              <a:buFont typeface="Arial" panose="020B0604020202020204" pitchFamily="34" charset="0"/>
+              <a:buChar char="•"/>
+            </a:pPr>
+            <a:r>
+              <a:rPr lang="en-US" sz="2800" b="1" u="sng" dirty="0">
+                <a:latin typeface="Times New Roman" panose="02020603050405020304" pitchFamily="18" charset="0"/>
+                <a:cs typeface="Times New Roman" panose="02020603050405020304" pitchFamily="18" charset="0"/>
+              </a:rPr>
+              <a:t>Random</a:t>
+            </a:r>
+            <a:r>
+              <a:rPr lang="en-US" sz="2800" b="1" dirty="0">
+                <a:latin typeface="Times New Roman" panose="02020603050405020304" pitchFamily="18" charset="0"/>
+                <a:cs typeface="Times New Roman" panose="02020603050405020304" pitchFamily="18" charset="0"/>
+              </a:rPr>
+              <a:t>:</a:t>
+            </a:r>
+            <a:r>
+              <a:rPr lang="en-US" sz="2800" dirty="0">
+                <a:latin typeface="Times New Roman" panose="02020603050405020304" pitchFamily="18" charset="0"/>
+                <a:cs typeface="Times New Roman" panose="02020603050405020304" pitchFamily="18" charset="0"/>
+              </a:rPr>
+              <a:t> For shuffling the data prior to training</a:t>
+            </a:r>
+          </a:p>
+          <a:p>
+            <a:endParaRPr lang="en-US" dirty="0"/>
+          </a:p>
+        </p:txBody>
+      </p:sp>
+      <p:sp>
+        <p:nvSpPr>
+          <p:cNvPr id="4" name="TextBox 3">
+            <a:extLst>
+              <a:ext uri="{FF2B5EF4-FFF2-40B4-BE49-F238E27FC236}">
+                <a16:creationId xmlns:a16="http://schemas.microsoft.com/office/drawing/2014/main" id="{17C8B002-05F6-4EB8-AEC2-84C5CCB2EF4C}"/>
+              </a:ext>
+            </a:extLst>
+          </p:cNvPr>
+          <p:cNvSpPr txBox="1"/>
+          <p:nvPr/>
+        </p:nvSpPr>
+        <p:spPr>
+          <a:xfrm>
+            <a:off x="637271" y="23993194"/>
+            <a:ext cx="4235665" cy="5970865"/>
+          </a:xfrm>
+          <a:prstGeom prst="rect">
+            <a:avLst/>
+          </a:prstGeom>
+          <a:noFill/>
+        </p:spPr>
+        <p:txBody>
+          <a:bodyPr wrap="square" rtlCol="0">
+            <a:spAutoFit/>
+          </a:bodyPr>
+          <a:lstStyle/>
+          <a:p>
+            <a:r>
+              <a:rPr lang="en-US" sz="2800" b="1" u="sng" dirty="0">
+                <a:latin typeface="Times New Roman" panose="02020603050405020304" pitchFamily="18" charset="0"/>
+                <a:cs typeface="Times New Roman" panose="02020603050405020304" pitchFamily="18" charset="0"/>
+              </a:rPr>
+              <a:t>Tokenization:</a:t>
+            </a:r>
+            <a:r>
+              <a:rPr lang="en-US" sz="2800" dirty="0">
+                <a:latin typeface="Times New Roman" panose="02020603050405020304" pitchFamily="18" charset="0"/>
+                <a:cs typeface="Times New Roman" panose="02020603050405020304" pitchFamily="18" charset="0"/>
+              </a:rPr>
+              <a:t> Splitting sentences into a set of tokens.</a:t>
+            </a:r>
+          </a:p>
+          <a:p>
+            <a:r>
+              <a:rPr lang="en-US" sz="2800" b="1" u="sng" dirty="0">
+                <a:latin typeface="Times New Roman" panose="02020603050405020304" pitchFamily="18" charset="0"/>
+                <a:cs typeface="Times New Roman" panose="02020603050405020304" pitchFamily="18" charset="0"/>
+              </a:rPr>
+              <a:t>Documentation:</a:t>
+            </a:r>
+            <a:r>
+              <a:rPr lang="en-US" sz="2800" dirty="0">
+                <a:latin typeface="Times New Roman" panose="02020603050405020304" pitchFamily="18" charset="0"/>
+                <a:cs typeface="Times New Roman" panose="02020603050405020304" pitchFamily="18" charset="0"/>
+              </a:rPr>
+              <a:t> Creating groups of patterns and tags under a single list. </a:t>
+            </a:r>
+            <a:endParaRPr lang="en-US" sz="2800" b="1" u="sng" dirty="0">
+              <a:latin typeface="Times New Roman" panose="02020603050405020304" pitchFamily="18" charset="0"/>
+              <a:cs typeface="Times New Roman" panose="02020603050405020304" pitchFamily="18" charset="0"/>
+            </a:endParaRPr>
+          </a:p>
+          <a:p>
+            <a:r>
+              <a:rPr lang="en-US" sz="2800" b="1" u="sng" dirty="0">
+                <a:latin typeface="Times New Roman" panose="02020603050405020304" pitchFamily="18" charset="0"/>
+                <a:cs typeface="Times New Roman" panose="02020603050405020304" pitchFamily="18" charset="0"/>
+              </a:rPr>
+              <a:t>Stemming</a:t>
+            </a:r>
+            <a:r>
+              <a:rPr lang="en-US" sz="2800" dirty="0">
+                <a:latin typeface="Times New Roman" panose="02020603050405020304" pitchFamily="18" charset="0"/>
+                <a:cs typeface="Times New Roman" panose="02020603050405020304" pitchFamily="18" charset="0"/>
+              </a:rPr>
+              <a:t>: Converting each token into its simplest form. </a:t>
+            </a:r>
+          </a:p>
+          <a:p>
+            <a:r>
+              <a:rPr lang="en-US" sz="2800" b="1" u="sng" dirty="0">
+                <a:latin typeface="Times New Roman" panose="02020603050405020304" pitchFamily="18" charset="0"/>
+                <a:cs typeface="Times New Roman" panose="02020603050405020304" pitchFamily="18" charset="0"/>
+              </a:rPr>
+              <a:t>Bag of Words</a:t>
+            </a:r>
+            <a:r>
+              <a:rPr lang="en-US" sz="2800" dirty="0">
+                <a:latin typeface="Times New Roman" panose="02020603050405020304" pitchFamily="18" charset="0"/>
+                <a:cs typeface="Times New Roman" panose="02020603050405020304" pitchFamily="18" charset="0"/>
+              </a:rPr>
+              <a:t>: A model in which each word is converted into a unique combination of 0s and 1. </a:t>
+            </a:r>
+          </a:p>
+          <a:p>
+            <a:endParaRPr lang="en-US" dirty="0"/>
+          </a:p>
+        </p:txBody>
+      </p:sp>
+      <p:sp>
+        <p:nvSpPr>
+          <p:cNvPr id="21" name="TextBox 20">
+            <a:extLst>
+              <a:ext uri="{FF2B5EF4-FFF2-40B4-BE49-F238E27FC236}">
+                <a16:creationId xmlns:a16="http://schemas.microsoft.com/office/drawing/2014/main" id="{9F3DC094-5D25-41B2-AA05-5FB80FF3758A}"/>
+              </a:ext>
+            </a:extLst>
+          </p:cNvPr>
+          <p:cNvSpPr txBox="1"/>
+          <p:nvPr/>
+        </p:nvSpPr>
+        <p:spPr>
+          <a:xfrm>
+            <a:off x="10341834" y="4968427"/>
+            <a:ext cx="5568725" cy="8556188"/>
+          </a:xfrm>
+          <a:prstGeom prst="rect">
+            <a:avLst/>
+          </a:prstGeom>
+          <a:noFill/>
+        </p:spPr>
+        <p:txBody>
+          <a:bodyPr wrap="square" rtlCol="0">
+            <a:spAutoFit/>
+          </a:bodyPr>
+          <a:lstStyle/>
+          <a:p>
+            <a:r>
+              <a:rPr lang="en-US" sz="2800" b="1" u="sng" dirty="0">
+                <a:latin typeface="Times New Roman" panose="02020603050405020304" pitchFamily="18" charset="0"/>
+                <a:cs typeface="Times New Roman" panose="02020603050405020304" pitchFamily="18" charset="0"/>
+              </a:rPr>
+              <a:t>Model:</a:t>
+            </a:r>
+            <a:r>
+              <a:rPr lang="en-US" sz="2800" dirty="0">
+                <a:latin typeface="Times New Roman" panose="02020603050405020304" pitchFamily="18" charset="0"/>
+                <a:cs typeface="Times New Roman" panose="02020603050405020304" pitchFamily="18" charset="0"/>
+              </a:rPr>
+              <a:t> Three layers are created using the Dense function (input layer, hidden layer and output layer).</a:t>
+            </a:r>
+          </a:p>
+          <a:p>
+            <a:r>
+              <a:rPr lang="en-US" sz="2800" b="1" u="sng" dirty="0">
+                <a:latin typeface="Times New Roman" panose="02020603050405020304" pitchFamily="18" charset="0"/>
+                <a:cs typeface="Times New Roman" panose="02020603050405020304" pitchFamily="18" charset="0"/>
+              </a:rPr>
+              <a:t>Activation Function:</a:t>
+            </a:r>
+            <a:r>
+              <a:rPr lang="en-US" sz="2800" b="1" dirty="0">
+                <a:latin typeface="Times New Roman" panose="02020603050405020304" pitchFamily="18" charset="0"/>
+                <a:cs typeface="Times New Roman" panose="02020603050405020304" pitchFamily="18" charset="0"/>
+              </a:rPr>
+              <a:t> </a:t>
+            </a:r>
+            <a:r>
+              <a:rPr lang="en-US" sz="2800" dirty="0">
+                <a:latin typeface="Times New Roman" panose="02020603050405020304" pitchFamily="18" charset="0"/>
+                <a:cs typeface="Times New Roman" panose="02020603050405020304" pitchFamily="18" charset="0"/>
+              </a:rPr>
+              <a:t>The activation function is declared while initializing the layer. It decides how the inputs are trained. The input layer and hidden layer use ‘</a:t>
+            </a:r>
+            <a:r>
+              <a:rPr lang="en-US" sz="2800" dirty="0" err="1">
+                <a:latin typeface="Times New Roman" panose="02020603050405020304" pitchFamily="18" charset="0"/>
+                <a:cs typeface="Times New Roman" panose="02020603050405020304" pitchFamily="18" charset="0"/>
+              </a:rPr>
+              <a:t>relu</a:t>
+            </a:r>
+            <a:r>
+              <a:rPr lang="en-US" sz="2800" dirty="0">
+                <a:latin typeface="Times New Roman" panose="02020603050405020304" pitchFamily="18" charset="0"/>
+                <a:cs typeface="Times New Roman" panose="02020603050405020304" pitchFamily="18" charset="0"/>
+              </a:rPr>
+              <a:t>’ (rectified linear unit) and the output layer uses ‘sigmoid’</a:t>
+            </a:r>
+          </a:p>
+          <a:p>
+            <a:r>
+              <a:rPr lang="en-US" sz="2800" b="1" u="sng" dirty="0">
+                <a:latin typeface="Times New Roman" panose="02020603050405020304" pitchFamily="18" charset="0"/>
+                <a:cs typeface="Times New Roman" panose="02020603050405020304" pitchFamily="18" charset="0"/>
+              </a:rPr>
+              <a:t>Compiling:</a:t>
+            </a:r>
+            <a:r>
+              <a:rPr lang="en-US" sz="2800" b="1" dirty="0">
+                <a:latin typeface="Times New Roman" panose="02020603050405020304" pitchFamily="18" charset="0"/>
+                <a:cs typeface="Times New Roman" panose="02020603050405020304" pitchFamily="18" charset="0"/>
+              </a:rPr>
+              <a:t> </a:t>
+            </a:r>
+            <a:r>
+              <a:rPr lang="en-US" sz="2800" dirty="0">
+                <a:latin typeface="Times New Roman" panose="02020603050405020304" pitchFamily="18" charset="0"/>
+                <a:cs typeface="Times New Roman" panose="02020603050405020304" pitchFamily="18" charset="0"/>
+              </a:rPr>
+              <a:t>The compilation decides the evaluation criteria for the model. Loss function, optimizer and metrics are chosen. </a:t>
+            </a:r>
+          </a:p>
+          <a:p>
+            <a:r>
+              <a:rPr lang="en-US" sz="2800" b="1" u="sng" dirty="0">
+                <a:latin typeface="Times New Roman" panose="02020603050405020304" pitchFamily="18" charset="0"/>
+                <a:cs typeface="Times New Roman" panose="02020603050405020304" pitchFamily="18" charset="0"/>
+              </a:rPr>
+              <a:t>Fitting:</a:t>
+            </a:r>
+            <a:r>
+              <a:rPr lang="en-US" sz="2800" b="1" dirty="0">
+                <a:latin typeface="Times New Roman" panose="02020603050405020304" pitchFamily="18" charset="0"/>
+                <a:cs typeface="Times New Roman" panose="02020603050405020304" pitchFamily="18" charset="0"/>
+              </a:rPr>
+              <a:t> </a:t>
+            </a:r>
+            <a:r>
+              <a:rPr lang="en-US" sz="2800" dirty="0">
+                <a:latin typeface="Times New Roman" panose="02020603050405020304" pitchFamily="18" charset="0"/>
+                <a:cs typeface="Times New Roman" panose="02020603050405020304" pitchFamily="18" charset="0"/>
+              </a:rPr>
+              <a:t>The deep learning model is fitted to the training data with parameters such as epochs and batch size. </a:t>
+            </a:r>
+          </a:p>
+          <a:p>
+            <a:endParaRPr lang="en-US" sz="2800" dirty="0">
+              <a:latin typeface="Times New Roman" panose="02020603050405020304" pitchFamily="18" charset="0"/>
+              <a:cs typeface="Times New Roman" panose="02020603050405020304" pitchFamily="18" charset="0"/>
+            </a:endParaRPr>
+          </a:p>
+          <a:p>
+            <a:endParaRPr lang="en-US" dirty="0"/>
+          </a:p>
+        </p:txBody>
+      </p:sp>
+      <p:sp>
+        <p:nvSpPr>
+          <p:cNvPr id="38" name="Rectangle 37">
+            <a:extLst>
+              <a:ext uri="{FF2B5EF4-FFF2-40B4-BE49-F238E27FC236}">
+                <a16:creationId xmlns:a16="http://schemas.microsoft.com/office/drawing/2014/main" id="{73E8E777-5E2A-4CAD-B2C6-148816999923}"/>
+              </a:ext>
+            </a:extLst>
+          </p:cNvPr>
+          <p:cNvSpPr/>
+          <p:nvPr/>
+        </p:nvSpPr>
+        <p:spPr>
+          <a:xfrm>
+            <a:off x="10333017" y="13669924"/>
+            <a:ext cx="10833094" cy="8830154"/>
+          </a:xfrm>
+          <a:prstGeom prst="rect">
+            <a:avLst/>
+          </a:prstGeom>
+          <a:solidFill>
+            <a:schemeClr val="accent4">
+              <a:lumMod val="60000"/>
+              <a:lumOff val="40000"/>
+            </a:schemeClr>
+          </a:solidFill>
+        </p:spPr>
+        <p:style>
+          <a:lnRef idx="2">
+            <a:schemeClr val="accent1">
+              <a:shade val="50000"/>
+            </a:schemeClr>
+          </a:lnRef>
+          <a:fillRef idx="1">
+            <a:schemeClr val="accent1"/>
+          </a:fillRef>
+          <a:effectRef idx="0">
+            <a:schemeClr val="accent1"/>
+          </a:effectRef>
+          <a:fontRef idx="minor">
+            <a:schemeClr val="lt1"/>
+          </a:fontRef>
+        </p:style>
+        <p:txBody>
+          <a:bodyPr rtlCol="0" anchor="ctr"/>
+          <a:lstStyle/>
+          <a:p>
+            <a:pPr algn="ctr"/>
+            <a:endParaRPr lang="en-US"/>
+          </a:p>
+        </p:txBody>
+      </p:sp>
+      <p:sp>
+        <p:nvSpPr>
+          <p:cNvPr id="39" name="TextBox 38">
+            <a:extLst>
+              <a:ext uri="{FF2B5EF4-FFF2-40B4-BE49-F238E27FC236}">
+                <a16:creationId xmlns:a16="http://schemas.microsoft.com/office/drawing/2014/main" id="{B3D532AD-33F5-4A3F-84F7-31B5B307F3BC}"/>
+              </a:ext>
+            </a:extLst>
+          </p:cNvPr>
+          <p:cNvSpPr txBox="1"/>
+          <p:nvPr/>
+        </p:nvSpPr>
+        <p:spPr>
+          <a:xfrm>
+            <a:off x="10333017" y="13779542"/>
+            <a:ext cx="10818424" cy="861774"/>
+          </a:xfrm>
+          <a:prstGeom prst="rect">
+            <a:avLst/>
+          </a:prstGeom>
+          <a:noFill/>
+        </p:spPr>
+        <p:txBody>
+          <a:bodyPr wrap="square" rtlCol="0">
+            <a:spAutoFit/>
+          </a:bodyPr>
+          <a:lstStyle/>
+          <a:p>
+            <a:pPr algn="ctr"/>
+            <a:r>
+              <a:rPr lang="en-US" sz="3200" b="1" u="sng" dirty="0">
+                <a:latin typeface="Times New Roman" panose="02020603050405020304" pitchFamily="18" charset="0"/>
+                <a:cs typeface="Times New Roman" panose="02020603050405020304" pitchFamily="18" charset="0"/>
+              </a:rPr>
+              <a:t>Processing the user input</a:t>
+            </a:r>
+          </a:p>
+          <a:p>
+            <a:endParaRPr lang="en-US" dirty="0"/>
+          </a:p>
+        </p:txBody>
+      </p:sp>
+      <p:sp>
+        <p:nvSpPr>
+          <p:cNvPr id="22" name="TextBox 21">
+            <a:extLst>
+              <a:ext uri="{FF2B5EF4-FFF2-40B4-BE49-F238E27FC236}">
+                <a16:creationId xmlns:a16="http://schemas.microsoft.com/office/drawing/2014/main" id="{4F0AF74D-10E3-4563-AC18-4345763B9BDA}"/>
+              </a:ext>
+            </a:extLst>
+          </p:cNvPr>
+          <p:cNvSpPr txBox="1"/>
+          <p:nvPr/>
+        </p:nvSpPr>
+        <p:spPr>
+          <a:xfrm>
+            <a:off x="10608276" y="14418788"/>
+            <a:ext cx="4183832" cy="6124754"/>
+          </a:xfrm>
+          <a:prstGeom prst="rect">
+            <a:avLst/>
+          </a:prstGeom>
+          <a:noFill/>
+        </p:spPr>
+        <p:txBody>
+          <a:bodyPr wrap="square" rtlCol="0">
+            <a:spAutoFit/>
+          </a:bodyPr>
+          <a:lstStyle/>
+          <a:p>
+            <a:r>
+              <a:rPr lang="en-US" sz="2800" dirty="0">
+                <a:latin typeface="Times New Roman" panose="02020603050405020304" pitchFamily="18" charset="0"/>
+                <a:cs typeface="Times New Roman" panose="02020603050405020304" pitchFamily="18" charset="0"/>
+              </a:rPr>
+              <a:t>After training the model, we create functions to tokenize, stem and make a bag of words model for the user’s input (similar to the initial document). After processing the user input, a function is created to predict the class from which a response will be selected for the user’s query. To get the response after predicting the class another function is created. </a:t>
+            </a:r>
+            <a:endParaRPr lang="en-US" dirty="0"/>
+          </a:p>
+        </p:txBody>
+      </p:sp>
+      <p:pic>
+        <p:nvPicPr>
+          <p:cNvPr id="41" name="Picture 40">
+            <a:extLst>
+              <a:ext uri="{FF2B5EF4-FFF2-40B4-BE49-F238E27FC236}">
+                <a16:creationId xmlns:a16="http://schemas.microsoft.com/office/drawing/2014/main" id="{D0FDCC7A-1F9B-45DD-9D3A-5B3D76C662BC}"/>
+              </a:ext>
+            </a:extLst>
+          </p:cNvPr>
+          <p:cNvPicPr>
+            <a:picLocks noChangeAspect="1"/>
+          </p:cNvPicPr>
+          <p:nvPr/>
+        </p:nvPicPr>
+        <p:blipFill>
+          <a:blip r:embed="rId10"/>
+          <a:stretch>
+            <a:fillRect/>
+          </a:stretch>
+        </p:blipFill>
+        <p:spPr>
+          <a:xfrm>
+            <a:off x="15254263" y="14418788"/>
+            <a:ext cx="5838849" cy="3619500"/>
+          </a:xfrm>
+          <a:prstGeom prst="rect">
+            <a:avLst/>
+          </a:prstGeom>
+        </p:spPr>
+      </p:pic>
+      <p:pic>
+        <p:nvPicPr>
+          <p:cNvPr id="43" name="Picture 42">
+            <a:extLst>
+              <a:ext uri="{FF2B5EF4-FFF2-40B4-BE49-F238E27FC236}">
+                <a16:creationId xmlns:a16="http://schemas.microsoft.com/office/drawing/2014/main" id="{22342CB2-574C-426B-8DEB-7BE2217B4C69}"/>
+              </a:ext>
+            </a:extLst>
+          </p:cNvPr>
+          <p:cNvPicPr>
+            <a:picLocks noChangeAspect="1"/>
+          </p:cNvPicPr>
+          <p:nvPr/>
+        </p:nvPicPr>
+        <p:blipFill rotWithShape="1">
+          <a:blip r:embed="rId11"/>
+          <a:srcRect l="-1" t="847" r="999" b="17650"/>
+          <a:stretch/>
+        </p:blipFill>
+        <p:spPr>
+          <a:xfrm>
+            <a:off x="15254263" y="18165698"/>
+            <a:ext cx="5838849" cy="4261960"/>
+          </a:xfrm>
+          <a:prstGeom prst="rect">
+            <a:avLst/>
+          </a:prstGeom>
+        </p:spPr>
+      </p:pic>
+      <p:sp>
+        <p:nvSpPr>
+          <p:cNvPr id="44" name="TextBox 43">
+            <a:extLst>
+              <a:ext uri="{FF2B5EF4-FFF2-40B4-BE49-F238E27FC236}">
+                <a16:creationId xmlns:a16="http://schemas.microsoft.com/office/drawing/2014/main" id="{97A53F94-D54C-4660-8792-7BDF05764992}"/>
+              </a:ext>
+            </a:extLst>
+          </p:cNvPr>
+          <p:cNvSpPr txBox="1"/>
+          <p:nvPr/>
+        </p:nvSpPr>
+        <p:spPr>
+          <a:xfrm>
+            <a:off x="10333018" y="22699473"/>
+            <a:ext cx="10833094" cy="584775"/>
+          </a:xfrm>
+          <a:prstGeom prst="rect">
+            <a:avLst/>
+          </a:prstGeom>
+          <a:noFill/>
+        </p:spPr>
+        <p:txBody>
+          <a:bodyPr wrap="square" rtlCol="0">
+            <a:spAutoFit/>
+          </a:bodyPr>
+          <a:lstStyle/>
+          <a:p>
+            <a:pPr algn="ctr"/>
+            <a:r>
+              <a:rPr lang="en-US" sz="3200" b="1" u="sng" dirty="0">
+                <a:latin typeface="Times New Roman" panose="02020603050405020304" pitchFamily="18" charset="0"/>
+                <a:cs typeface="Times New Roman" panose="02020603050405020304" pitchFamily="18" charset="0"/>
+              </a:rPr>
+              <a:t>Web Deployment</a:t>
+            </a:r>
+          </a:p>
+        </p:txBody>
+      </p:sp>
+      <p:pic>
+        <p:nvPicPr>
+          <p:cNvPr id="46" name="Picture 45">
+            <a:extLst>
+              <a:ext uri="{FF2B5EF4-FFF2-40B4-BE49-F238E27FC236}">
+                <a16:creationId xmlns:a16="http://schemas.microsoft.com/office/drawing/2014/main" id="{F90F5556-C8F2-4739-959D-CD03E1194564}"/>
+              </a:ext>
+            </a:extLst>
+          </p:cNvPr>
+          <p:cNvPicPr>
+            <a:picLocks noChangeAspect="1"/>
+          </p:cNvPicPr>
+          <p:nvPr/>
+        </p:nvPicPr>
+        <p:blipFill>
+          <a:blip r:embed="rId12"/>
+          <a:stretch>
+            <a:fillRect/>
+          </a:stretch>
+        </p:blipFill>
+        <p:spPr>
+          <a:xfrm>
+            <a:off x="16372946" y="23412818"/>
+            <a:ext cx="4661838" cy="3190507"/>
           </a:xfrm>
           <a:prstGeom prst="rect">
             <a:avLst/>

--- a/Poster.pptx
+++ b/Poster.pptx
@@ -243,7 +243,7 @@
           <a:p>
             <a:fld id="{5811824B-EEDB-4D92-B6A2-800259AEC68D}" type="datetimeFigureOut">
               <a:rPr lang="en-US" smtClean="0"/>
-              <a:t>12/18/2021</a:t>
+              <a:t>12/19/2021</a:t>
             </a:fld>
             <a:endParaRPr lang="en-US"/>
           </a:p>
@@ -413,7 +413,7 @@
           <a:p>
             <a:fld id="{5811824B-EEDB-4D92-B6A2-800259AEC68D}" type="datetimeFigureOut">
               <a:rPr lang="en-US" smtClean="0"/>
-              <a:t>12/18/2021</a:t>
+              <a:t>12/19/2021</a:t>
             </a:fld>
             <a:endParaRPr lang="en-US"/>
           </a:p>
@@ -593,7 +593,7 @@
           <a:p>
             <a:fld id="{5811824B-EEDB-4D92-B6A2-800259AEC68D}" type="datetimeFigureOut">
               <a:rPr lang="en-US" smtClean="0"/>
-              <a:t>12/18/2021</a:t>
+              <a:t>12/19/2021</a:t>
             </a:fld>
             <a:endParaRPr lang="en-US"/>
           </a:p>
@@ -763,7 +763,7 @@
           <a:p>
             <a:fld id="{5811824B-EEDB-4D92-B6A2-800259AEC68D}" type="datetimeFigureOut">
               <a:rPr lang="en-US" smtClean="0"/>
-              <a:t>12/18/2021</a:t>
+              <a:t>12/19/2021</a:t>
             </a:fld>
             <a:endParaRPr lang="en-US"/>
           </a:p>
@@ -1007,7 +1007,7 @@
           <a:p>
             <a:fld id="{5811824B-EEDB-4D92-B6A2-800259AEC68D}" type="datetimeFigureOut">
               <a:rPr lang="en-US" smtClean="0"/>
-              <a:t>12/18/2021</a:t>
+              <a:t>12/19/2021</a:t>
             </a:fld>
             <a:endParaRPr lang="en-US"/>
           </a:p>
@@ -1239,7 +1239,7 @@
           <a:p>
             <a:fld id="{5811824B-EEDB-4D92-B6A2-800259AEC68D}" type="datetimeFigureOut">
               <a:rPr lang="en-US" smtClean="0"/>
-              <a:t>12/18/2021</a:t>
+              <a:t>12/19/2021</a:t>
             </a:fld>
             <a:endParaRPr lang="en-US"/>
           </a:p>
@@ -1606,7 +1606,7 @@
           <a:p>
             <a:fld id="{5811824B-EEDB-4D92-B6A2-800259AEC68D}" type="datetimeFigureOut">
               <a:rPr lang="en-US" smtClean="0"/>
-              <a:t>12/18/2021</a:t>
+              <a:t>12/19/2021</a:t>
             </a:fld>
             <a:endParaRPr lang="en-US"/>
           </a:p>
@@ -1724,7 +1724,7 @@
           <a:p>
             <a:fld id="{5811824B-EEDB-4D92-B6A2-800259AEC68D}" type="datetimeFigureOut">
               <a:rPr lang="en-US" smtClean="0"/>
-              <a:t>12/18/2021</a:t>
+              <a:t>12/19/2021</a:t>
             </a:fld>
             <a:endParaRPr lang="en-US"/>
           </a:p>
@@ -1819,7 +1819,7 @@
           <a:p>
             <a:fld id="{5811824B-EEDB-4D92-B6A2-800259AEC68D}" type="datetimeFigureOut">
               <a:rPr lang="en-US" smtClean="0"/>
-              <a:t>12/18/2021</a:t>
+              <a:t>12/19/2021</a:t>
             </a:fld>
             <a:endParaRPr lang="en-US"/>
           </a:p>
@@ -2096,7 +2096,7 @@
           <a:p>
             <a:fld id="{5811824B-EEDB-4D92-B6A2-800259AEC68D}" type="datetimeFigureOut">
               <a:rPr lang="en-US" smtClean="0"/>
-              <a:t>12/18/2021</a:t>
+              <a:t>12/19/2021</a:t>
             </a:fld>
             <a:endParaRPr lang="en-US"/>
           </a:p>
@@ -2353,7 +2353,7 @@
           <a:p>
             <a:fld id="{5811824B-EEDB-4D92-B6A2-800259AEC68D}" type="datetimeFigureOut">
               <a:rPr lang="en-US" smtClean="0"/>
-              <a:t>12/18/2021</a:t>
+              <a:t>12/19/2021</a:t>
             </a:fld>
             <a:endParaRPr lang="en-US"/>
           </a:p>
@@ -2566,7 +2566,7 @@
           <a:p>
             <a:fld id="{5811824B-EEDB-4D92-B6A2-800259AEC68D}" type="datetimeFigureOut">
               <a:rPr lang="en-US" smtClean="0"/>
-              <a:t>12/18/2021</a:t>
+              <a:t>12/19/2021</a:t>
             </a:fld>
             <a:endParaRPr lang="en-US"/>
           </a:p>
@@ -2997,28 +2997,22 @@
       </p:grpSpPr>
       <p:sp>
         <p:nvSpPr>
-          <p:cNvPr id="29" name="Rectangle 28">
-            <a:extLst>
-              <a:ext uri="{FF2B5EF4-FFF2-40B4-BE49-F238E27FC236}">
-                <a16:creationId xmlns:a16="http://schemas.microsoft.com/office/drawing/2014/main" id="{89F7D6D4-4524-4E3C-A5D3-C23B958153BF}"/>
-              </a:ext>
-            </a:extLst>
-          </p:cNvPr>
+          <p:cNvPr id="25" name="Rectangle 24"/>
           <p:cNvSpPr/>
           <p:nvPr/>
         </p:nvSpPr>
         <p:spPr>
           <a:xfrm>
-            <a:off x="10333017" y="22699473"/>
-            <a:ext cx="10833094" cy="7111416"/>
+            <a:off x="0" y="1"/>
+            <a:ext cx="21403214" cy="30275212"/>
           </a:xfrm>
           <a:prstGeom prst="rect">
             <a:avLst/>
           </a:prstGeom>
           <a:solidFill>
-            <a:schemeClr val="accent4">
-              <a:lumMod val="60000"/>
-              <a:lumOff val="40000"/>
+            <a:schemeClr val="tx1">
+              <a:lumMod val="85000"/>
+              <a:lumOff val="15000"/>
             </a:schemeClr>
           </a:solidFill>
         </p:spPr>
@@ -3049,10 +3043,10 @@
       </p:sp>
       <p:sp>
         <p:nvSpPr>
-          <p:cNvPr id="28" name="Rectangle 27">
+          <p:cNvPr id="29" name="Rectangle 28">
             <a:extLst>
               <a:ext uri="{FF2B5EF4-FFF2-40B4-BE49-F238E27FC236}">
-                <a16:creationId xmlns:a16="http://schemas.microsoft.com/office/drawing/2014/main" id="{5A4F90B7-9FFB-42A5-A95E-11DC36129E90}"/>
+                <a16:creationId xmlns="" xmlns:a16="http://schemas.microsoft.com/office/drawing/2014/main" id="{89F7D6D4-4524-4E3C-A5D3-C23B958153BF}"/>
               </a:ext>
             </a:extLst>
           </p:cNvPr>
@@ -3061,18 +3055,37 @@
         </p:nvSpPr>
         <p:spPr>
           <a:xfrm>
-            <a:off x="10341835" y="4385917"/>
-            <a:ext cx="10809607" cy="9084613"/>
+            <a:off x="10356914" y="18452243"/>
+            <a:ext cx="10833094" cy="8492032"/>
           </a:xfrm>
           <a:prstGeom prst="rect">
             <a:avLst/>
           </a:prstGeom>
-          <a:solidFill>
-            <a:schemeClr val="accent4">
-              <a:lumMod val="60000"/>
-              <a:lumOff val="40000"/>
-            </a:schemeClr>
-          </a:solidFill>
+          <a:gradFill flip="none" rotWithShape="1">
+            <a:gsLst>
+              <a:gs pos="0">
+                <a:schemeClr val="accent4">
+                  <a:lumMod val="0"/>
+                  <a:lumOff val="100000"/>
+                </a:schemeClr>
+              </a:gs>
+              <a:gs pos="35000">
+                <a:schemeClr val="accent4">
+                  <a:lumMod val="0"/>
+                  <a:lumOff val="100000"/>
+                </a:schemeClr>
+              </a:gs>
+              <a:gs pos="100000">
+                <a:schemeClr val="accent4">
+                  <a:lumMod val="100000"/>
+                </a:schemeClr>
+              </a:gs>
+            </a:gsLst>
+            <a:path path="circle">
+              <a:fillToRect l="50000" t="-80000" r="50000" b="180000"/>
+            </a:path>
+            <a:tileRect/>
+          </a:gradFill>
         </p:spPr>
         <p:style>
           <a:lnRef idx="2">
@@ -3101,10 +3114,10 @@
       </p:sp>
       <p:sp>
         <p:nvSpPr>
-          <p:cNvPr id="27" name="Rectangle 26">
+          <p:cNvPr id="28" name="Rectangle 27">
             <a:extLst>
               <a:ext uri="{FF2B5EF4-FFF2-40B4-BE49-F238E27FC236}">
-                <a16:creationId xmlns:a16="http://schemas.microsoft.com/office/drawing/2014/main" id="{FA43CD72-9462-4489-85CD-95BD77A4D36E}"/>
+                <a16:creationId xmlns="" xmlns:a16="http://schemas.microsoft.com/office/drawing/2014/main" id="{5A4F90B7-9FFB-42A5-A95E-11DC36129E90}"/>
               </a:ext>
             </a:extLst>
           </p:cNvPr>
@@ -3113,18 +3126,37 @@
         </p:nvSpPr>
         <p:spPr>
           <a:xfrm>
-            <a:off x="217512" y="23484357"/>
-            <a:ext cx="9896857" cy="6326531"/>
+            <a:off x="10341835" y="4353505"/>
+            <a:ext cx="10809607" cy="7597195"/>
           </a:xfrm>
           <a:prstGeom prst="rect">
             <a:avLst/>
           </a:prstGeom>
-          <a:solidFill>
-            <a:schemeClr val="accent5">
-              <a:lumMod val="60000"/>
-              <a:lumOff val="40000"/>
-            </a:schemeClr>
-          </a:solidFill>
+          <a:gradFill flip="none" rotWithShape="1">
+            <a:gsLst>
+              <a:gs pos="0">
+                <a:schemeClr val="accent4">
+                  <a:lumMod val="0"/>
+                  <a:lumOff val="100000"/>
+                </a:schemeClr>
+              </a:gs>
+              <a:gs pos="35000">
+                <a:schemeClr val="accent4">
+                  <a:lumMod val="0"/>
+                  <a:lumOff val="100000"/>
+                </a:schemeClr>
+              </a:gs>
+              <a:gs pos="100000">
+                <a:schemeClr val="accent4">
+                  <a:lumMod val="100000"/>
+                </a:schemeClr>
+              </a:gs>
+            </a:gsLst>
+            <a:path path="circle">
+              <a:fillToRect l="50000" t="-80000" r="50000" b="180000"/>
+            </a:path>
+            <a:tileRect/>
+          </a:gradFill>
         </p:spPr>
         <p:style>
           <a:lnRef idx="2">
@@ -3153,10 +3185,10 @@
       </p:sp>
       <p:sp>
         <p:nvSpPr>
-          <p:cNvPr id="26" name="Rectangle 25">
+          <p:cNvPr id="27" name="Rectangle 26">
             <a:extLst>
               <a:ext uri="{FF2B5EF4-FFF2-40B4-BE49-F238E27FC236}">
-                <a16:creationId xmlns:a16="http://schemas.microsoft.com/office/drawing/2014/main" id="{F9FEBA7F-4382-4E1D-910C-EE3F0550D14E}"/>
+                <a16:creationId xmlns="" xmlns:a16="http://schemas.microsoft.com/office/drawing/2014/main" id="{FA43CD72-9462-4489-85CD-95BD77A4D36E}"/>
               </a:ext>
             </a:extLst>
           </p:cNvPr>
@@ -3165,18 +3197,37 @@
         </p:nvSpPr>
         <p:spPr>
           <a:xfrm>
-            <a:off x="232184" y="14951157"/>
-            <a:ext cx="9882185" cy="8384332"/>
+            <a:off x="232183" y="23227722"/>
+            <a:ext cx="9896857" cy="3716553"/>
           </a:xfrm>
           <a:prstGeom prst="rect">
             <a:avLst/>
           </a:prstGeom>
-          <a:solidFill>
-            <a:schemeClr val="accent5">
-              <a:lumMod val="60000"/>
-              <a:lumOff val="40000"/>
-            </a:schemeClr>
-          </a:solidFill>
+          <a:gradFill flip="none" rotWithShape="1">
+            <a:gsLst>
+              <a:gs pos="0">
+                <a:schemeClr val="accent5">
+                  <a:lumMod val="0"/>
+                  <a:lumOff val="100000"/>
+                </a:schemeClr>
+              </a:gs>
+              <a:gs pos="35000">
+                <a:schemeClr val="accent5">
+                  <a:lumMod val="0"/>
+                  <a:lumOff val="100000"/>
+                </a:schemeClr>
+              </a:gs>
+              <a:gs pos="100000">
+                <a:schemeClr val="accent5">
+                  <a:lumMod val="100000"/>
+                </a:schemeClr>
+              </a:gs>
+            </a:gsLst>
+            <a:path path="circle">
+              <a:fillToRect l="50000" t="-80000" r="50000" b="180000"/>
+            </a:path>
+            <a:tileRect/>
+          </a:gradFill>
         </p:spPr>
         <p:style>
           <a:lnRef idx="2">
@@ -3205,10 +3256,10 @@
       </p:sp>
       <p:sp>
         <p:nvSpPr>
-          <p:cNvPr id="24" name="Rectangle 23">
+          <p:cNvPr id="26" name="Rectangle 25">
             <a:extLst>
               <a:ext uri="{FF2B5EF4-FFF2-40B4-BE49-F238E27FC236}">
-                <a16:creationId xmlns:a16="http://schemas.microsoft.com/office/drawing/2014/main" id="{A02C9923-F879-4698-8E80-7A5D595508BC}"/>
+                <a16:creationId xmlns="" xmlns:a16="http://schemas.microsoft.com/office/drawing/2014/main" id="{F9FEBA7F-4382-4E1D-910C-EE3F0550D14E}"/>
               </a:ext>
             </a:extLst>
           </p:cNvPr>
@@ -3217,18 +3268,37 @@
         </p:nvSpPr>
         <p:spPr>
           <a:xfrm>
-            <a:off x="232183" y="8099736"/>
-            <a:ext cx="9882187" cy="6724961"/>
+            <a:off x="232184" y="14536368"/>
+            <a:ext cx="9882185" cy="8547273"/>
           </a:xfrm>
           <a:prstGeom prst="rect">
             <a:avLst/>
           </a:prstGeom>
-          <a:solidFill>
-            <a:schemeClr val="accent5">
-              <a:lumMod val="60000"/>
-              <a:lumOff val="40000"/>
-            </a:schemeClr>
-          </a:solidFill>
+          <a:gradFill flip="none" rotWithShape="1">
+            <a:gsLst>
+              <a:gs pos="0">
+                <a:schemeClr val="accent5">
+                  <a:lumMod val="0"/>
+                  <a:lumOff val="100000"/>
+                </a:schemeClr>
+              </a:gs>
+              <a:gs pos="35000">
+                <a:schemeClr val="accent5">
+                  <a:lumMod val="0"/>
+                  <a:lumOff val="100000"/>
+                </a:schemeClr>
+              </a:gs>
+              <a:gs pos="100000">
+                <a:schemeClr val="accent5">
+                  <a:lumMod val="100000"/>
+                </a:schemeClr>
+              </a:gs>
+            </a:gsLst>
+            <a:path path="circle">
+              <a:fillToRect l="50000" t="-80000" r="50000" b="180000"/>
+            </a:path>
+            <a:tileRect/>
+          </a:gradFill>
         </p:spPr>
         <p:style>
           <a:lnRef idx="2">
@@ -3257,10 +3327,10 @@
       </p:sp>
       <p:sp>
         <p:nvSpPr>
-          <p:cNvPr id="17" name="Rectangle 16">
+          <p:cNvPr id="24" name="Rectangle 23">
             <a:extLst>
               <a:ext uri="{FF2B5EF4-FFF2-40B4-BE49-F238E27FC236}">
-                <a16:creationId xmlns:a16="http://schemas.microsoft.com/office/drawing/2014/main" id="{7AB976B2-7E97-4E4C-8C61-E5BA08102D98}"/>
+                <a16:creationId xmlns="" xmlns:a16="http://schemas.microsoft.com/office/drawing/2014/main" id="{A02C9923-F879-4698-8E80-7A5D595508BC}"/>
               </a:ext>
             </a:extLst>
           </p:cNvPr>
@@ -3269,18 +3339,37 @@
         </p:nvSpPr>
         <p:spPr>
           <a:xfrm>
-            <a:off x="232183" y="4353507"/>
-            <a:ext cx="9882187" cy="3619770"/>
+            <a:off x="241257" y="7670892"/>
+            <a:ext cx="9882187" cy="6724961"/>
           </a:xfrm>
           <a:prstGeom prst="rect">
             <a:avLst/>
           </a:prstGeom>
-          <a:solidFill>
-            <a:schemeClr val="accent5">
-              <a:lumMod val="60000"/>
-              <a:lumOff val="40000"/>
-            </a:schemeClr>
-          </a:solidFill>
+          <a:gradFill flip="none" rotWithShape="1">
+            <a:gsLst>
+              <a:gs pos="0">
+                <a:schemeClr val="accent5">
+                  <a:lumMod val="0"/>
+                  <a:lumOff val="100000"/>
+                </a:schemeClr>
+              </a:gs>
+              <a:gs pos="35000">
+                <a:schemeClr val="accent5">
+                  <a:lumMod val="0"/>
+                  <a:lumOff val="100000"/>
+                </a:schemeClr>
+              </a:gs>
+              <a:gs pos="100000">
+                <a:schemeClr val="accent5">
+                  <a:lumMod val="100000"/>
+                </a:schemeClr>
+              </a:gs>
+            </a:gsLst>
+            <a:path path="circle">
+              <a:fillToRect l="50000" t="-80000" r="50000" b="180000"/>
+            </a:path>
+            <a:tileRect/>
+          </a:gradFill>
         </p:spPr>
         <p:style>
           <a:lnRef idx="2">
@@ -3309,10 +3398,10 @@
       </p:sp>
       <p:sp>
         <p:nvSpPr>
-          <p:cNvPr id="16" name="Rectangle 15">
+          <p:cNvPr id="17" name="Rectangle 16">
             <a:extLst>
               <a:ext uri="{FF2B5EF4-FFF2-40B4-BE49-F238E27FC236}">
-                <a16:creationId xmlns:a16="http://schemas.microsoft.com/office/drawing/2014/main" id="{0AE034B6-5835-458B-8EB5-22E6633048F4}"/>
+                <a16:creationId xmlns="" xmlns:a16="http://schemas.microsoft.com/office/drawing/2014/main" id="{7AB976B2-7E97-4E4C-8C61-E5BA08102D98}"/>
               </a:ext>
             </a:extLst>
           </p:cNvPr>
@@ -3321,37 +3410,37 @@
         </p:nvSpPr>
         <p:spPr>
           <a:xfrm>
-            <a:off x="0" y="0"/>
-            <a:ext cx="21383625" cy="4226254"/>
+            <a:off x="232183" y="4353507"/>
+            <a:ext cx="9882187" cy="3176870"/>
           </a:xfrm>
           <a:prstGeom prst="rect">
             <a:avLst/>
           </a:prstGeom>
           <a:gradFill flip="none" rotWithShape="1">
             <a:gsLst>
-              <a:gs pos="100000">
-                <a:srgbClr val="FF7C80"/>
+              <a:gs pos="0">
+                <a:schemeClr val="accent5">
+                  <a:lumMod val="0"/>
+                  <a:lumOff val="100000"/>
+                </a:schemeClr>
               </a:gs>
-              <a:gs pos="0">
-                <a:srgbClr val="FF3333"/>
+              <a:gs pos="35000">
+                <a:schemeClr val="accent5">
+                  <a:lumMod val="0"/>
+                  <a:lumOff val="100000"/>
+                </a:schemeClr>
               </a:gs>
               <a:gs pos="100000">
-                <a:schemeClr val="bg1"/>
-              </a:gs>
-              <a:gs pos="100000">
-                <a:schemeClr val="bg1"/>
+                <a:schemeClr val="accent5">
+                  <a:lumMod val="100000"/>
+                </a:schemeClr>
               </a:gs>
             </a:gsLst>
             <a:path path="circle">
-              <a:fillToRect r="100000" b="100000"/>
+              <a:fillToRect l="50000" t="-80000" r="50000" b="180000"/>
             </a:path>
-            <a:tileRect l="-100000" t="-100000"/>
+            <a:tileRect/>
           </a:gradFill>
-          <a:ln>
-            <a:solidFill>
-              <a:schemeClr val="accent1"/>
-            </a:solidFill>
-          </a:ln>
         </p:spPr>
         <p:style>
           <a:lnRef idx="2">
@@ -3380,1191 +3469,10 @@
       </p:sp>
       <p:sp>
         <p:nvSpPr>
-          <p:cNvPr id="5" name="TextBox 4">
+          <p:cNvPr id="16" name="Rectangle 15">
             <a:extLst>
               <a:ext uri="{FF2B5EF4-FFF2-40B4-BE49-F238E27FC236}">
-                <a16:creationId xmlns:a16="http://schemas.microsoft.com/office/drawing/2014/main" id="{52E4FE7F-C228-4D61-94C3-751756D63CD8}"/>
-              </a:ext>
-            </a:extLst>
-          </p:cNvPr>
-          <p:cNvSpPr txBox="1"/>
-          <p:nvPr/>
-        </p:nvSpPr>
-        <p:spPr>
-          <a:xfrm>
-            <a:off x="290513" y="932359"/>
-            <a:ext cx="16706843" cy="1323439"/>
-          </a:xfrm>
-          <a:prstGeom prst="rect">
-            <a:avLst/>
-          </a:prstGeom>
-          <a:noFill/>
-        </p:spPr>
-        <p:txBody>
-          <a:bodyPr wrap="square">
-            <a:spAutoFit/>
-          </a:bodyPr>
-          <a:lstStyle/>
-          <a:p>
-            <a:r>
-              <a:rPr lang="en-US" sz="8000" b="1" u="sng" dirty="0">
-                <a:latin typeface="Arial" panose="020B0604020202020204" pitchFamily="34" charset="0"/>
-                <a:cs typeface="Arial" panose="020B0604020202020204" pitchFamily="34" charset="0"/>
-              </a:rPr>
-              <a:t>Domain Specific Chatbot</a:t>
-            </a:r>
-          </a:p>
-        </p:txBody>
-      </p:sp>
-      <p:sp>
-        <p:nvSpPr>
-          <p:cNvPr id="7" name="TextBox 6">
-            <a:extLst>
-              <a:ext uri="{FF2B5EF4-FFF2-40B4-BE49-F238E27FC236}">
-                <a16:creationId xmlns:a16="http://schemas.microsoft.com/office/drawing/2014/main" id="{3B917092-B7AD-4886-9505-81FCA55FF2A5}"/>
-              </a:ext>
-            </a:extLst>
-          </p:cNvPr>
-          <p:cNvSpPr txBox="1"/>
-          <p:nvPr/>
-        </p:nvSpPr>
-        <p:spPr>
-          <a:xfrm>
-            <a:off x="306921" y="4385917"/>
-            <a:ext cx="9610494" cy="4278094"/>
-          </a:xfrm>
-          <a:prstGeom prst="rect">
-            <a:avLst/>
-          </a:prstGeom>
-          <a:noFill/>
-        </p:spPr>
-        <p:txBody>
-          <a:bodyPr wrap="square">
-            <a:spAutoFit/>
-          </a:bodyPr>
-          <a:lstStyle/>
-          <a:p>
-            <a:pPr algn="ctr"/>
-            <a:r>
-              <a:rPr lang="en-US" sz="3200" b="1" u="sng" dirty="0">
-                <a:latin typeface="Times New Roman" panose="02020603050405020304" pitchFamily="18" charset="0"/>
-                <a:cs typeface="Times New Roman" panose="02020603050405020304" pitchFamily="18" charset="0"/>
-              </a:rPr>
-              <a:t>Abstract</a:t>
-            </a:r>
-            <a:endParaRPr lang="en-US" sz="3200" dirty="0">
-              <a:latin typeface="Times New Roman" panose="02020603050405020304" pitchFamily="18" charset="0"/>
-              <a:cs typeface="Times New Roman" panose="02020603050405020304" pitchFamily="18" charset="0"/>
-            </a:endParaRPr>
-          </a:p>
-          <a:p>
-            <a:r>
-              <a:rPr lang="en-US" sz="2800" dirty="0">
-                <a:latin typeface="Times New Roman" panose="02020603050405020304" pitchFamily="18" charset="0"/>
-                <a:cs typeface="Times New Roman" panose="02020603050405020304" pitchFamily="18" charset="0"/>
-              </a:rPr>
-              <a:t> The objective of this project is to create a chatbot that can respond to queries related to a certain domain. The purpose of this chatbot is to provide information related to electronic gadgets. This can be implemented using python along with certain deep learning and natural language processing libraries such as </a:t>
-            </a:r>
-            <a:r>
-              <a:rPr lang="en-US" sz="2800" dirty="0" err="1">
-                <a:latin typeface="Times New Roman" panose="02020603050405020304" pitchFamily="18" charset="0"/>
-                <a:cs typeface="Times New Roman" panose="02020603050405020304" pitchFamily="18" charset="0"/>
-              </a:rPr>
-              <a:t>Tensorflow</a:t>
-            </a:r>
-            <a:r>
-              <a:rPr lang="en-US" sz="2800" dirty="0">
-                <a:latin typeface="Times New Roman" panose="02020603050405020304" pitchFamily="18" charset="0"/>
-                <a:cs typeface="Times New Roman" panose="02020603050405020304" pitchFamily="18" charset="0"/>
-              </a:rPr>
-              <a:t>, </a:t>
-            </a:r>
-            <a:r>
-              <a:rPr lang="en-US" sz="2800" dirty="0" err="1">
-                <a:latin typeface="Times New Roman" panose="02020603050405020304" pitchFamily="18" charset="0"/>
-                <a:cs typeface="Times New Roman" panose="02020603050405020304" pitchFamily="18" charset="0"/>
-              </a:rPr>
-              <a:t>Keras</a:t>
-            </a:r>
-            <a:r>
-              <a:rPr lang="en-US" sz="2800" dirty="0">
-                <a:latin typeface="Times New Roman" panose="02020603050405020304" pitchFamily="18" charset="0"/>
-                <a:cs typeface="Times New Roman" panose="02020603050405020304" pitchFamily="18" charset="0"/>
-              </a:rPr>
-              <a:t> and NLTK (Natural Language Toolkit). </a:t>
-            </a:r>
-          </a:p>
-          <a:p>
-            <a:endParaRPr lang="en-US" sz="3600" dirty="0"/>
-          </a:p>
-          <a:p>
-            <a:endParaRPr lang="en-US" sz="3600" dirty="0"/>
-          </a:p>
-        </p:txBody>
-      </p:sp>
-      <p:sp>
-        <p:nvSpPr>
-          <p:cNvPr id="8" name="TextBox 7">
-            <a:extLst>
-              <a:ext uri="{FF2B5EF4-FFF2-40B4-BE49-F238E27FC236}">
-                <a16:creationId xmlns:a16="http://schemas.microsoft.com/office/drawing/2014/main" id="{DEF178A5-4A23-42D5-8609-4E2E580EE5A7}"/>
-              </a:ext>
-            </a:extLst>
-          </p:cNvPr>
-          <p:cNvSpPr txBox="1"/>
-          <p:nvPr/>
-        </p:nvSpPr>
-        <p:spPr>
-          <a:xfrm>
-            <a:off x="217513" y="23496927"/>
-            <a:ext cx="9911528" cy="861774"/>
-          </a:xfrm>
-          <a:prstGeom prst="rect">
-            <a:avLst/>
-          </a:prstGeom>
-          <a:noFill/>
-        </p:spPr>
-        <p:txBody>
-          <a:bodyPr wrap="square" rtlCol="0">
-            <a:spAutoFit/>
-          </a:bodyPr>
-          <a:lstStyle/>
-          <a:p>
-            <a:pPr algn="ctr"/>
-            <a:r>
-              <a:rPr lang="en-US" sz="3200" b="1" u="sng" dirty="0">
-                <a:latin typeface="Times New Roman" panose="02020603050405020304" pitchFamily="18" charset="0"/>
-                <a:cs typeface="Times New Roman" panose="02020603050405020304" pitchFamily="18" charset="0"/>
-              </a:rPr>
-              <a:t>Natural Language Processing</a:t>
-            </a:r>
-          </a:p>
-          <a:p>
-            <a:endParaRPr lang="en-US" dirty="0"/>
-          </a:p>
-        </p:txBody>
-      </p:sp>
-      <p:sp>
-        <p:nvSpPr>
-          <p:cNvPr id="9" name="TextBox 8">
-            <a:extLst>
-              <a:ext uri="{FF2B5EF4-FFF2-40B4-BE49-F238E27FC236}">
-                <a16:creationId xmlns:a16="http://schemas.microsoft.com/office/drawing/2014/main" id="{EEA9A403-E920-4B52-9FDA-B7303097E0E3}"/>
-              </a:ext>
-            </a:extLst>
-          </p:cNvPr>
-          <p:cNvSpPr txBox="1"/>
-          <p:nvPr/>
-        </p:nvSpPr>
-        <p:spPr>
-          <a:xfrm>
-            <a:off x="10426417" y="4390343"/>
-            <a:ext cx="10725025" cy="584775"/>
-          </a:xfrm>
-          <a:prstGeom prst="rect">
-            <a:avLst/>
-          </a:prstGeom>
-          <a:noFill/>
-        </p:spPr>
-        <p:txBody>
-          <a:bodyPr wrap="square" rtlCol="0">
-            <a:spAutoFit/>
-          </a:bodyPr>
-          <a:lstStyle/>
-          <a:p>
-            <a:pPr algn="ctr"/>
-            <a:r>
-              <a:rPr lang="en-US" sz="3200" b="1" u="sng" dirty="0">
-                <a:latin typeface="Times New Roman" panose="02020603050405020304" pitchFamily="18" charset="0"/>
-                <a:cs typeface="Times New Roman" panose="02020603050405020304" pitchFamily="18" charset="0"/>
-              </a:rPr>
-              <a:t>Training</a:t>
-            </a:r>
-          </a:p>
-        </p:txBody>
-      </p:sp>
-      <p:sp>
-        <p:nvSpPr>
-          <p:cNvPr id="10" name="TextBox 9">
-            <a:extLst>
-              <a:ext uri="{FF2B5EF4-FFF2-40B4-BE49-F238E27FC236}">
-                <a16:creationId xmlns:a16="http://schemas.microsoft.com/office/drawing/2014/main" id="{F2E86D05-FC6E-464B-B427-D780D31EBFB0}"/>
-              </a:ext>
-            </a:extLst>
-          </p:cNvPr>
-          <p:cNvSpPr txBox="1"/>
-          <p:nvPr/>
-        </p:nvSpPr>
-        <p:spPr>
-          <a:xfrm>
-            <a:off x="297847" y="8217707"/>
-            <a:ext cx="9765529" cy="1015663"/>
-          </a:xfrm>
-          <a:prstGeom prst="rect">
-            <a:avLst/>
-          </a:prstGeom>
-          <a:noFill/>
-        </p:spPr>
-        <p:txBody>
-          <a:bodyPr wrap="square" rtlCol="0">
-            <a:spAutoFit/>
-          </a:bodyPr>
-          <a:lstStyle/>
-          <a:p>
-            <a:pPr algn="ctr"/>
-            <a:r>
-              <a:rPr lang="en-US" sz="3200" b="1" u="sng" dirty="0">
-                <a:latin typeface="Times New Roman" panose="02020603050405020304" pitchFamily="18" charset="0"/>
-                <a:cs typeface="Times New Roman" panose="02020603050405020304" pitchFamily="18" charset="0"/>
-              </a:rPr>
-              <a:t>Libraries</a:t>
-            </a:r>
-          </a:p>
-          <a:p>
-            <a:pPr marL="342900" indent="-342900">
-              <a:buFont typeface="Arial" panose="020B0604020202020204" pitchFamily="34" charset="0"/>
-              <a:buChar char="•"/>
-            </a:pPr>
-            <a:endParaRPr lang="en-US" sz="2800" dirty="0">
-              <a:latin typeface="Times New Roman" panose="02020603050405020304" pitchFamily="18" charset="0"/>
-              <a:cs typeface="Times New Roman" panose="02020603050405020304" pitchFamily="18" charset="0"/>
-            </a:endParaRPr>
-          </a:p>
-        </p:txBody>
-      </p:sp>
-      <p:sp>
-        <p:nvSpPr>
-          <p:cNvPr id="12" name="TextBox 11">
-            <a:extLst>
-              <a:ext uri="{FF2B5EF4-FFF2-40B4-BE49-F238E27FC236}">
-                <a16:creationId xmlns:a16="http://schemas.microsoft.com/office/drawing/2014/main" id="{3D82DE8F-4358-4A42-8E54-64C02D68BD63}"/>
-              </a:ext>
-            </a:extLst>
-          </p:cNvPr>
-          <p:cNvSpPr txBox="1"/>
-          <p:nvPr/>
-        </p:nvSpPr>
-        <p:spPr>
-          <a:xfrm>
-            <a:off x="232184" y="14951156"/>
-            <a:ext cx="9882186" cy="4462760"/>
-          </a:xfrm>
-          <a:prstGeom prst="rect">
-            <a:avLst/>
-          </a:prstGeom>
-          <a:noFill/>
-        </p:spPr>
-        <p:txBody>
-          <a:bodyPr wrap="square" rtlCol="0">
-            <a:spAutoFit/>
-          </a:bodyPr>
-          <a:lstStyle/>
-          <a:p>
-            <a:pPr algn="ctr"/>
-            <a:r>
-              <a:rPr lang="en-US" sz="3200" b="1" u="sng" dirty="0">
-                <a:latin typeface="Times New Roman" panose="02020603050405020304" pitchFamily="18" charset="0"/>
-                <a:cs typeface="Times New Roman" panose="02020603050405020304" pitchFamily="18" charset="0"/>
-              </a:rPr>
-              <a:t>Intents </a:t>
-            </a:r>
-          </a:p>
-          <a:p>
-            <a:r>
-              <a:rPr lang="en-US" sz="2800" dirty="0">
-                <a:latin typeface="Times New Roman" panose="02020603050405020304" pitchFamily="18" charset="0"/>
-                <a:cs typeface="Times New Roman" panose="02020603050405020304" pitchFamily="18" charset="0"/>
-              </a:rPr>
-              <a:t>This is a JSON file that consists of classes, patterns and responses. </a:t>
-            </a:r>
-          </a:p>
-          <a:p>
-            <a:r>
-              <a:rPr lang="en-US" sz="2800" b="1" u="sng" dirty="0">
-                <a:latin typeface="Times New Roman" panose="02020603050405020304" pitchFamily="18" charset="0"/>
-                <a:cs typeface="Times New Roman" panose="02020603050405020304" pitchFamily="18" charset="0"/>
-              </a:rPr>
-              <a:t>Classes:</a:t>
-            </a:r>
-            <a:r>
-              <a:rPr lang="en-US" sz="2800" dirty="0">
-                <a:latin typeface="Times New Roman" panose="02020603050405020304" pitchFamily="18" charset="0"/>
-                <a:cs typeface="Times New Roman" panose="02020603050405020304" pitchFamily="18" charset="0"/>
-              </a:rPr>
-              <a:t> Classes are used to categorize the queries and responses in the chatbot. For example, user inputs such as “Hello”, “Hi”, “Good Morning”, etc. will belong to the greeting class.</a:t>
-            </a:r>
-          </a:p>
-          <a:p>
-            <a:r>
-              <a:rPr lang="en-US" sz="2800" b="1" u="sng" dirty="0">
-                <a:latin typeface="Times New Roman" panose="02020603050405020304" pitchFamily="18" charset="0"/>
-                <a:cs typeface="Times New Roman" panose="02020603050405020304" pitchFamily="18" charset="0"/>
-              </a:rPr>
-              <a:t>Patterns:</a:t>
-            </a:r>
-            <a:r>
-              <a:rPr lang="en-US" sz="2800" dirty="0">
-                <a:latin typeface="Times New Roman" panose="02020603050405020304" pitchFamily="18" charset="0"/>
-                <a:cs typeface="Times New Roman" panose="02020603050405020304" pitchFamily="18" charset="0"/>
-              </a:rPr>
-              <a:t> Patterns contain keywords and terms that will generally be a be part of queries related to a certain topic. The patterns section will help the bot pick up these terms.</a:t>
-            </a:r>
-          </a:p>
-          <a:p>
-            <a:r>
-              <a:rPr lang="en-US" sz="2800" b="1" u="sng" dirty="0">
-                <a:latin typeface="Times New Roman" panose="02020603050405020304" pitchFamily="18" charset="0"/>
-                <a:cs typeface="Times New Roman" panose="02020603050405020304" pitchFamily="18" charset="0"/>
-              </a:rPr>
-              <a:t>Responses:</a:t>
-            </a:r>
-            <a:r>
-              <a:rPr lang="en-US" sz="2800" dirty="0">
-                <a:latin typeface="Times New Roman" panose="02020603050405020304" pitchFamily="18" charset="0"/>
-                <a:cs typeface="Times New Roman" panose="02020603050405020304" pitchFamily="18" charset="0"/>
-              </a:rPr>
-              <a:t> Responses are the replies that the chatbot will give depending on the questions from the user. </a:t>
-            </a:r>
-          </a:p>
-        </p:txBody>
-      </p:sp>
-      <p:sp>
-        <p:nvSpPr>
-          <p:cNvPr id="19" name="TextBox 18">
-            <a:extLst>
-              <a:ext uri="{FF2B5EF4-FFF2-40B4-BE49-F238E27FC236}">
-                <a16:creationId xmlns:a16="http://schemas.microsoft.com/office/drawing/2014/main" id="{B92C02A9-DEB9-49EE-B7A7-20C012FB19EA}"/>
-              </a:ext>
-            </a:extLst>
-          </p:cNvPr>
-          <p:cNvSpPr txBox="1"/>
-          <p:nvPr/>
-        </p:nvSpPr>
-        <p:spPr>
-          <a:xfrm>
-            <a:off x="290513" y="2383051"/>
-            <a:ext cx="16198449" cy="1569660"/>
-          </a:xfrm>
-          <a:prstGeom prst="rect">
-            <a:avLst/>
-          </a:prstGeom>
-          <a:noFill/>
-        </p:spPr>
-        <p:txBody>
-          <a:bodyPr wrap="square" rtlCol="0">
-            <a:spAutoFit/>
-          </a:bodyPr>
-          <a:lstStyle/>
-          <a:p>
-            <a:r>
-              <a:rPr lang="en-US" sz="4800" b="1" dirty="0">
-                <a:latin typeface="Arial" panose="020B0604020202020204" pitchFamily="34" charset="0"/>
-                <a:cs typeface="Arial" panose="020B0604020202020204" pitchFamily="34" charset="0"/>
-              </a:rPr>
-              <a:t>Vighnesh K. Ramesh - 2018A7PS0074U</a:t>
-            </a:r>
-          </a:p>
-          <a:p>
-            <a:r>
-              <a:rPr lang="en-US" sz="4800" b="1" dirty="0">
-                <a:latin typeface="Arial" panose="020B0604020202020204" pitchFamily="34" charset="0"/>
-                <a:cs typeface="Arial" panose="020B0604020202020204" pitchFamily="34" charset="0"/>
-              </a:rPr>
-              <a:t>BITS </a:t>
-            </a:r>
-            <a:r>
-              <a:rPr lang="en-US" sz="4800" b="1" dirty="0" err="1">
-                <a:latin typeface="Arial" panose="020B0604020202020204" pitchFamily="34" charset="0"/>
-                <a:cs typeface="Arial" panose="020B0604020202020204" pitchFamily="34" charset="0"/>
-              </a:rPr>
-              <a:t>Pilani</a:t>
-            </a:r>
-            <a:r>
-              <a:rPr lang="en-US" sz="4800" b="1" dirty="0">
-                <a:latin typeface="Arial" panose="020B0604020202020204" pitchFamily="34" charset="0"/>
-                <a:cs typeface="Arial" panose="020B0604020202020204" pitchFamily="34" charset="0"/>
-              </a:rPr>
-              <a:t>, Dubai Campus</a:t>
-            </a:r>
-          </a:p>
-        </p:txBody>
-      </p:sp>
-      <p:sp>
-        <p:nvSpPr>
-          <p:cNvPr id="20" name="TextBox 19">
-            <a:extLst>
-              <a:ext uri="{FF2B5EF4-FFF2-40B4-BE49-F238E27FC236}">
-                <a16:creationId xmlns:a16="http://schemas.microsoft.com/office/drawing/2014/main" id="{73528F55-6643-4349-A772-8544D045B563}"/>
-              </a:ext>
-            </a:extLst>
-          </p:cNvPr>
-          <p:cNvSpPr txBox="1"/>
-          <p:nvPr/>
-        </p:nvSpPr>
-        <p:spPr>
-          <a:xfrm>
-            <a:off x="11235458" y="23162197"/>
-            <a:ext cx="4018805" cy="3816429"/>
-          </a:xfrm>
-          <a:prstGeom prst="rect">
-            <a:avLst/>
-          </a:prstGeom>
-          <a:noFill/>
-        </p:spPr>
-        <p:txBody>
-          <a:bodyPr wrap="square" rtlCol="0">
-            <a:spAutoFit/>
-          </a:bodyPr>
-          <a:lstStyle/>
-          <a:p>
-            <a:pPr algn="ctr"/>
-            <a:endParaRPr lang="en-US" sz="2800" b="1" u="sng" dirty="0">
-              <a:latin typeface="Times New Roman" panose="02020603050405020304" pitchFamily="18" charset="0"/>
-              <a:cs typeface="Times New Roman" panose="02020603050405020304" pitchFamily="18" charset="0"/>
-            </a:endParaRPr>
-          </a:p>
-          <a:p>
-            <a:r>
-              <a:rPr lang="en-US" sz="2800" dirty="0">
-                <a:latin typeface="Times New Roman" panose="02020603050405020304" pitchFamily="18" charset="0"/>
-                <a:cs typeface="Times New Roman" panose="02020603050405020304" pitchFamily="18" charset="0"/>
-              </a:rPr>
-              <a:t>Once the chatbot is fully functional, it can be hosted to a webpage using Flask (python library for web deployment) and a html script for the webpage design. </a:t>
-            </a:r>
-          </a:p>
-          <a:p>
-            <a:endParaRPr lang="en-US" dirty="0"/>
-          </a:p>
-        </p:txBody>
-      </p:sp>
-      <p:pic>
-        <p:nvPicPr>
-          <p:cNvPr id="3" name="Picture 2">
-            <a:extLst>
-              <a:ext uri="{FF2B5EF4-FFF2-40B4-BE49-F238E27FC236}">
-                <a16:creationId xmlns:a16="http://schemas.microsoft.com/office/drawing/2014/main" id="{D8522F44-78FF-4ED9-9A96-A7F5E2BCAFCC}"/>
-              </a:ext>
-            </a:extLst>
-          </p:cNvPr>
-          <p:cNvPicPr>
-            <a:picLocks noChangeAspect="1"/>
-          </p:cNvPicPr>
-          <p:nvPr/>
-        </p:nvPicPr>
-        <p:blipFill rotWithShape="1">
-          <a:blip r:embed="rId2"/>
-          <a:srcRect l="1882" t="2994" r="5079"/>
-          <a:stretch/>
-        </p:blipFill>
-        <p:spPr>
-          <a:xfrm>
-            <a:off x="15910559" y="8030804"/>
-            <a:ext cx="4991150" cy="2901088"/>
-          </a:xfrm>
-          <a:prstGeom prst="rect">
-            <a:avLst/>
-          </a:prstGeom>
-        </p:spPr>
-      </p:pic>
-      <p:pic>
-        <p:nvPicPr>
-          <p:cNvPr id="6" name="Picture 5">
-            <a:extLst>
-              <a:ext uri="{FF2B5EF4-FFF2-40B4-BE49-F238E27FC236}">
-                <a16:creationId xmlns:a16="http://schemas.microsoft.com/office/drawing/2014/main" id="{8491BCEE-2EC1-4E35-ABCE-0AF166A5E507}"/>
-              </a:ext>
-            </a:extLst>
-          </p:cNvPr>
-          <p:cNvPicPr>
-            <a:picLocks noChangeAspect="1"/>
-          </p:cNvPicPr>
-          <p:nvPr/>
-        </p:nvPicPr>
-        <p:blipFill rotWithShape="1">
-          <a:blip r:embed="rId3"/>
-          <a:srcRect t="2527" r="6647"/>
-          <a:stretch/>
-        </p:blipFill>
-        <p:spPr>
-          <a:xfrm>
-            <a:off x="15930889" y="11003941"/>
-            <a:ext cx="4970819" cy="2362738"/>
-          </a:xfrm>
-          <a:prstGeom prst="rect">
-            <a:avLst/>
-          </a:prstGeom>
-        </p:spPr>
-      </p:pic>
-      <p:pic>
-        <p:nvPicPr>
-          <p:cNvPr id="13" name="Picture 12">
-            <a:extLst>
-              <a:ext uri="{FF2B5EF4-FFF2-40B4-BE49-F238E27FC236}">
-                <a16:creationId xmlns:a16="http://schemas.microsoft.com/office/drawing/2014/main" id="{A82FAE8A-D11F-4F06-936A-EB8EFE160C81}"/>
-              </a:ext>
-            </a:extLst>
-          </p:cNvPr>
-          <p:cNvPicPr>
-            <a:picLocks noChangeAspect="1"/>
-          </p:cNvPicPr>
-          <p:nvPr/>
-        </p:nvPicPr>
-        <p:blipFill rotWithShape="1">
-          <a:blip r:embed="rId4"/>
-          <a:srcRect r="3841" b="1981"/>
-          <a:stretch/>
-        </p:blipFill>
-        <p:spPr>
-          <a:xfrm>
-            <a:off x="4717762" y="25043152"/>
-            <a:ext cx="5338276" cy="3743604"/>
-          </a:xfrm>
-          <a:prstGeom prst="rect">
-            <a:avLst/>
-          </a:prstGeom>
-        </p:spPr>
-      </p:pic>
-      <p:pic>
-        <p:nvPicPr>
-          <p:cNvPr id="23" name="Picture 22">
-            <a:extLst>
-              <a:ext uri="{FF2B5EF4-FFF2-40B4-BE49-F238E27FC236}">
-                <a16:creationId xmlns:a16="http://schemas.microsoft.com/office/drawing/2014/main" id="{04883027-0144-40A0-B07D-6EDCEC841992}"/>
-              </a:ext>
-            </a:extLst>
-          </p:cNvPr>
-          <p:cNvPicPr>
-            <a:picLocks noChangeAspect="1"/>
-          </p:cNvPicPr>
-          <p:nvPr/>
-        </p:nvPicPr>
-        <p:blipFill rotWithShape="1">
-          <a:blip r:embed="rId5"/>
-          <a:srcRect r="4547"/>
-          <a:stretch/>
-        </p:blipFill>
-        <p:spPr>
-          <a:xfrm>
-            <a:off x="348841" y="19388914"/>
-            <a:ext cx="9568574" cy="3781176"/>
-          </a:xfrm>
-          <a:prstGeom prst="rect">
-            <a:avLst/>
-          </a:prstGeom>
-        </p:spPr>
-      </p:pic>
-      <p:pic>
-        <p:nvPicPr>
-          <p:cNvPr id="2" name="Picture 1">
-            <a:extLst>
-              <a:ext uri="{FF2B5EF4-FFF2-40B4-BE49-F238E27FC236}">
-                <a16:creationId xmlns:a16="http://schemas.microsoft.com/office/drawing/2014/main" id="{2E2ACA0C-F831-445F-847F-36FB4EB08E6B}"/>
-              </a:ext>
-            </a:extLst>
-          </p:cNvPr>
-          <p:cNvPicPr>
-            <a:picLocks noChangeAspect="1"/>
-          </p:cNvPicPr>
-          <p:nvPr/>
-        </p:nvPicPr>
-        <p:blipFill rotWithShape="1">
-          <a:blip r:embed="rId6"/>
-          <a:srcRect l="2122" r="1457" b="9985"/>
-          <a:stretch/>
-        </p:blipFill>
-        <p:spPr>
-          <a:xfrm>
-            <a:off x="12951080" y="26715490"/>
-            <a:ext cx="5918958" cy="3007687"/>
-          </a:xfrm>
-          <a:prstGeom prst="rect">
-            <a:avLst/>
-          </a:prstGeom>
-        </p:spPr>
-      </p:pic>
-      <p:pic>
-        <p:nvPicPr>
-          <p:cNvPr id="11" name="Picture 10">
-            <a:extLst>
-              <a:ext uri="{FF2B5EF4-FFF2-40B4-BE49-F238E27FC236}">
-                <a16:creationId xmlns:a16="http://schemas.microsoft.com/office/drawing/2014/main" id="{374D64F9-854B-4F7C-BC81-8823985DC291}"/>
-              </a:ext>
-            </a:extLst>
-          </p:cNvPr>
-          <p:cNvPicPr>
-            <a:picLocks noChangeAspect="1"/>
-          </p:cNvPicPr>
-          <p:nvPr/>
-        </p:nvPicPr>
-        <p:blipFill>
-          <a:blip r:embed="rId7"/>
-          <a:stretch>
-            <a:fillRect/>
-          </a:stretch>
-        </p:blipFill>
-        <p:spPr>
-          <a:xfrm>
-            <a:off x="15910559" y="5093767"/>
-            <a:ext cx="4991150" cy="2879510"/>
-          </a:xfrm>
-          <a:prstGeom prst="rect">
-            <a:avLst/>
-          </a:prstGeom>
-        </p:spPr>
-      </p:pic>
-      <p:pic>
-        <p:nvPicPr>
-          <p:cNvPr id="1026" name="Picture 2" descr="Research at BITS Pilani">
-            <a:extLst>
-              <a:ext uri="{FF2B5EF4-FFF2-40B4-BE49-F238E27FC236}">
-                <a16:creationId xmlns:a16="http://schemas.microsoft.com/office/drawing/2014/main" id="{03D9D703-1ED2-44C1-9DCE-5B6BCA30DBAC}"/>
-              </a:ext>
-            </a:extLst>
-          </p:cNvPr>
-          <p:cNvPicPr>
-            <a:picLocks noChangeAspect="1" noChangeArrowheads="1"/>
-          </p:cNvPicPr>
-          <p:nvPr/>
-        </p:nvPicPr>
-        <p:blipFill rotWithShape="1">
-          <a:blip r:embed="rId8">
-            <a:extLst>
-              <a:ext uri="{28A0092B-C50C-407E-A947-70E740481C1C}">
-                <a14:useLocalDpi xmlns:a14="http://schemas.microsoft.com/office/drawing/2010/main" val="0"/>
-              </a:ext>
-            </a:extLst>
-          </a:blip>
-          <a:srcRect r="19247"/>
-          <a:stretch/>
-        </p:blipFill>
-        <p:spPr bwMode="auto">
-          <a:xfrm>
-            <a:off x="15910560" y="2278868"/>
-            <a:ext cx="5182552" cy="1772735"/>
-          </a:xfrm>
-          <a:prstGeom prst="rect">
-            <a:avLst/>
-          </a:prstGeom>
-          <a:noFill/>
-          <a:extLst>
-            <a:ext uri="{909E8E84-426E-40DD-AFC4-6F175D3DCCD1}">
-              <a14:hiddenFill xmlns:a14="http://schemas.microsoft.com/office/drawing/2010/main">
-                <a:solidFill>
-                  <a:srgbClr val="FFFFFF"/>
-                </a:solidFill>
-              </a14:hiddenFill>
-            </a:ext>
-          </a:extLst>
-        </p:spPr>
-      </p:pic>
-      <p:pic>
-        <p:nvPicPr>
-          <p:cNvPr id="30" name="Picture 29">
-            <a:extLst>
-              <a:ext uri="{FF2B5EF4-FFF2-40B4-BE49-F238E27FC236}">
-                <a16:creationId xmlns:a16="http://schemas.microsoft.com/office/drawing/2014/main" id="{58DF6CDB-3607-4C3E-B1D3-F0B13E6A5199}"/>
-              </a:ext>
-            </a:extLst>
-          </p:cNvPr>
-          <p:cNvPicPr>
-            <a:picLocks noChangeAspect="1"/>
-          </p:cNvPicPr>
-          <p:nvPr/>
-        </p:nvPicPr>
-        <p:blipFill>
-          <a:blip r:embed="rId9"/>
-          <a:stretch>
-            <a:fillRect/>
-          </a:stretch>
-        </p:blipFill>
-        <p:spPr>
-          <a:xfrm>
-            <a:off x="4960416" y="9634172"/>
-            <a:ext cx="5095624" cy="4145370"/>
-          </a:xfrm>
-          <a:prstGeom prst="rect">
-            <a:avLst/>
-          </a:prstGeom>
-        </p:spPr>
-      </p:pic>
-      <p:sp>
-        <p:nvSpPr>
-          <p:cNvPr id="14" name="TextBox 13">
-            <a:extLst>
-              <a:ext uri="{FF2B5EF4-FFF2-40B4-BE49-F238E27FC236}">
-                <a16:creationId xmlns:a16="http://schemas.microsoft.com/office/drawing/2014/main" id="{998AD6C1-4127-47E9-A5E9-6226473DC25B}"/>
-              </a:ext>
-            </a:extLst>
-          </p:cNvPr>
-          <p:cNvSpPr txBox="1"/>
-          <p:nvPr/>
-        </p:nvSpPr>
-        <p:spPr>
-          <a:xfrm>
-            <a:off x="348841" y="8772623"/>
-            <a:ext cx="4812529" cy="6401753"/>
-          </a:xfrm>
-          <a:prstGeom prst="rect">
-            <a:avLst/>
-          </a:prstGeom>
-          <a:noFill/>
-        </p:spPr>
-        <p:txBody>
-          <a:bodyPr wrap="square" rtlCol="0">
-            <a:spAutoFit/>
-          </a:bodyPr>
-          <a:lstStyle/>
-          <a:p>
-            <a:pPr marL="342900" indent="-342900">
-              <a:buFont typeface="Arial" panose="020B0604020202020204" pitchFamily="34" charset="0"/>
-              <a:buChar char="•"/>
-            </a:pPr>
-            <a:r>
-              <a:rPr lang="en-US" sz="2800" b="1" u="sng" dirty="0" err="1">
-                <a:latin typeface="Times New Roman" panose="02020603050405020304" pitchFamily="18" charset="0"/>
-                <a:cs typeface="Times New Roman" panose="02020603050405020304" pitchFamily="18" charset="0"/>
-              </a:rPr>
-              <a:t>Tenorflow</a:t>
-            </a:r>
-            <a:r>
-              <a:rPr lang="en-US" sz="2800" b="1" u="sng" dirty="0">
-                <a:latin typeface="Times New Roman" panose="02020603050405020304" pitchFamily="18" charset="0"/>
-                <a:cs typeface="Times New Roman" panose="02020603050405020304" pitchFamily="18" charset="0"/>
-              </a:rPr>
-              <a:t> &amp; </a:t>
-            </a:r>
-            <a:r>
-              <a:rPr lang="en-US" sz="2800" b="1" u="sng" dirty="0" err="1">
-                <a:latin typeface="Times New Roman" panose="02020603050405020304" pitchFamily="18" charset="0"/>
-                <a:cs typeface="Times New Roman" panose="02020603050405020304" pitchFamily="18" charset="0"/>
-              </a:rPr>
-              <a:t>Keras</a:t>
-            </a:r>
-            <a:r>
-              <a:rPr lang="en-US" sz="2800" b="1" u="sng" dirty="0">
-                <a:latin typeface="Times New Roman" panose="02020603050405020304" pitchFamily="18" charset="0"/>
-                <a:cs typeface="Times New Roman" panose="02020603050405020304" pitchFamily="18" charset="0"/>
-              </a:rPr>
-              <a:t>:</a:t>
-            </a:r>
-            <a:r>
-              <a:rPr lang="en-US" sz="2800" b="1" dirty="0">
-                <a:latin typeface="Times New Roman" panose="02020603050405020304" pitchFamily="18" charset="0"/>
-                <a:cs typeface="Times New Roman" panose="02020603050405020304" pitchFamily="18" charset="0"/>
-              </a:rPr>
-              <a:t> </a:t>
-            </a:r>
-            <a:r>
-              <a:rPr lang="en-US" sz="2800" dirty="0">
-                <a:latin typeface="Times New Roman" panose="02020603050405020304" pitchFamily="18" charset="0"/>
-                <a:cs typeface="Times New Roman" panose="02020603050405020304" pitchFamily="18" charset="0"/>
-              </a:rPr>
-              <a:t>For training the model</a:t>
-            </a:r>
-          </a:p>
-          <a:p>
-            <a:pPr marL="342900" indent="-342900">
-              <a:buFont typeface="Arial" panose="020B0604020202020204" pitchFamily="34" charset="0"/>
-              <a:buChar char="•"/>
-            </a:pPr>
-            <a:r>
-              <a:rPr lang="en-US" sz="2800" b="1" u="sng" dirty="0" err="1">
-                <a:latin typeface="Times New Roman" panose="02020603050405020304" pitchFamily="18" charset="0"/>
-                <a:cs typeface="Times New Roman" panose="02020603050405020304" pitchFamily="18" charset="0"/>
-              </a:rPr>
-              <a:t>Numpy</a:t>
-            </a:r>
-            <a:r>
-              <a:rPr lang="en-US" sz="2800" b="1" u="sng" dirty="0">
-                <a:latin typeface="Times New Roman" panose="02020603050405020304" pitchFamily="18" charset="0"/>
-                <a:cs typeface="Times New Roman" panose="02020603050405020304" pitchFamily="18" charset="0"/>
-              </a:rPr>
-              <a:t>:</a:t>
-            </a:r>
-            <a:r>
-              <a:rPr lang="en-US" sz="2800" dirty="0">
-                <a:latin typeface="Times New Roman" panose="02020603050405020304" pitchFamily="18" charset="0"/>
-                <a:cs typeface="Times New Roman" panose="02020603050405020304" pitchFamily="18" charset="0"/>
-              </a:rPr>
-              <a:t> To reshape and rearrange the data</a:t>
-            </a:r>
-          </a:p>
-          <a:p>
-            <a:pPr marL="342900" indent="-342900">
-              <a:buFont typeface="Arial" panose="020B0604020202020204" pitchFamily="34" charset="0"/>
-              <a:buChar char="•"/>
-            </a:pPr>
-            <a:r>
-              <a:rPr lang="en-US" sz="2800" b="1" u="sng" dirty="0">
-                <a:latin typeface="Times New Roman" panose="02020603050405020304" pitchFamily="18" charset="0"/>
-                <a:cs typeface="Times New Roman" panose="02020603050405020304" pitchFamily="18" charset="0"/>
-              </a:rPr>
-              <a:t>Matplotlib:</a:t>
-            </a:r>
-            <a:r>
-              <a:rPr lang="en-US" sz="2800" dirty="0">
-                <a:latin typeface="Times New Roman" panose="02020603050405020304" pitchFamily="18" charset="0"/>
-                <a:cs typeface="Times New Roman" panose="02020603050405020304" pitchFamily="18" charset="0"/>
-              </a:rPr>
-              <a:t> To visualize the training results graphically</a:t>
-            </a:r>
-          </a:p>
-          <a:p>
-            <a:pPr marL="342900" indent="-342900">
-              <a:buFont typeface="Arial" panose="020B0604020202020204" pitchFamily="34" charset="0"/>
-              <a:buChar char="•"/>
-            </a:pPr>
-            <a:r>
-              <a:rPr lang="en-US" sz="2800" b="1" u="sng" dirty="0" err="1">
-                <a:latin typeface="Times New Roman" panose="02020603050405020304" pitchFamily="18" charset="0"/>
-                <a:cs typeface="Times New Roman" panose="02020603050405020304" pitchFamily="18" charset="0"/>
-              </a:rPr>
-              <a:t>Nltk</a:t>
-            </a:r>
-            <a:r>
-              <a:rPr lang="en-US" sz="2800" b="1" u="sng" dirty="0">
-                <a:latin typeface="Times New Roman" panose="02020603050405020304" pitchFamily="18" charset="0"/>
-                <a:cs typeface="Times New Roman" panose="02020603050405020304" pitchFamily="18" charset="0"/>
-              </a:rPr>
-              <a:t>:</a:t>
-            </a:r>
-            <a:r>
-              <a:rPr lang="en-US" sz="2800" dirty="0">
-                <a:latin typeface="Times New Roman" panose="02020603050405020304" pitchFamily="18" charset="0"/>
-                <a:cs typeface="Times New Roman" panose="02020603050405020304" pitchFamily="18" charset="0"/>
-              </a:rPr>
-              <a:t> To perform operations on words and alphabetic data before training</a:t>
-            </a:r>
-          </a:p>
-          <a:p>
-            <a:pPr marL="342900" indent="-342900">
-              <a:buFont typeface="Arial" panose="020B0604020202020204" pitchFamily="34" charset="0"/>
-              <a:buChar char="•"/>
-            </a:pPr>
-            <a:r>
-              <a:rPr lang="en-US" sz="2800" b="1" u="sng" dirty="0">
-                <a:latin typeface="Times New Roman" panose="02020603050405020304" pitchFamily="18" charset="0"/>
-                <a:cs typeface="Times New Roman" panose="02020603050405020304" pitchFamily="18" charset="0"/>
-              </a:rPr>
-              <a:t>JSON</a:t>
-            </a:r>
-            <a:r>
-              <a:rPr lang="en-US" sz="2800" b="1" dirty="0">
-                <a:latin typeface="Times New Roman" panose="02020603050405020304" pitchFamily="18" charset="0"/>
-                <a:cs typeface="Times New Roman" panose="02020603050405020304" pitchFamily="18" charset="0"/>
-              </a:rPr>
-              <a:t>:</a:t>
-            </a:r>
-            <a:r>
-              <a:rPr lang="en-US" sz="2800" dirty="0">
-                <a:latin typeface="Times New Roman" panose="02020603050405020304" pitchFamily="18" charset="0"/>
-                <a:cs typeface="Times New Roman" panose="02020603050405020304" pitchFamily="18" charset="0"/>
-              </a:rPr>
-              <a:t> To import JSON files</a:t>
-            </a:r>
-          </a:p>
-          <a:p>
-            <a:pPr marL="342900" indent="-342900">
-              <a:buFont typeface="Arial" panose="020B0604020202020204" pitchFamily="34" charset="0"/>
-              <a:buChar char="•"/>
-            </a:pPr>
-            <a:r>
-              <a:rPr lang="en-US" sz="2800" b="1" u="sng" dirty="0">
-                <a:latin typeface="Times New Roman" panose="02020603050405020304" pitchFamily="18" charset="0"/>
-                <a:cs typeface="Times New Roman" panose="02020603050405020304" pitchFamily="18" charset="0"/>
-              </a:rPr>
-              <a:t>Pickle</a:t>
-            </a:r>
-            <a:r>
-              <a:rPr lang="en-US" sz="2800" b="1" dirty="0">
-                <a:latin typeface="Times New Roman" panose="02020603050405020304" pitchFamily="18" charset="0"/>
-                <a:cs typeface="Times New Roman" panose="02020603050405020304" pitchFamily="18" charset="0"/>
-              </a:rPr>
-              <a:t>:</a:t>
-            </a:r>
-            <a:r>
-              <a:rPr lang="en-US" sz="2800" dirty="0">
-                <a:latin typeface="Times New Roman" panose="02020603050405020304" pitchFamily="18" charset="0"/>
-                <a:cs typeface="Times New Roman" panose="02020603050405020304" pitchFamily="18" charset="0"/>
-              </a:rPr>
-              <a:t> To save and load the training model and data</a:t>
-            </a:r>
-          </a:p>
-          <a:p>
-            <a:pPr marL="342900" indent="-342900">
-              <a:buFont typeface="Arial" panose="020B0604020202020204" pitchFamily="34" charset="0"/>
-              <a:buChar char="•"/>
-            </a:pPr>
-            <a:r>
-              <a:rPr lang="en-US" sz="2800" b="1" u="sng" dirty="0">
-                <a:latin typeface="Times New Roman" panose="02020603050405020304" pitchFamily="18" charset="0"/>
-                <a:cs typeface="Times New Roman" panose="02020603050405020304" pitchFamily="18" charset="0"/>
-              </a:rPr>
-              <a:t>Random</a:t>
-            </a:r>
-            <a:r>
-              <a:rPr lang="en-US" sz="2800" b="1" dirty="0">
-                <a:latin typeface="Times New Roman" panose="02020603050405020304" pitchFamily="18" charset="0"/>
-                <a:cs typeface="Times New Roman" panose="02020603050405020304" pitchFamily="18" charset="0"/>
-              </a:rPr>
-              <a:t>:</a:t>
-            </a:r>
-            <a:r>
-              <a:rPr lang="en-US" sz="2800" dirty="0">
-                <a:latin typeface="Times New Roman" panose="02020603050405020304" pitchFamily="18" charset="0"/>
-                <a:cs typeface="Times New Roman" panose="02020603050405020304" pitchFamily="18" charset="0"/>
-              </a:rPr>
-              <a:t> For shuffling the data prior to training</a:t>
-            </a:r>
-          </a:p>
-          <a:p>
-            <a:endParaRPr lang="en-US" dirty="0"/>
-          </a:p>
-        </p:txBody>
-      </p:sp>
-      <p:sp>
-        <p:nvSpPr>
-          <p:cNvPr id="4" name="TextBox 3">
-            <a:extLst>
-              <a:ext uri="{FF2B5EF4-FFF2-40B4-BE49-F238E27FC236}">
-                <a16:creationId xmlns:a16="http://schemas.microsoft.com/office/drawing/2014/main" id="{17C8B002-05F6-4EB8-AEC2-84C5CCB2EF4C}"/>
-              </a:ext>
-            </a:extLst>
-          </p:cNvPr>
-          <p:cNvSpPr txBox="1"/>
-          <p:nvPr/>
-        </p:nvSpPr>
-        <p:spPr>
-          <a:xfrm>
-            <a:off x="637271" y="23993194"/>
-            <a:ext cx="4235665" cy="5970865"/>
-          </a:xfrm>
-          <a:prstGeom prst="rect">
-            <a:avLst/>
-          </a:prstGeom>
-          <a:noFill/>
-        </p:spPr>
-        <p:txBody>
-          <a:bodyPr wrap="square" rtlCol="0">
-            <a:spAutoFit/>
-          </a:bodyPr>
-          <a:lstStyle/>
-          <a:p>
-            <a:r>
-              <a:rPr lang="en-US" sz="2800" b="1" u="sng" dirty="0">
-                <a:latin typeface="Times New Roman" panose="02020603050405020304" pitchFamily="18" charset="0"/>
-                <a:cs typeface="Times New Roman" panose="02020603050405020304" pitchFamily="18" charset="0"/>
-              </a:rPr>
-              <a:t>Tokenization:</a:t>
-            </a:r>
-            <a:r>
-              <a:rPr lang="en-US" sz="2800" dirty="0">
-                <a:latin typeface="Times New Roman" panose="02020603050405020304" pitchFamily="18" charset="0"/>
-                <a:cs typeface="Times New Roman" panose="02020603050405020304" pitchFamily="18" charset="0"/>
-              </a:rPr>
-              <a:t> Splitting sentences into a set of tokens.</a:t>
-            </a:r>
-          </a:p>
-          <a:p>
-            <a:r>
-              <a:rPr lang="en-US" sz="2800" b="1" u="sng" dirty="0">
-                <a:latin typeface="Times New Roman" panose="02020603050405020304" pitchFamily="18" charset="0"/>
-                <a:cs typeface="Times New Roman" panose="02020603050405020304" pitchFamily="18" charset="0"/>
-              </a:rPr>
-              <a:t>Documentation:</a:t>
-            </a:r>
-            <a:r>
-              <a:rPr lang="en-US" sz="2800" dirty="0">
-                <a:latin typeface="Times New Roman" panose="02020603050405020304" pitchFamily="18" charset="0"/>
-                <a:cs typeface="Times New Roman" panose="02020603050405020304" pitchFamily="18" charset="0"/>
-              </a:rPr>
-              <a:t> Creating groups of patterns and tags under a single list. </a:t>
-            </a:r>
-            <a:endParaRPr lang="en-US" sz="2800" b="1" u="sng" dirty="0">
-              <a:latin typeface="Times New Roman" panose="02020603050405020304" pitchFamily="18" charset="0"/>
-              <a:cs typeface="Times New Roman" panose="02020603050405020304" pitchFamily="18" charset="0"/>
-            </a:endParaRPr>
-          </a:p>
-          <a:p>
-            <a:r>
-              <a:rPr lang="en-US" sz="2800" b="1" u="sng" dirty="0">
-                <a:latin typeface="Times New Roman" panose="02020603050405020304" pitchFamily="18" charset="0"/>
-                <a:cs typeface="Times New Roman" panose="02020603050405020304" pitchFamily="18" charset="0"/>
-              </a:rPr>
-              <a:t>Stemming</a:t>
-            </a:r>
-            <a:r>
-              <a:rPr lang="en-US" sz="2800" dirty="0">
-                <a:latin typeface="Times New Roman" panose="02020603050405020304" pitchFamily="18" charset="0"/>
-                <a:cs typeface="Times New Roman" panose="02020603050405020304" pitchFamily="18" charset="0"/>
-              </a:rPr>
-              <a:t>: Converting each token into its simplest form. </a:t>
-            </a:r>
-          </a:p>
-          <a:p>
-            <a:r>
-              <a:rPr lang="en-US" sz="2800" b="1" u="sng" dirty="0">
-                <a:latin typeface="Times New Roman" panose="02020603050405020304" pitchFamily="18" charset="0"/>
-                <a:cs typeface="Times New Roman" panose="02020603050405020304" pitchFamily="18" charset="0"/>
-              </a:rPr>
-              <a:t>Bag of Words</a:t>
-            </a:r>
-            <a:r>
-              <a:rPr lang="en-US" sz="2800" dirty="0">
-                <a:latin typeface="Times New Roman" panose="02020603050405020304" pitchFamily="18" charset="0"/>
-                <a:cs typeface="Times New Roman" panose="02020603050405020304" pitchFamily="18" charset="0"/>
-              </a:rPr>
-              <a:t>: A model in which each word is converted into a unique combination of 0s and 1. </a:t>
-            </a:r>
-          </a:p>
-          <a:p>
-            <a:endParaRPr lang="en-US" dirty="0"/>
-          </a:p>
-        </p:txBody>
-      </p:sp>
-      <p:sp>
-        <p:nvSpPr>
-          <p:cNvPr id="21" name="TextBox 20">
-            <a:extLst>
-              <a:ext uri="{FF2B5EF4-FFF2-40B4-BE49-F238E27FC236}">
-                <a16:creationId xmlns:a16="http://schemas.microsoft.com/office/drawing/2014/main" id="{9F3DC094-5D25-41B2-AA05-5FB80FF3758A}"/>
-              </a:ext>
-            </a:extLst>
-          </p:cNvPr>
-          <p:cNvSpPr txBox="1"/>
-          <p:nvPr/>
-        </p:nvSpPr>
-        <p:spPr>
-          <a:xfrm>
-            <a:off x="10341834" y="4968427"/>
-            <a:ext cx="5568725" cy="8556188"/>
-          </a:xfrm>
-          <a:prstGeom prst="rect">
-            <a:avLst/>
-          </a:prstGeom>
-          <a:noFill/>
-        </p:spPr>
-        <p:txBody>
-          <a:bodyPr wrap="square" rtlCol="0">
-            <a:spAutoFit/>
-          </a:bodyPr>
-          <a:lstStyle/>
-          <a:p>
-            <a:r>
-              <a:rPr lang="en-US" sz="2800" b="1" u="sng" dirty="0">
-                <a:latin typeface="Times New Roman" panose="02020603050405020304" pitchFamily="18" charset="0"/>
-                <a:cs typeface="Times New Roman" panose="02020603050405020304" pitchFamily="18" charset="0"/>
-              </a:rPr>
-              <a:t>Model:</a:t>
-            </a:r>
-            <a:r>
-              <a:rPr lang="en-US" sz="2800" dirty="0">
-                <a:latin typeface="Times New Roman" panose="02020603050405020304" pitchFamily="18" charset="0"/>
-                <a:cs typeface="Times New Roman" panose="02020603050405020304" pitchFamily="18" charset="0"/>
-              </a:rPr>
-              <a:t> Three layers are created using the Dense function (input layer, hidden layer and output layer).</a:t>
-            </a:r>
-          </a:p>
-          <a:p>
-            <a:r>
-              <a:rPr lang="en-US" sz="2800" b="1" u="sng" dirty="0">
-                <a:latin typeface="Times New Roman" panose="02020603050405020304" pitchFamily="18" charset="0"/>
-                <a:cs typeface="Times New Roman" panose="02020603050405020304" pitchFamily="18" charset="0"/>
-              </a:rPr>
-              <a:t>Activation Function:</a:t>
-            </a:r>
-            <a:r>
-              <a:rPr lang="en-US" sz="2800" b="1" dirty="0">
-                <a:latin typeface="Times New Roman" panose="02020603050405020304" pitchFamily="18" charset="0"/>
-                <a:cs typeface="Times New Roman" panose="02020603050405020304" pitchFamily="18" charset="0"/>
-              </a:rPr>
-              <a:t> </a:t>
-            </a:r>
-            <a:r>
-              <a:rPr lang="en-US" sz="2800" dirty="0">
-                <a:latin typeface="Times New Roman" panose="02020603050405020304" pitchFamily="18" charset="0"/>
-                <a:cs typeface="Times New Roman" panose="02020603050405020304" pitchFamily="18" charset="0"/>
-              </a:rPr>
-              <a:t>The activation function is declared while initializing the layer. It decides how the inputs are trained. The input layer and hidden layer use ‘</a:t>
-            </a:r>
-            <a:r>
-              <a:rPr lang="en-US" sz="2800" dirty="0" err="1">
-                <a:latin typeface="Times New Roman" panose="02020603050405020304" pitchFamily="18" charset="0"/>
-                <a:cs typeface="Times New Roman" panose="02020603050405020304" pitchFamily="18" charset="0"/>
-              </a:rPr>
-              <a:t>relu</a:t>
-            </a:r>
-            <a:r>
-              <a:rPr lang="en-US" sz="2800" dirty="0">
-                <a:latin typeface="Times New Roman" panose="02020603050405020304" pitchFamily="18" charset="0"/>
-                <a:cs typeface="Times New Roman" panose="02020603050405020304" pitchFamily="18" charset="0"/>
-              </a:rPr>
-              <a:t>’ (rectified linear unit) and the output layer uses ‘sigmoid’</a:t>
-            </a:r>
-          </a:p>
-          <a:p>
-            <a:r>
-              <a:rPr lang="en-US" sz="2800" b="1" u="sng" dirty="0">
-                <a:latin typeface="Times New Roman" panose="02020603050405020304" pitchFamily="18" charset="0"/>
-                <a:cs typeface="Times New Roman" panose="02020603050405020304" pitchFamily="18" charset="0"/>
-              </a:rPr>
-              <a:t>Compiling:</a:t>
-            </a:r>
-            <a:r>
-              <a:rPr lang="en-US" sz="2800" b="1" dirty="0">
-                <a:latin typeface="Times New Roman" panose="02020603050405020304" pitchFamily="18" charset="0"/>
-                <a:cs typeface="Times New Roman" panose="02020603050405020304" pitchFamily="18" charset="0"/>
-              </a:rPr>
-              <a:t> </a:t>
-            </a:r>
-            <a:r>
-              <a:rPr lang="en-US" sz="2800" dirty="0">
-                <a:latin typeface="Times New Roman" panose="02020603050405020304" pitchFamily="18" charset="0"/>
-                <a:cs typeface="Times New Roman" panose="02020603050405020304" pitchFamily="18" charset="0"/>
-              </a:rPr>
-              <a:t>The compilation decides the evaluation criteria for the model. Loss function, optimizer and metrics are chosen. </a:t>
-            </a:r>
-          </a:p>
-          <a:p>
-            <a:r>
-              <a:rPr lang="en-US" sz="2800" b="1" u="sng" dirty="0">
-                <a:latin typeface="Times New Roman" panose="02020603050405020304" pitchFamily="18" charset="0"/>
-                <a:cs typeface="Times New Roman" panose="02020603050405020304" pitchFamily="18" charset="0"/>
-              </a:rPr>
-              <a:t>Fitting:</a:t>
-            </a:r>
-            <a:r>
-              <a:rPr lang="en-US" sz="2800" b="1" dirty="0">
-                <a:latin typeface="Times New Roman" panose="02020603050405020304" pitchFamily="18" charset="0"/>
-                <a:cs typeface="Times New Roman" panose="02020603050405020304" pitchFamily="18" charset="0"/>
-              </a:rPr>
-              <a:t> </a:t>
-            </a:r>
-            <a:r>
-              <a:rPr lang="en-US" sz="2800" dirty="0">
-                <a:latin typeface="Times New Roman" panose="02020603050405020304" pitchFamily="18" charset="0"/>
-                <a:cs typeface="Times New Roman" panose="02020603050405020304" pitchFamily="18" charset="0"/>
-              </a:rPr>
-              <a:t>The deep learning model is fitted to the training data with parameters such as epochs and batch size. </a:t>
-            </a:r>
-          </a:p>
-          <a:p>
-            <a:endParaRPr lang="en-US" sz="2800" dirty="0">
-              <a:latin typeface="Times New Roman" panose="02020603050405020304" pitchFamily="18" charset="0"/>
-              <a:cs typeface="Times New Roman" panose="02020603050405020304" pitchFamily="18" charset="0"/>
-            </a:endParaRPr>
-          </a:p>
-          <a:p>
-            <a:endParaRPr lang="en-US" dirty="0"/>
-          </a:p>
-        </p:txBody>
-      </p:sp>
-      <p:sp>
-        <p:nvSpPr>
-          <p:cNvPr id="38" name="Rectangle 37">
-            <a:extLst>
-              <a:ext uri="{FF2B5EF4-FFF2-40B4-BE49-F238E27FC236}">
-                <a16:creationId xmlns:a16="http://schemas.microsoft.com/office/drawing/2014/main" id="{73E8E777-5E2A-4CAD-B2C6-148816999923}"/>
+                <a16:creationId xmlns="" xmlns:a16="http://schemas.microsoft.com/office/drawing/2014/main" id="{0AE034B6-5835-458B-8EB5-22E6633048F4}"/>
               </a:ext>
             </a:extLst>
           </p:cNvPr>
@@ -4573,18 +3481,29 @@
         </p:nvSpPr>
         <p:spPr>
           <a:xfrm>
-            <a:off x="10333017" y="13669924"/>
-            <a:ext cx="10833094" cy="8830154"/>
+            <a:off x="241257" y="157322"/>
+            <a:ext cx="20895515" cy="4068931"/>
           </a:xfrm>
           <a:prstGeom prst="rect">
             <a:avLst/>
           </a:prstGeom>
-          <a:solidFill>
-            <a:schemeClr val="accent4">
-              <a:lumMod val="60000"/>
-              <a:lumOff val="40000"/>
-            </a:schemeClr>
-          </a:solidFill>
+          <a:gradFill flip="none" rotWithShape="1">
+            <a:gsLst>
+              <a:gs pos="0">
+                <a:schemeClr val="accent2"/>
+              </a:gs>
+              <a:gs pos="100000">
+                <a:srgbClr val="FF3300"/>
+              </a:gs>
+            </a:gsLst>
+            <a:lin ang="13500000" scaled="1"/>
+            <a:tileRect/>
+          </a:gradFill>
+          <a:ln>
+            <a:solidFill>
+              <a:schemeClr val="accent1"/>
+            </a:solidFill>
+          </a:ln>
         </p:spPr>
         <p:style>
           <a:lnRef idx="2">
@@ -4613,10 +3532,10 @@
       </p:sp>
       <p:sp>
         <p:nvSpPr>
-          <p:cNvPr id="39" name="TextBox 38">
+          <p:cNvPr id="5" name="TextBox 4">
             <a:extLst>
               <a:ext uri="{FF2B5EF4-FFF2-40B4-BE49-F238E27FC236}">
-                <a16:creationId xmlns:a16="http://schemas.microsoft.com/office/drawing/2014/main" id="{B3D532AD-33F5-4A3F-84F7-31B5B307F3BC}"/>
+                <a16:creationId xmlns="" xmlns:a16="http://schemas.microsoft.com/office/drawing/2014/main" id="{52E4FE7F-C228-4D61-94C3-751756D63CD8}"/>
               </a:ext>
             </a:extLst>
           </p:cNvPr>
@@ -4625,8 +3544,8 @@
         </p:nvSpPr>
         <p:spPr>
           <a:xfrm>
-            <a:off x="10333017" y="13779542"/>
-            <a:ext cx="10818424" cy="861774"/>
+            <a:off x="568812" y="773331"/>
+            <a:ext cx="16706843" cy="1569660"/>
           </a:xfrm>
           <a:prstGeom prst="rect">
             <a:avLst/>
@@ -4634,31 +3553,27 @@
           <a:noFill/>
         </p:spPr>
         <p:txBody>
-          <a:bodyPr wrap="square" rtlCol="0">
+          <a:bodyPr wrap="square">
             <a:spAutoFit/>
           </a:bodyPr>
           <a:lstStyle/>
           <a:p>
-            <a:pPr algn="ctr"/>
-            <a:r>
-              <a:rPr lang="en-US" sz="3200" b="1" u="sng" dirty="0">
-                <a:latin typeface="Times New Roman" panose="02020603050405020304" pitchFamily="18" charset="0"/>
-                <a:cs typeface="Times New Roman" panose="02020603050405020304" pitchFamily="18" charset="0"/>
-              </a:rPr>
-              <a:t>Processing the user input</a:t>
-            </a:r>
-          </a:p>
-          <a:p>
-            <a:endParaRPr lang="en-US" dirty="0"/>
-          </a:p>
-        </p:txBody>
-      </p:sp>
-      <p:sp>
-        <p:nvSpPr>
-          <p:cNvPr id="22" name="TextBox 21">
+            <a:r>
+              <a:rPr lang="en-US" sz="9600" b="1" u="sng" dirty="0">
+                <a:latin typeface="Arial" panose="020B0604020202020204" pitchFamily="34" charset="0"/>
+                <a:cs typeface="Arial" panose="020B0604020202020204" pitchFamily="34" charset="0"/>
+              </a:rPr>
+              <a:t>Domain Specific Chatbot</a:t>
+            </a:r>
+          </a:p>
+        </p:txBody>
+      </p:sp>
+      <p:sp>
+        <p:nvSpPr>
+          <p:cNvPr id="7" name="TextBox 6">
             <a:extLst>
               <a:ext uri="{FF2B5EF4-FFF2-40B4-BE49-F238E27FC236}">
-                <a16:creationId xmlns:a16="http://schemas.microsoft.com/office/drawing/2014/main" id="{4F0AF74D-10E3-4563-AC18-4345763B9BDA}"/>
+                <a16:creationId xmlns="" xmlns:a16="http://schemas.microsoft.com/office/drawing/2014/main" id="{3B917092-B7AD-4886-9505-81FCA55FF2A5}"/>
               </a:ext>
             </a:extLst>
           </p:cNvPr>
@@ -4667,8 +3582,8 @@
         </p:nvSpPr>
         <p:spPr>
           <a:xfrm>
-            <a:off x="10608276" y="14418788"/>
-            <a:ext cx="4183832" cy="6124754"/>
+            <a:off x="306921" y="4385917"/>
+            <a:ext cx="9610494" cy="4278094"/>
           </a:xfrm>
           <a:prstGeom prst="rect">
             <a:avLst/>
@@ -4676,28 +3591,1422 @@
           <a:noFill/>
         </p:spPr>
         <p:txBody>
+          <a:bodyPr wrap="square">
+            <a:spAutoFit/>
+          </a:bodyPr>
+          <a:lstStyle/>
+          <a:p>
+            <a:pPr algn="ctr"/>
+            <a:r>
+              <a:rPr lang="en-US" sz="3200" b="1" u="sng" dirty="0">
+                <a:latin typeface="Times New Roman" panose="02020603050405020304" pitchFamily="18" charset="0"/>
+                <a:cs typeface="Times New Roman" panose="02020603050405020304" pitchFamily="18" charset="0"/>
+              </a:rPr>
+              <a:t>Abstract</a:t>
+            </a:r>
+            <a:endParaRPr lang="en-US" sz="3200" dirty="0">
+              <a:latin typeface="Times New Roman" panose="02020603050405020304" pitchFamily="18" charset="0"/>
+              <a:cs typeface="Times New Roman" panose="02020603050405020304" pitchFamily="18" charset="0"/>
+            </a:endParaRPr>
+          </a:p>
+          <a:p>
+            <a:r>
+              <a:rPr lang="en-US" sz="2800" dirty="0">
+                <a:latin typeface="Times New Roman" panose="02020603050405020304" pitchFamily="18" charset="0"/>
+                <a:cs typeface="Times New Roman" panose="02020603050405020304" pitchFamily="18" charset="0"/>
+              </a:rPr>
+              <a:t> The objective of this project is to create a chatbot that can respond to queries related to a certain domain. The purpose of this chatbot is to provide information related to electronic gadgets. This can be implemented using python along with certain deep learning and natural language processing libraries such as </a:t>
+            </a:r>
+            <a:r>
+              <a:rPr lang="en-US" sz="2800" dirty="0" err="1">
+                <a:latin typeface="Times New Roman" panose="02020603050405020304" pitchFamily="18" charset="0"/>
+                <a:cs typeface="Times New Roman" panose="02020603050405020304" pitchFamily="18" charset="0"/>
+              </a:rPr>
+              <a:t>Tensorflow</a:t>
+            </a:r>
+            <a:r>
+              <a:rPr lang="en-US" sz="2800" dirty="0">
+                <a:latin typeface="Times New Roman" panose="02020603050405020304" pitchFamily="18" charset="0"/>
+                <a:cs typeface="Times New Roman" panose="02020603050405020304" pitchFamily="18" charset="0"/>
+              </a:rPr>
+              <a:t>, </a:t>
+            </a:r>
+            <a:r>
+              <a:rPr lang="en-US" sz="2800" dirty="0" err="1">
+                <a:latin typeface="Times New Roman" panose="02020603050405020304" pitchFamily="18" charset="0"/>
+                <a:cs typeface="Times New Roman" panose="02020603050405020304" pitchFamily="18" charset="0"/>
+              </a:rPr>
+              <a:t>Keras</a:t>
+            </a:r>
+            <a:r>
+              <a:rPr lang="en-US" sz="2800" dirty="0">
+                <a:latin typeface="Times New Roman" panose="02020603050405020304" pitchFamily="18" charset="0"/>
+                <a:cs typeface="Times New Roman" panose="02020603050405020304" pitchFamily="18" charset="0"/>
+              </a:rPr>
+              <a:t> and NLTK (Natural Language Toolkit). </a:t>
+            </a:r>
+          </a:p>
+          <a:p>
+            <a:endParaRPr lang="en-US" sz="3600" dirty="0"/>
+          </a:p>
+          <a:p>
+            <a:endParaRPr lang="en-US" sz="3600" dirty="0"/>
+          </a:p>
+        </p:txBody>
+      </p:sp>
+      <p:sp>
+        <p:nvSpPr>
+          <p:cNvPr id="8" name="TextBox 7">
+            <a:extLst>
+              <a:ext uri="{FF2B5EF4-FFF2-40B4-BE49-F238E27FC236}">
+                <a16:creationId xmlns="" xmlns:a16="http://schemas.microsoft.com/office/drawing/2014/main" id="{DEF178A5-4A23-42D5-8609-4E2E580EE5A7}"/>
+              </a:ext>
+            </a:extLst>
+          </p:cNvPr>
+          <p:cNvSpPr txBox="1"/>
+          <p:nvPr/>
+        </p:nvSpPr>
+        <p:spPr>
+          <a:xfrm>
+            <a:off x="76603" y="23370179"/>
+            <a:ext cx="9911528" cy="861774"/>
+          </a:xfrm>
+          <a:prstGeom prst="rect">
+            <a:avLst/>
+          </a:prstGeom>
+          <a:noFill/>
+        </p:spPr>
+        <p:txBody>
           <a:bodyPr wrap="square" rtlCol="0">
             <a:spAutoFit/>
           </a:bodyPr>
           <a:lstStyle/>
           <a:p>
+            <a:pPr algn="ctr"/>
+            <a:r>
+              <a:rPr lang="en-US" sz="3200" b="1" u="sng" dirty="0">
+                <a:latin typeface="Times New Roman" panose="02020603050405020304" pitchFamily="18" charset="0"/>
+                <a:cs typeface="Times New Roman" panose="02020603050405020304" pitchFamily="18" charset="0"/>
+              </a:rPr>
+              <a:t>Natural Language Processing</a:t>
+            </a:r>
+          </a:p>
+          <a:p>
+            <a:endParaRPr lang="en-US" dirty="0"/>
+          </a:p>
+        </p:txBody>
+      </p:sp>
+      <p:sp>
+        <p:nvSpPr>
+          <p:cNvPr id="9" name="TextBox 8">
+            <a:extLst>
+              <a:ext uri="{FF2B5EF4-FFF2-40B4-BE49-F238E27FC236}">
+                <a16:creationId xmlns="" xmlns:a16="http://schemas.microsoft.com/office/drawing/2014/main" id="{EEA9A403-E920-4B52-9FDA-B7303097E0E3}"/>
+              </a:ext>
+            </a:extLst>
+          </p:cNvPr>
+          <p:cNvSpPr txBox="1"/>
+          <p:nvPr/>
+        </p:nvSpPr>
+        <p:spPr>
+          <a:xfrm>
+            <a:off x="10426417" y="4390343"/>
+            <a:ext cx="10725025" cy="584775"/>
+          </a:xfrm>
+          <a:prstGeom prst="rect">
+            <a:avLst/>
+          </a:prstGeom>
+          <a:noFill/>
+        </p:spPr>
+        <p:txBody>
+          <a:bodyPr wrap="square" rtlCol="0">
+            <a:spAutoFit/>
+          </a:bodyPr>
+          <a:lstStyle/>
+          <a:p>
+            <a:pPr algn="ctr"/>
+            <a:r>
+              <a:rPr lang="en-US" sz="3200" b="1" u="sng" dirty="0">
+                <a:latin typeface="Times New Roman" panose="02020603050405020304" pitchFamily="18" charset="0"/>
+                <a:cs typeface="Times New Roman" panose="02020603050405020304" pitchFamily="18" charset="0"/>
+              </a:rPr>
+              <a:t>Training</a:t>
+            </a:r>
+          </a:p>
+        </p:txBody>
+      </p:sp>
+      <p:sp>
+        <p:nvSpPr>
+          <p:cNvPr id="10" name="TextBox 9">
+            <a:extLst>
+              <a:ext uri="{FF2B5EF4-FFF2-40B4-BE49-F238E27FC236}">
+                <a16:creationId xmlns="" xmlns:a16="http://schemas.microsoft.com/office/drawing/2014/main" id="{F2E86D05-FC6E-464B-B427-D780D31EBFB0}"/>
+              </a:ext>
+            </a:extLst>
+          </p:cNvPr>
+          <p:cNvSpPr txBox="1"/>
+          <p:nvPr/>
+        </p:nvSpPr>
+        <p:spPr>
+          <a:xfrm>
+            <a:off x="306921" y="7788863"/>
+            <a:ext cx="9765529" cy="1015663"/>
+          </a:xfrm>
+          <a:prstGeom prst="rect">
+            <a:avLst/>
+          </a:prstGeom>
+          <a:noFill/>
+        </p:spPr>
+        <p:txBody>
+          <a:bodyPr wrap="square" rtlCol="0">
+            <a:spAutoFit/>
+          </a:bodyPr>
+          <a:lstStyle/>
+          <a:p>
+            <a:pPr algn="ctr"/>
+            <a:r>
+              <a:rPr lang="en-US" sz="3200" b="1" u="sng" dirty="0" smtClean="0">
+                <a:latin typeface="Times New Roman" panose="02020603050405020304" pitchFamily="18" charset="0"/>
+                <a:cs typeface="Times New Roman" panose="02020603050405020304" pitchFamily="18" charset="0"/>
+              </a:rPr>
+              <a:t>Tools</a:t>
+            </a:r>
+            <a:endParaRPr lang="en-US" sz="3200" b="1" u="sng" dirty="0">
+              <a:latin typeface="Times New Roman" panose="02020603050405020304" pitchFamily="18" charset="0"/>
+              <a:cs typeface="Times New Roman" panose="02020603050405020304" pitchFamily="18" charset="0"/>
+            </a:endParaRPr>
+          </a:p>
+          <a:p>
+            <a:pPr marL="342900" indent="-342900">
+              <a:buFont typeface="Arial" panose="020B0604020202020204" pitchFamily="34" charset="0"/>
+              <a:buChar char="•"/>
+            </a:pPr>
+            <a:endParaRPr lang="en-US" sz="2800" dirty="0">
+              <a:latin typeface="Times New Roman" panose="02020603050405020304" pitchFamily="18" charset="0"/>
+              <a:cs typeface="Times New Roman" panose="02020603050405020304" pitchFamily="18" charset="0"/>
+            </a:endParaRPr>
+          </a:p>
+        </p:txBody>
+      </p:sp>
+      <p:sp>
+        <p:nvSpPr>
+          <p:cNvPr id="12" name="TextBox 11">
+            <a:extLst>
+              <a:ext uri="{FF2B5EF4-FFF2-40B4-BE49-F238E27FC236}">
+                <a16:creationId xmlns="" xmlns:a16="http://schemas.microsoft.com/office/drawing/2014/main" id="{3D82DE8F-4358-4A42-8E54-64C02D68BD63}"/>
+              </a:ext>
+            </a:extLst>
+          </p:cNvPr>
+          <p:cNvSpPr txBox="1"/>
+          <p:nvPr/>
+        </p:nvSpPr>
+        <p:spPr>
+          <a:xfrm>
+            <a:off x="232184" y="14536368"/>
+            <a:ext cx="9882186" cy="4031873"/>
+          </a:xfrm>
+          <a:prstGeom prst="rect">
+            <a:avLst/>
+          </a:prstGeom>
+          <a:noFill/>
+        </p:spPr>
+        <p:txBody>
+          <a:bodyPr wrap="square" rtlCol="0">
+            <a:spAutoFit/>
+          </a:bodyPr>
+          <a:lstStyle/>
+          <a:p>
+            <a:pPr algn="ctr"/>
+            <a:r>
+              <a:rPr lang="en-US" sz="3200" b="1" u="sng" dirty="0">
+                <a:latin typeface="Times New Roman" panose="02020603050405020304" pitchFamily="18" charset="0"/>
+                <a:cs typeface="Times New Roman" panose="02020603050405020304" pitchFamily="18" charset="0"/>
+              </a:rPr>
+              <a:t>Intents </a:t>
+            </a:r>
+          </a:p>
+          <a:p>
             <a:r>
               <a:rPr lang="en-US" sz="2800" dirty="0">
                 <a:latin typeface="Times New Roman" panose="02020603050405020304" pitchFamily="18" charset="0"/>
                 <a:cs typeface="Times New Roman" panose="02020603050405020304" pitchFamily="18" charset="0"/>
               </a:rPr>
-              <a:t>After training the model, we create functions to tokenize, stem and make a bag of words model for the user’s input (similar to the initial document). After processing the user input, a function is created to predict the class from which a response will be selected for the user’s query. To get the response after predicting the class another function is created. </a:t>
-            </a:r>
+              <a:t>This is a JSON file that consists of classes, patterns and responses. </a:t>
+            </a:r>
+          </a:p>
+          <a:p>
+            <a:pPr marL="457200" indent="-457200">
+              <a:buFont typeface="Arial" panose="020B0604020202020204" pitchFamily="34" charset="0"/>
+              <a:buChar char="•"/>
+            </a:pPr>
+            <a:r>
+              <a:rPr lang="en-US" sz="2800" b="1" u="sng" dirty="0">
+                <a:latin typeface="Times New Roman" panose="02020603050405020304" pitchFamily="18" charset="0"/>
+                <a:cs typeface="Times New Roman" panose="02020603050405020304" pitchFamily="18" charset="0"/>
+              </a:rPr>
+              <a:t>Classes:</a:t>
+            </a:r>
+            <a:r>
+              <a:rPr lang="en-US" sz="2800" dirty="0">
+                <a:latin typeface="Times New Roman" panose="02020603050405020304" pitchFamily="18" charset="0"/>
+                <a:cs typeface="Times New Roman" panose="02020603050405020304" pitchFamily="18" charset="0"/>
+              </a:rPr>
+              <a:t> Classes are used to categorize the queries and responses </a:t>
+            </a:r>
+            <a:r>
+              <a:rPr lang="en-US" sz="2800" dirty="0" smtClean="0">
+                <a:latin typeface="Times New Roman" panose="02020603050405020304" pitchFamily="18" charset="0"/>
+                <a:cs typeface="Times New Roman" panose="02020603050405020304" pitchFamily="18" charset="0"/>
+              </a:rPr>
+              <a:t>for </a:t>
+            </a:r>
+            <a:r>
+              <a:rPr lang="en-US" sz="2800" dirty="0">
+                <a:latin typeface="Times New Roman" panose="02020603050405020304" pitchFamily="18" charset="0"/>
+                <a:cs typeface="Times New Roman" panose="02020603050405020304" pitchFamily="18" charset="0"/>
+              </a:rPr>
+              <a:t>the </a:t>
+            </a:r>
+            <a:r>
+              <a:rPr lang="en-US" sz="2800" dirty="0" err="1">
+                <a:latin typeface="Times New Roman" panose="02020603050405020304" pitchFamily="18" charset="0"/>
+                <a:cs typeface="Times New Roman" panose="02020603050405020304" pitchFamily="18" charset="0"/>
+              </a:rPr>
+              <a:t>chatbot</a:t>
+            </a:r>
+            <a:r>
+              <a:rPr lang="en-US" sz="2800" dirty="0" smtClean="0">
+                <a:latin typeface="Times New Roman" panose="02020603050405020304" pitchFamily="18" charset="0"/>
+                <a:cs typeface="Times New Roman" panose="02020603050405020304" pitchFamily="18" charset="0"/>
+              </a:rPr>
+              <a:t>.</a:t>
+            </a:r>
+          </a:p>
+          <a:p>
+            <a:pPr marL="457200" indent="-457200">
+              <a:buFont typeface="Arial" panose="020B0604020202020204" pitchFamily="34" charset="0"/>
+              <a:buChar char="•"/>
+            </a:pPr>
+            <a:r>
+              <a:rPr lang="en-US" sz="2800" b="1" u="sng" dirty="0" smtClean="0">
+                <a:latin typeface="Times New Roman" panose="02020603050405020304" pitchFamily="18" charset="0"/>
+                <a:cs typeface="Times New Roman" panose="02020603050405020304" pitchFamily="18" charset="0"/>
+              </a:rPr>
+              <a:t>Patterns</a:t>
+            </a:r>
+            <a:r>
+              <a:rPr lang="en-US" sz="2800" b="1" u="sng" dirty="0">
+                <a:latin typeface="Times New Roman" panose="02020603050405020304" pitchFamily="18" charset="0"/>
+                <a:cs typeface="Times New Roman" panose="02020603050405020304" pitchFamily="18" charset="0"/>
+              </a:rPr>
+              <a:t>:</a:t>
+            </a:r>
+            <a:r>
+              <a:rPr lang="en-US" sz="2800" dirty="0">
+                <a:latin typeface="Times New Roman" panose="02020603050405020304" pitchFamily="18" charset="0"/>
+                <a:cs typeface="Times New Roman" panose="02020603050405020304" pitchFamily="18" charset="0"/>
+              </a:rPr>
+              <a:t> Patterns contain keywords and terms that will generally be a be part of queries related to a certain topic. The patterns section will help the bot pick up these </a:t>
+            </a:r>
+            <a:r>
+              <a:rPr lang="en-US" sz="2800" dirty="0" smtClean="0">
+                <a:latin typeface="Times New Roman" panose="02020603050405020304" pitchFamily="18" charset="0"/>
+                <a:cs typeface="Times New Roman" panose="02020603050405020304" pitchFamily="18" charset="0"/>
+              </a:rPr>
+              <a:t>terms.</a:t>
+            </a:r>
+          </a:p>
+          <a:p>
+            <a:pPr marL="457200" indent="-457200">
+              <a:buFont typeface="Arial" panose="020B0604020202020204" pitchFamily="34" charset="0"/>
+              <a:buChar char="•"/>
+            </a:pPr>
+            <a:r>
+              <a:rPr lang="en-US" sz="2800" b="1" u="sng" dirty="0" smtClean="0">
+                <a:latin typeface="Times New Roman" panose="02020603050405020304" pitchFamily="18" charset="0"/>
+                <a:cs typeface="Times New Roman" panose="02020603050405020304" pitchFamily="18" charset="0"/>
+              </a:rPr>
+              <a:t>Responses</a:t>
+            </a:r>
+            <a:r>
+              <a:rPr lang="en-US" sz="2800" b="1" u="sng" dirty="0">
+                <a:latin typeface="Times New Roman" panose="02020603050405020304" pitchFamily="18" charset="0"/>
+                <a:cs typeface="Times New Roman" panose="02020603050405020304" pitchFamily="18" charset="0"/>
+              </a:rPr>
+              <a:t>:</a:t>
+            </a:r>
+            <a:r>
+              <a:rPr lang="en-US" sz="2800" dirty="0">
+                <a:latin typeface="Times New Roman" panose="02020603050405020304" pitchFamily="18" charset="0"/>
+                <a:cs typeface="Times New Roman" panose="02020603050405020304" pitchFamily="18" charset="0"/>
+              </a:rPr>
+              <a:t> Responses are the replies that the chatbot will give depending on the questions from the user. </a:t>
+            </a:r>
+          </a:p>
+        </p:txBody>
+      </p:sp>
+      <p:sp>
+        <p:nvSpPr>
+          <p:cNvPr id="19" name="TextBox 18">
+            <a:extLst>
+              <a:ext uri="{FF2B5EF4-FFF2-40B4-BE49-F238E27FC236}">
+                <a16:creationId xmlns="" xmlns:a16="http://schemas.microsoft.com/office/drawing/2014/main" id="{B92C02A9-DEB9-49EE-B7A7-20C012FB19EA}"/>
+              </a:ext>
+            </a:extLst>
+          </p:cNvPr>
+          <p:cNvSpPr txBox="1"/>
+          <p:nvPr/>
+        </p:nvSpPr>
+        <p:spPr>
+          <a:xfrm>
+            <a:off x="568812" y="2425732"/>
+            <a:ext cx="16198449" cy="1569660"/>
+          </a:xfrm>
+          <a:prstGeom prst="rect">
+            <a:avLst/>
+          </a:prstGeom>
+          <a:noFill/>
+        </p:spPr>
+        <p:txBody>
+          <a:bodyPr wrap="square" rtlCol="0">
+            <a:spAutoFit/>
+          </a:bodyPr>
+          <a:lstStyle/>
+          <a:p>
+            <a:r>
+              <a:rPr lang="en-US" sz="4800" b="1" dirty="0">
+                <a:latin typeface="Arial" panose="020B0604020202020204" pitchFamily="34" charset="0"/>
+                <a:cs typeface="Arial" panose="020B0604020202020204" pitchFamily="34" charset="0"/>
+              </a:rPr>
+              <a:t>Vighnesh K. Ramesh - 2018A7PS0074U</a:t>
+            </a:r>
+          </a:p>
+          <a:p>
+            <a:r>
+              <a:rPr lang="en-US" sz="4800" b="1" dirty="0">
+                <a:latin typeface="Arial" panose="020B0604020202020204" pitchFamily="34" charset="0"/>
+                <a:cs typeface="Arial" panose="020B0604020202020204" pitchFamily="34" charset="0"/>
+              </a:rPr>
+              <a:t>BITS </a:t>
+            </a:r>
+            <a:r>
+              <a:rPr lang="en-US" sz="4800" b="1" dirty="0" err="1">
+                <a:latin typeface="Arial" panose="020B0604020202020204" pitchFamily="34" charset="0"/>
+                <a:cs typeface="Arial" panose="020B0604020202020204" pitchFamily="34" charset="0"/>
+              </a:rPr>
+              <a:t>Pilani</a:t>
+            </a:r>
+            <a:r>
+              <a:rPr lang="en-US" sz="4800" b="1" dirty="0">
+                <a:latin typeface="Arial" panose="020B0604020202020204" pitchFamily="34" charset="0"/>
+                <a:cs typeface="Arial" panose="020B0604020202020204" pitchFamily="34" charset="0"/>
+              </a:rPr>
+              <a:t>, Dubai Campus</a:t>
+            </a:r>
+          </a:p>
+        </p:txBody>
+      </p:sp>
+      <p:sp>
+        <p:nvSpPr>
+          <p:cNvPr id="20" name="TextBox 19">
+            <a:extLst>
+              <a:ext uri="{FF2B5EF4-FFF2-40B4-BE49-F238E27FC236}">
+                <a16:creationId xmlns="" xmlns:a16="http://schemas.microsoft.com/office/drawing/2014/main" id="{73528F55-6643-4349-A772-8544D045B563}"/>
+              </a:ext>
+            </a:extLst>
+          </p:cNvPr>
+          <p:cNvSpPr txBox="1"/>
+          <p:nvPr/>
+        </p:nvSpPr>
+        <p:spPr>
+          <a:xfrm>
+            <a:off x="10613347" y="18914967"/>
+            <a:ext cx="5195322" cy="2954655"/>
+          </a:xfrm>
+          <a:prstGeom prst="rect">
+            <a:avLst/>
+          </a:prstGeom>
+          <a:noFill/>
+        </p:spPr>
+        <p:txBody>
+          <a:bodyPr wrap="square" rtlCol="0">
+            <a:spAutoFit/>
+          </a:bodyPr>
+          <a:lstStyle/>
+          <a:p>
+            <a:pPr algn="ctr"/>
+            <a:endParaRPr lang="en-US" sz="2800" b="1" u="sng" dirty="0">
+              <a:latin typeface="Times New Roman" panose="02020603050405020304" pitchFamily="18" charset="0"/>
+              <a:cs typeface="Times New Roman" panose="02020603050405020304" pitchFamily="18" charset="0"/>
+            </a:endParaRPr>
+          </a:p>
+          <a:p>
+            <a:r>
+              <a:rPr lang="en-US" sz="2800" dirty="0">
+                <a:latin typeface="Times New Roman" panose="02020603050405020304" pitchFamily="18" charset="0"/>
+                <a:cs typeface="Times New Roman" panose="02020603050405020304" pitchFamily="18" charset="0"/>
+              </a:rPr>
+              <a:t>Once the chatbot is fully functional, it can be hosted to a webpage using Flask (python library for web deployment) and a html script for the webpage design. </a:t>
+            </a:r>
+          </a:p>
+          <a:p>
             <a:endParaRPr lang="en-US" dirty="0"/>
           </a:p>
         </p:txBody>
       </p:sp>
       <p:pic>
         <p:nvPicPr>
-          <p:cNvPr id="41" name="Picture 40">
+          <p:cNvPr id="3" name="Picture 2">
             <a:extLst>
               <a:ext uri="{FF2B5EF4-FFF2-40B4-BE49-F238E27FC236}">
-                <a16:creationId xmlns:a16="http://schemas.microsoft.com/office/drawing/2014/main" id="{D0FDCC7A-1F9B-45DD-9D3A-5B3D76C662BC}"/>
+                <a16:creationId xmlns="" xmlns:a16="http://schemas.microsoft.com/office/drawing/2014/main" id="{D8522F44-78FF-4ED9-9A96-A7F5E2BCAFCC}"/>
+              </a:ext>
+            </a:extLst>
+          </p:cNvPr>
+          <p:cNvPicPr>
+            <a:picLocks noChangeAspect="1"/>
+          </p:cNvPicPr>
+          <p:nvPr/>
+        </p:nvPicPr>
+        <p:blipFill rotWithShape="1">
+          <a:blip r:embed="rId2"/>
+          <a:srcRect l="1882" t="2994" r="5079"/>
+          <a:stretch/>
+        </p:blipFill>
+        <p:spPr>
+          <a:xfrm>
+            <a:off x="15890460" y="5442691"/>
+            <a:ext cx="4991150" cy="2901088"/>
+          </a:xfrm>
+          <a:prstGeom prst="rect">
+            <a:avLst/>
+          </a:prstGeom>
+        </p:spPr>
+      </p:pic>
+      <p:pic>
+        <p:nvPicPr>
+          <p:cNvPr id="6" name="Picture 5">
+            <a:extLst>
+              <a:ext uri="{FF2B5EF4-FFF2-40B4-BE49-F238E27FC236}">
+                <a16:creationId xmlns="" xmlns:a16="http://schemas.microsoft.com/office/drawing/2014/main" id="{8491BCEE-2EC1-4E35-ABCE-0AF166A5E507}"/>
+              </a:ext>
+            </a:extLst>
+          </p:cNvPr>
+          <p:cNvPicPr>
+            <a:picLocks noChangeAspect="1"/>
+          </p:cNvPicPr>
+          <p:nvPr/>
+        </p:nvPicPr>
+        <p:blipFill rotWithShape="1">
+          <a:blip r:embed="rId3"/>
+          <a:srcRect t="2527" r="6647"/>
+          <a:stretch/>
+        </p:blipFill>
+        <p:spPr>
+          <a:xfrm>
+            <a:off x="15910791" y="8860372"/>
+            <a:ext cx="4970819" cy="2878666"/>
+          </a:xfrm>
+          <a:prstGeom prst="rect">
+            <a:avLst/>
+          </a:prstGeom>
+        </p:spPr>
+      </p:pic>
+      <p:pic>
+        <p:nvPicPr>
+          <p:cNvPr id="23" name="Picture 22">
+            <a:extLst>
+              <a:ext uri="{FF2B5EF4-FFF2-40B4-BE49-F238E27FC236}">
+                <a16:creationId xmlns="" xmlns:a16="http://schemas.microsoft.com/office/drawing/2014/main" id="{04883027-0144-40A0-B07D-6EDCEC841992}"/>
+              </a:ext>
+            </a:extLst>
+          </p:cNvPr>
+          <p:cNvPicPr>
+            <a:picLocks noChangeAspect="1"/>
+          </p:cNvPicPr>
+          <p:nvPr/>
+        </p:nvPicPr>
+        <p:blipFill rotWithShape="1">
+          <a:blip r:embed="rId4"/>
+          <a:srcRect r="4547"/>
+          <a:stretch/>
+        </p:blipFill>
+        <p:spPr>
+          <a:xfrm>
+            <a:off x="384300" y="18783252"/>
+            <a:ext cx="9568574" cy="4011899"/>
+          </a:xfrm>
+          <a:prstGeom prst="rect">
+            <a:avLst/>
+          </a:prstGeom>
+        </p:spPr>
+      </p:pic>
+      <p:pic>
+        <p:nvPicPr>
+          <p:cNvPr id="2" name="Picture 1">
+            <a:extLst>
+              <a:ext uri="{FF2B5EF4-FFF2-40B4-BE49-F238E27FC236}">
+                <a16:creationId xmlns="" xmlns:a16="http://schemas.microsoft.com/office/drawing/2014/main" id="{2E2ACA0C-F831-445F-847F-36FB4EB08E6B}"/>
+              </a:ext>
+            </a:extLst>
+          </p:cNvPr>
+          <p:cNvPicPr>
+            <a:picLocks noChangeAspect="1"/>
+          </p:cNvPicPr>
+          <p:nvPr/>
+        </p:nvPicPr>
+        <p:blipFill rotWithShape="1">
+          <a:blip r:embed="rId5"/>
+          <a:srcRect l="2122" r="1457" b="9985"/>
+          <a:stretch/>
+        </p:blipFill>
+        <p:spPr>
+          <a:xfrm>
+            <a:off x="11008978" y="22332346"/>
+            <a:ext cx="9597205" cy="4301253"/>
+          </a:xfrm>
+          <a:prstGeom prst="rect">
+            <a:avLst/>
+          </a:prstGeom>
+        </p:spPr>
+      </p:pic>
+      <p:sp>
+        <p:nvSpPr>
+          <p:cNvPr id="14" name="TextBox 13">
+            <a:extLst>
+              <a:ext uri="{FF2B5EF4-FFF2-40B4-BE49-F238E27FC236}">
+                <a16:creationId xmlns="" xmlns:a16="http://schemas.microsoft.com/office/drawing/2014/main" id="{998AD6C1-4127-47E9-A5E9-6226473DC25B}"/>
+              </a:ext>
+            </a:extLst>
+          </p:cNvPr>
+          <p:cNvSpPr txBox="1"/>
+          <p:nvPr/>
+        </p:nvSpPr>
+        <p:spPr>
+          <a:xfrm>
+            <a:off x="357915" y="8343779"/>
+            <a:ext cx="4812529" cy="6401753"/>
+          </a:xfrm>
+          <a:prstGeom prst="rect">
+            <a:avLst/>
+          </a:prstGeom>
+          <a:noFill/>
+        </p:spPr>
+        <p:txBody>
+          <a:bodyPr wrap="square" rtlCol="0">
+            <a:spAutoFit/>
+          </a:bodyPr>
+          <a:lstStyle/>
+          <a:p>
+            <a:pPr marL="342900" indent="-342900">
+              <a:buFont typeface="Arial" panose="020B0604020202020204" pitchFamily="34" charset="0"/>
+              <a:buChar char="•"/>
+            </a:pPr>
+            <a:r>
+              <a:rPr lang="en-US" sz="2800" b="1" u="sng" dirty="0" err="1">
+                <a:latin typeface="Times New Roman" panose="02020603050405020304" pitchFamily="18" charset="0"/>
+                <a:cs typeface="Times New Roman" panose="02020603050405020304" pitchFamily="18" charset="0"/>
+              </a:rPr>
+              <a:t>Tenorflow</a:t>
+            </a:r>
+            <a:r>
+              <a:rPr lang="en-US" sz="2800" b="1" u="sng" dirty="0">
+                <a:latin typeface="Times New Roman" panose="02020603050405020304" pitchFamily="18" charset="0"/>
+                <a:cs typeface="Times New Roman" panose="02020603050405020304" pitchFamily="18" charset="0"/>
+              </a:rPr>
+              <a:t> &amp; </a:t>
+            </a:r>
+            <a:r>
+              <a:rPr lang="en-US" sz="2800" b="1" u="sng" dirty="0" err="1">
+                <a:latin typeface="Times New Roman" panose="02020603050405020304" pitchFamily="18" charset="0"/>
+                <a:cs typeface="Times New Roman" panose="02020603050405020304" pitchFamily="18" charset="0"/>
+              </a:rPr>
+              <a:t>Keras</a:t>
+            </a:r>
+            <a:r>
+              <a:rPr lang="en-US" sz="2800" b="1" u="sng" dirty="0">
+                <a:latin typeface="Times New Roman" panose="02020603050405020304" pitchFamily="18" charset="0"/>
+                <a:cs typeface="Times New Roman" panose="02020603050405020304" pitchFamily="18" charset="0"/>
+              </a:rPr>
+              <a:t>:</a:t>
+            </a:r>
+            <a:r>
+              <a:rPr lang="en-US" sz="2800" b="1" dirty="0">
+                <a:latin typeface="Times New Roman" panose="02020603050405020304" pitchFamily="18" charset="0"/>
+                <a:cs typeface="Times New Roman" panose="02020603050405020304" pitchFamily="18" charset="0"/>
+              </a:rPr>
+              <a:t> </a:t>
+            </a:r>
+            <a:r>
+              <a:rPr lang="en-US" sz="2800" dirty="0">
+                <a:latin typeface="Times New Roman" panose="02020603050405020304" pitchFamily="18" charset="0"/>
+                <a:cs typeface="Times New Roman" panose="02020603050405020304" pitchFamily="18" charset="0"/>
+              </a:rPr>
+              <a:t>For training the </a:t>
+            </a:r>
+            <a:r>
+              <a:rPr lang="en-US" sz="2800" dirty="0" smtClean="0">
+                <a:latin typeface="Times New Roman" panose="02020603050405020304" pitchFamily="18" charset="0"/>
+                <a:cs typeface="Times New Roman" panose="02020603050405020304" pitchFamily="18" charset="0"/>
+              </a:rPr>
+              <a:t>model.</a:t>
+            </a:r>
+            <a:endParaRPr lang="en-US" sz="2800" dirty="0">
+              <a:latin typeface="Times New Roman" panose="02020603050405020304" pitchFamily="18" charset="0"/>
+              <a:cs typeface="Times New Roman" panose="02020603050405020304" pitchFamily="18" charset="0"/>
+            </a:endParaRPr>
+          </a:p>
+          <a:p>
+            <a:pPr marL="342900" indent="-342900">
+              <a:buFont typeface="Arial" panose="020B0604020202020204" pitchFamily="34" charset="0"/>
+              <a:buChar char="•"/>
+            </a:pPr>
+            <a:r>
+              <a:rPr lang="en-US" sz="2800" b="1" u="sng" dirty="0" err="1">
+                <a:latin typeface="Times New Roman" panose="02020603050405020304" pitchFamily="18" charset="0"/>
+                <a:cs typeface="Times New Roman" panose="02020603050405020304" pitchFamily="18" charset="0"/>
+              </a:rPr>
+              <a:t>Numpy</a:t>
+            </a:r>
+            <a:r>
+              <a:rPr lang="en-US" sz="2800" b="1" u="sng" dirty="0">
+                <a:latin typeface="Times New Roman" panose="02020603050405020304" pitchFamily="18" charset="0"/>
+                <a:cs typeface="Times New Roman" panose="02020603050405020304" pitchFamily="18" charset="0"/>
+              </a:rPr>
+              <a:t>:</a:t>
+            </a:r>
+            <a:r>
+              <a:rPr lang="en-US" sz="2800" dirty="0">
+                <a:latin typeface="Times New Roman" panose="02020603050405020304" pitchFamily="18" charset="0"/>
+                <a:cs typeface="Times New Roman" panose="02020603050405020304" pitchFamily="18" charset="0"/>
+              </a:rPr>
+              <a:t> To reshape and rearrange the </a:t>
+            </a:r>
+            <a:r>
+              <a:rPr lang="en-US" sz="2800" dirty="0" smtClean="0">
+                <a:latin typeface="Times New Roman" panose="02020603050405020304" pitchFamily="18" charset="0"/>
+                <a:cs typeface="Times New Roman" panose="02020603050405020304" pitchFamily="18" charset="0"/>
+              </a:rPr>
+              <a:t>data.</a:t>
+            </a:r>
+            <a:endParaRPr lang="en-US" sz="2800" dirty="0">
+              <a:latin typeface="Times New Roman" panose="02020603050405020304" pitchFamily="18" charset="0"/>
+              <a:cs typeface="Times New Roman" panose="02020603050405020304" pitchFamily="18" charset="0"/>
+            </a:endParaRPr>
+          </a:p>
+          <a:p>
+            <a:pPr marL="342900" indent="-342900">
+              <a:buFont typeface="Arial" panose="020B0604020202020204" pitchFamily="34" charset="0"/>
+              <a:buChar char="•"/>
+            </a:pPr>
+            <a:r>
+              <a:rPr lang="en-US" sz="2800" b="1" u="sng" dirty="0">
+                <a:latin typeface="Times New Roman" panose="02020603050405020304" pitchFamily="18" charset="0"/>
+                <a:cs typeface="Times New Roman" panose="02020603050405020304" pitchFamily="18" charset="0"/>
+              </a:rPr>
+              <a:t>Matplotlib:</a:t>
+            </a:r>
+            <a:r>
+              <a:rPr lang="en-US" sz="2800" dirty="0">
+                <a:latin typeface="Times New Roman" panose="02020603050405020304" pitchFamily="18" charset="0"/>
+                <a:cs typeface="Times New Roman" panose="02020603050405020304" pitchFamily="18" charset="0"/>
+              </a:rPr>
+              <a:t> To visualize the training results graphically</a:t>
+            </a:r>
+          </a:p>
+          <a:p>
+            <a:pPr marL="342900" indent="-342900">
+              <a:buFont typeface="Arial" panose="020B0604020202020204" pitchFamily="34" charset="0"/>
+              <a:buChar char="•"/>
+            </a:pPr>
+            <a:r>
+              <a:rPr lang="en-US" sz="2800" b="1" u="sng" dirty="0" err="1">
+                <a:latin typeface="Times New Roman" panose="02020603050405020304" pitchFamily="18" charset="0"/>
+                <a:cs typeface="Times New Roman" panose="02020603050405020304" pitchFamily="18" charset="0"/>
+              </a:rPr>
+              <a:t>Nltk</a:t>
+            </a:r>
+            <a:r>
+              <a:rPr lang="en-US" sz="2800" b="1" u="sng" dirty="0">
+                <a:latin typeface="Times New Roman" panose="02020603050405020304" pitchFamily="18" charset="0"/>
+                <a:cs typeface="Times New Roman" panose="02020603050405020304" pitchFamily="18" charset="0"/>
+              </a:rPr>
+              <a:t>:</a:t>
+            </a:r>
+            <a:r>
+              <a:rPr lang="en-US" sz="2800" dirty="0">
+                <a:latin typeface="Times New Roman" panose="02020603050405020304" pitchFamily="18" charset="0"/>
+                <a:cs typeface="Times New Roman" panose="02020603050405020304" pitchFamily="18" charset="0"/>
+              </a:rPr>
+              <a:t> To perform operations on words and alphabetic data before </a:t>
+            </a:r>
+            <a:r>
+              <a:rPr lang="en-US" sz="2800" dirty="0" smtClean="0">
+                <a:latin typeface="Times New Roman" panose="02020603050405020304" pitchFamily="18" charset="0"/>
+                <a:cs typeface="Times New Roman" panose="02020603050405020304" pitchFamily="18" charset="0"/>
+              </a:rPr>
+              <a:t>training.</a:t>
+            </a:r>
+            <a:endParaRPr lang="en-US" sz="2800" dirty="0">
+              <a:latin typeface="Times New Roman" panose="02020603050405020304" pitchFamily="18" charset="0"/>
+              <a:cs typeface="Times New Roman" panose="02020603050405020304" pitchFamily="18" charset="0"/>
+            </a:endParaRPr>
+          </a:p>
+          <a:p>
+            <a:pPr marL="342900" indent="-342900">
+              <a:buFont typeface="Arial" panose="020B0604020202020204" pitchFamily="34" charset="0"/>
+              <a:buChar char="•"/>
+            </a:pPr>
+            <a:r>
+              <a:rPr lang="en-US" sz="2800" b="1" u="sng" dirty="0">
+                <a:latin typeface="Times New Roman" panose="02020603050405020304" pitchFamily="18" charset="0"/>
+                <a:cs typeface="Times New Roman" panose="02020603050405020304" pitchFamily="18" charset="0"/>
+              </a:rPr>
+              <a:t>JSON</a:t>
+            </a:r>
+            <a:r>
+              <a:rPr lang="en-US" sz="2800" b="1" dirty="0">
+                <a:latin typeface="Times New Roman" panose="02020603050405020304" pitchFamily="18" charset="0"/>
+                <a:cs typeface="Times New Roman" panose="02020603050405020304" pitchFamily="18" charset="0"/>
+              </a:rPr>
+              <a:t>:</a:t>
+            </a:r>
+            <a:r>
+              <a:rPr lang="en-US" sz="2800" dirty="0">
+                <a:latin typeface="Times New Roman" panose="02020603050405020304" pitchFamily="18" charset="0"/>
+                <a:cs typeface="Times New Roman" panose="02020603050405020304" pitchFamily="18" charset="0"/>
+              </a:rPr>
+              <a:t> To import JSON files</a:t>
+            </a:r>
+          </a:p>
+          <a:p>
+            <a:pPr marL="342900" indent="-342900">
+              <a:buFont typeface="Arial" panose="020B0604020202020204" pitchFamily="34" charset="0"/>
+              <a:buChar char="•"/>
+            </a:pPr>
+            <a:r>
+              <a:rPr lang="en-US" sz="2800" b="1" u="sng" dirty="0">
+                <a:latin typeface="Times New Roman" panose="02020603050405020304" pitchFamily="18" charset="0"/>
+                <a:cs typeface="Times New Roman" panose="02020603050405020304" pitchFamily="18" charset="0"/>
+              </a:rPr>
+              <a:t>Pickle</a:t>
+            </a:r>
+            <a:r>
+              <a:rPr lang="en-US" sz="2800" b="1" dirty="0">
+                <a:latin typeface="Times New Roman" panose="02020603050405020304" pitchFamily="18" charset="0"/>
+                <a:cs typeface="Times New Roman" panose="02020603050405020304" pitchFamily="18" charset="0"/>
+              </a:rPr>
+              <a:t>:</a:t>
+            </a:r>
+            <a:r>
+              <a:rPr lang="en-US" sz="2800" dirty="0">
+                <a:latin typeface="Times New Roman" panose="02020603050405020304" pitchFamily="18" charset="0"/>
+                <a:cs typeface="Times New Roman" panose="02020603050405020304" pitchFamily="18" charset="0"/>
+              </a:rPr>
+              <a:t> To save and load the training model and </a:t>
+            </a:r>
+            <a:r>
+              <a:rPr lang="en-US" sz="2800" dirty="0" smtClean="0">
+                <a:latin typeface="Times New Roman" panose="02020603050405020304" pitchFamily="18" charset="0"/>
+                <a:cs typeface="Times New Roman" panose="02020603050405020304" pitchFamily="18" charset="0"/>
+              </a:rPr>
+              <a:t>data.</a:t>
+            </a:r>
+            <a:endParaRPr lang="en-US" sz="2800" dirty="0">
+              <a:latin typeface="Times New Roman" panose="02020603050405020304" pitchFamily="18" charset="0"/>
+              <a:cs typeface="Times New Roman" panose="02020603050405020304" pitchFamily="18" charset="0"/>
+            </a:endParaRPr>
+          </a:p>
+          <a:p>
+            <a:pPr marL="342900" indent="-342900">
+              <a:buFont typeface="Arial" panose="020B0604020202020204" pitchFamily="34" charset="0"/>
+              <a:buChar char="•"/>
+            </a:pPr>
+            <a:r>
+              <a:rPr lang="en-US" sz="2800" b="1" u="sng" dirty="0">
+                <a:latin typeface="Times New Roman" panose="02020603050405020304" pitchFamily="18" charset="0"/>
+                <a:cs typeface="Times New Roman" panose="02020603050405020304" pitchFamily="18" charset="0"/>
+              </a:rPr>
+              <a:t>Random</a:t>
+            </a:r>
+            <a:r>
+              <a:rPr lang="en-US" sz="2800" b="1" dirty="0">
+                <a:latin typeface="Times New Roman" panose="02020603050405020304" pitchFamily="18" charset="0"/>
+                <a:cs typeface="Times New Roman" panose="02020603050405020304" pitchFamily="18" charset="0"/>
+              </a:rPr>
+              <a:t>:</a:t>
+            </a:r>
+            <a:r>
+              <a:rPr lang="en-US" sz="2800" dirty="0">
+                <a:latin typeface="Times New Roman" panose="02020603050405020304" pitchFamily="18" charset="0"/>
+                <a:cs typeface="Times New Roman" panose="02020603050405020304" pitchFamily="18" charset="0"/>
+              </a:rPr>
+              <a:t> For shuffling the data prior to </a:t>
+            </a:r>
+            <a:r>
+              <a:rPr lang="en-US" sz="2800" dirty="0" smtClean="0">
+                <a:latin typeface="Times New Roman" panose="02020603050405020304" pitchFamily="18" charset="0"/>
+                <a:cs typeface="Times New Roman" panose="02020603050405020304" pitchFamily="18" charset="0"/>
+              </a:rPr>
+              <a:t>training.</a:t>
+            </a:r>
+            <a:endParaRPr lang="en-US" sz="2800" dirty="0">
+              <a:latin typeface="Times New Roman" panose="02020603050405020304" pitchFamily="18" charset="0"/>
+              <a:cs typeface="Times New Roman" panose="02020603050405020304" pitchFamily="18" charset="0"/>
+            </a:endParaRPr>
+          </a:p>
+          <a:p>
+            <a:endParaRPr lang="en-US" dirty="0"/>
+          </a:p>
+        </p:txBody>
+      </p:sp>
+      <p:sp>
+        <p:nvSpPr>
+          <p:cNvPr id="4" name="TextBox 3">
+            <a:extLst>
+              <a:ext uri="{FF2B5EF4-FFF2-40B4-BE49-F238E27FC236}">
+                <a16:creationId xmlns="" xmlns:a16="http://schemas.microsoft.com/office/drawing/2014/main" id="{17C8B002-05F6-4EB8-AEC2-84C5CCB2EF4C}"/>
+              </a:ext>
+            </a:extLst>
+          </p:cNvPr>
+          <p:cNvSpPr txBox="1"/>
+          <p:nvPr/>
+        </p:nvSpPr>
+        <p:spPr>
+          <a:xfrm>
+            <a:off x="297060" y="23989620"/>
+            <a:ext cx="9630216" cy="2954655"/>
+          </a:xfrm>
+          <a:prstGeom prst="rect">
+            <a:avLst/>
+          </a:prstGeom>
+          <a:noFill/>
+        </p:spPr>
+        <p:txBody>
+          <a:bodyPr wrap="square" rtlCol="0">
+            <a:spAutoFit/>
+          </a:bodyPr>
+          <a:lstStyle/>
+          <a:p>
+            <a:pPr marL="457200" indent="-457200">
+              <a:buFont typeface="Arial" panose="020B0604020202020204" pitchFamily="34" charset="0"/>
+              <a:buChar char="•"/>
+            </a:pPr>
+            <a:r>
+              <a:rPr lang="en-US" sz="2800" b="1" u="sng" dirty="0">
+                <a:latin typeface="Times New Roman" panose="02020603050405020304" pitchFamily="18" charset="0"/>
+                <a:cs typeface="Times New Roman" panose="02020603050405020304" pitchFamily="18" charset="0"/>
+              </a:rPr>
+              <a:t>Tokenization:</a:t>
+            </a:r>
+            <a:r>
+              <a:rPr lang="en-US" sz="2800" dirty="0">
+                <a:latin typeface="Times New Roman" panose="02020603050405020304" pitchFamily="18" charset="0"/>
+                <a:cs typeface="Times New Roman" panose="02020603050405020304" pitchFamily="18" charset="0"/>
+              </a:rPr>
+              <a:t> Splitting sentences into a set of </a:t>
+            </a:r>
+            <a:r>
+              <a:rPr lang="en-US" sz="2800" dirty="0" smtClean="0">
+                <a:latin typeface="Times New Roman" panose="02020603050405020304" pitchFamily="18" charset="0"/>
+                <a:cs typeface="Times New Roman" panose="02020603050405020304" pitchFamily="18" charset="0"/>
+              </a:rPr>
+              <a:t>tokens.</a:t>
+            </a:r>
+          </a:p>
+          <a:p>
+            <a:pPr marL="457200" indent="-457200">
+              <a:buFont typeface="Arial" panose="020B0604020202020204" pitchFamily="34" charset="0"/>
+              <a:buChar char="•"/>
+            </a:pPr>
+            <a:r>
+              <a:rPr lang="en-US" sz="2800" b="1" u="sng" dirty="0" smtClean="0">
+                <a:latin typeface="Times New Roman" panose="02020603050405020304" pitchFamily="18" charset="0"/>
+                <a:cs typeface="Times New Roman" panose="02020603050405020304" pitchFamily="18" charset="0"/>
+              </a:rPr>
+              <a:t>Documentation</a:t>
+            </a:r>
+            <a:r>
+              <a:rPr lang="en-US" sz="2800" b="1" u="sng" dirty="0">
+                <a:latin typeface="Times New Roman" panose="02020603050405020304" pitchFamily="18" charset="0"/>
+                <a:cs typeface="Times New Roman" panose="02020603050405020304" pitchFamily="18" charset="0"/>
+              </a:rPr>
+              <a:t>:</a:t>
+            </a:r>
+            <a:r>
+              <a:rPr lang="en-US" sz="2800" dirty="0">
+                <a:latin typeface="Times New Roman" panose="02020603050405020304" pitchFamily="18" charset="0"/>
+                <a:cs typeface="Times New Roman" panose="02020603050405020304" pitchFamily="18" charset="0"/>
+              </a:rPr>
+              <a:t> Creating groups of patterns and tags under a single </a:t>
+            </a:r>
+            <a:r>
+              <a:rPr lang="en-US" sz="2800" dirty="0" smtClean="0">
+                <a:latin typeface="Times New Roman" panose="02020603050405020304" pitchFamily="18" charset="0"/>
+                <a:cs typeface="Times New Roman" panose="02020603050405020304" pitchFamily="18" charset="0"/>
+              </a:rPr>
+              <a:t>list.</a:t>
+            </a:r>
+          </a:p>
+          <a:p>
+            <a:pPr marL="457200" indent="-457200">
+              <a:buFont typeface="Arial" panose="020B0604020202020204" pitchFamily="34" charset="0"/>
+              <a:buChar char="•"/>
+            </a:pPr>
+            <a:r>
+              <a:rPr lang="en-US" sz="2800" b="1" u="sng" dirty="0" smtClean="0">
+                <a:latin typeface="Times New Roman" panose="02020603050405020304" pitchFamily="18" charset="0"/>
+                <a:cs typeface="Times New Roman" panose="02020603050405020304" pitchFamily="18" charset="0"/>
+              </a:rPr>
+              <a:t>Stemming</a:t>
+            </a:r>
+            <a:r>
+              <a:rPr lang="en-US" sz="2800" dirty="0">
+                <a:latin typeface="Times New Roman" panose="02020603050405020304" pitchFamily="18" charset="0"/>
+                <a:cs typeface="Times New Roman" panose="02020603050405020304" pitchFamily="18" charset="0"/>
+              </a:rPr>
+              <a:t>: Converting each token into its simplest </a:t>
+            </a:r>
+            <a:r>
+              <a:rPr lang="en-US" sz="2800" dirty="0" smtClean="0">
+                <a:latin typeface="Times New Roman" panose="02020603050405020304" pitchFamily="18" charset="0"/>
+                <a:cs typeface="Times New Roman" panose="02020603050405020304" pitchFamily="18" charset="0"/>
+              </a:rPr>
+              <a:t>form.</a:t>
+            </a:r>
+          </a:p>
+          <a:p>
+            <a:pPr marL="457200" indent="-457200">
+              <a:buFont typeface="Arial" panose="020B0604020202020204" pitchFamily="34" charset="0"/>
+              <a:buChar char="•"/>
+            </a:pPr>
+            <a:r>
+              <a:rPr lang="en-US" sz="2800" b="1" u="sng" dirty="0" smtClean="0">
+                <a:latin typeface="Times New Roman" panose="02020603050405020304" pitchFamily="18" charset="0"/>
+                <a:cs typeface="Times New Roman" panose="02020603050405020304" pitchFamily="18" charset="0"/>
+              </a:rPr>
+              <a:t>Bag </a:t>
+            </a:r>
+            <a:r>
+              <a:rPr lang="en-US" sz="2800" b="1" u="sng" dirty="0">
+                <a:latin typeface="Times New Roman" panose="02020603050405020304" pitchFamily="18" charset="0"/>
+                <a:cs typeface="Times New Roman" panose="02020603050405020304" pitchFamily="18" charset="0"/>
+              </a:rPr>
+              <a:t>of Words</a:t>
+            </a:r>
+            <a:r>
+              <a:rPr lang="en-US" sz="2800" dirty="0">
+                <a:latin typeface="Times New Roman" panose="02020603050405020304" pitchFamily="18" charset="0"/>
+                <a:cs typeface="Times New Roman" panose="02020603050405020304" pitchFamily="18" charset="0"/>
+              </a:rPr>
+              <a:t>: A model in which each word is converted into a unique combination of 0s and 1. </a:t>
+            </a:r>
+          </a:p>
+          <a:p>
+            <a:endParaRPr lang="en-US" dirty="0"/>
+          </a:p>
+        </p:txBody>
+      </p:sp>
+      <p:sp>
+        <p:nvSpPr>
+          <p:cNvPr id="21" name="TextBox 20">
+            <a:extLst>
+              <a:ext uri="{FF2B5EF4-FFF2-40B4-BE49-F238E27FC236}">
+                <a16:creationId xmlns="" xmlns:a16="http://schemas.microsoft.com/office/drawing/2014/main" id="{9F3DC094-5D25-41B2-AA05-5FB80FF3758A}"/>
+              </a:ext>
+            </a:extLst>
+          </p:cNvPr>
+          <p:cNvSpPr txBox="1"/>
+          <p:nvPr/>
+        </p:nvSpPr>
+        <p:spPr>
+          <a:xfrm>
+            <a:off x="10341834" y="5336632"/>
+            <a:ext cx="5710966" cy="7263527"/>
+          </a:xfrm>
+          <a:prstGeom prst="rect">
+            <a:avLst/>
+          </a:prstGeom>
+          <a:noFill/>
+        </p:spPr>
+        <p:txBody>
+          <a:bodyPr wrap="square" rtlCol="0">
+            <a:spAutoFit/>
+          </a:bodyPr>
+          <a:lstStyle/>
+          <a:p>
+            <a:pPr marL="457200" indent="-457200">
+              <a:buFont typeface="Arial" panose="020B0604020202020204" pitchFamily="34" charset="0"/>
+              <a:buChar char="•"/>
+            </a:pPr>
+            <a:r>
+              <a:rPr lang="en-US" sz="2800" b="1" u="sng" dirty="0">
+                <a:latin typeface="Times New Roman" panose="02020603050405020304" pitchFamily="18" charset="0"/>
+                <a:cs typeface="Times New Roman" panose="02020603050405020304" pitchFamily="18" charset="0"/>
+              </a:rPr>
+              <a:t>Model:</a:t>
+            </a:r>
+            <a:r>
+              <a:rPr lang="en-US" sz="2800" dirty="0">
+                <a:latin typeface="Times New Roman" panose="02020603050405020304" pitchFamily="18" charset="0"/>
+                <a:cs typeface="Times New Roman" panose="02020603050405020304" pitchFamily="18" charset="0"/>
+              </a:rPr>
+              <a:t> Three layers are created using the Dense function (input layer, hidden layer and output layer</a:t>
+            </a:r>
+            <a:r>
+              <a:rPr lang="en-US" sz="2800" dirty="0" smtClean="0">
+                <a:latin typeface="Times New Roman" panose="02020603050405020304" pitchFamily="18" charset="0"/>
+                <a:cs typeface="Times New Roman" panose="02020603050405020304" pitchFamily="18" charset="0"/>
+              </a:rPr>
+              <a:t>).</a:t>
+            </a:r>
+          </a:p>
+          <a:p>
+            <a:pPr marL="457200" indent="-457200">
+              <a:buFont typeface="Arial" panose="020B0604020202020204" pitchFamily="34" charset="0"/>
+              <a:buChar char="•"/>
+            </a:pPr>
+            <a:r>
+              <a:rPr lang="en-US" sz="2800" b="1" u="sng" dirty="0" smtClean="0">
+                <a:latin typeface="Times New Roman" panose="02020603050405020304" pitchFamily="18" charset="0"/>
+                <a:cs typeface="Times New Roman" panose="02020603050405020304" pitchFamily="18" charset="0"/>
+              </a:rPr>
+              <a:t>Activation </a:t>
+            </a:r>
+            <a:r>
+              <a:rPr lang="en-US" sz="2800" b="1" u="sng" dirty="0">
+                <a:latin typeface="Times New Roman" panose="02020603050405020304" pitchFamily="18" charset="0"/>
+                <a:cs typeface="Times New Roman" panose="02020603050405020304" pitchFamily="18" charset="0"/>
+              </a:rPr>
+              <a:t>Function:</a:t>
+            </a:r>
+            <a:r>
+              <a:rPr lang="en-US" sz="2800" b="1" dirty="0">
+                <a:latin typeface="Times New Roman" panose="02020603050405020304" pitchFamily="18" charset="0"/>
+                <a:cs typeface="Times New Roman" panose="02020603050405020304" pitchFamily="18" charset="0"/>
+              </a:rPr>
+              <a:t> </a:t>
+            </a:r>
+            <a:r>
+              <a:rPr lang="en-US" sz="2800" dirty="0">
+                <a:latin typeface="Times New Roman" panose="02020603050405020304" pitchFamily="18" charset="0"/>
+                <a:cs typeface="Times New Roman" panose="02020603050405020304" pitchFamily="18" charset="0"/>
+              </a:rPr>
+              <a:t>The activation function is declared while initializing the </a:t>
+            </a:r>
+            <a:r>
+              <a:rPr lang="en-US" sz="2800" dirty="0" smtClean="0">
+                <a:latin typeface="Times New Roman" panose="02020603050405020304" pitchFamily="18" charset="0"/>
+                <a:cs typeface="Times New Roman" panose="02020603050405020304" pitchFamily="18" charset="0"/>
+              </a:rPr>
+              <a:t>layer</a:t>
+            </a:r>
+            <a:r>
+              <a:rPr lang="en-US" sz="2800" dirty="0">
+                <a:latin typeface="Times New Roman" panose="02020603050405020304" pitchFamily="18" charset="0"/>
+                <a:cs typeface="Times New Roman" panose="02020603050405020304" pitchFamily="18" charset="0"/>
+              </a:rPr>
+              <a:t> </a:t>
+            </a:r>
+            <a:r>
+              <a:rPr lang="en-US" sz="2800" dirty="0" smtClean="0">
+                <a:latin typeface="Times New Roman" panose="02020603050405020304" pitchFamily="18" charset="0"/>
+                <a:cs typeface="Times New Roman" panose="02020603050405020304" pitchFamily="18" charset="0"/>
+              </a:rPr>
+              <a:t>which </a:t>
+            </a:r>
+            <a:r>
+              <a:rPr lang="en-US" sz="2800" dirty="0">
+                <a:latin typeface="Times New Roman" panose="02020603050405020304" pitchFamily="18" charset="0"/>
+                <a:cs typeface="Times New Roman" panose="02020603050405020304" pitchFamily="18" charset="0"/>
+              </a:rPr>
+              <a:t>decides how the inputs are trained. </a:t>
+            </a:r>
+            <a:endParaRPr lang="en-US" sz="2800" dirty="0" smtClean="0">
+              <a:latin typeface="Times New Roman" panose="02020603050405020304" pitchFamily="18" charset="0"/>
+              <a:cs typeface="Times New Roman" panose="02020603050405020304" pitchFamily="18" charset="0"/>
+            </a:endParaRPr>
+          </a:p>
+          <a:p>
+            <a:pPr marL="457200" indent="-457200">
+              <a:buFont typeface="Arial" panose="020B0604020202020204" pitchFamily="34" charset="0"/>
+              <a:buChar char="•"/>
+            </a:pPr>
+            <a:r>
+              <a:rPr lang="en-US" sz="2800" b="1" u="sng" dirty="0" smtClean="0">
+                <a:latin typeface="Times New Roman" panose="02020603050405020304" pitchFamily="18" charset="0"/>
+                <a:cs typeface="Times New Roman" panose="02020603050405020304" pitchFamily="18" charset="0"/>
+              </a:rPr>
+              <a:t>Compiling</a:t>
+            </a:r>
+            <a:r>
+              <a:rPr lang="en-US" sz="2800" b="1" u="sng" dirty="0">
+                <a:latin typeface="Times New Roman" panose="02020603050405020304" pitchFamily="18" charset="0"/>
+                <a:cs typeface="Times New Roman" panose="02020603050405020304" pitchFamily="18" charset="0"/>
+              </a:rPr>
+              <a:t>:</a:t>
+            </a:r>
+            <a:r>
+              <a:rPr lang="en-US" sz="2800" b="1" dirty="0">
+                <a:latin typeface="Times New Roman" panose="02020603050405020304" pitchFamily="18" charset="0"/>
+                <a:cs typeface="Times New Roman" panose="02020603050405020304" pitchFamily="18" charset="0"/>
+              </a:rPr>
+              <a:t> </a:t>
+            </a:r>
+            <a:r>
+              <a:rPr lang="en-US" sz="2800" dirty="0">
+                <a:latin typeface="Times New Roman" panose="02020603050405020304" pitchFamily="18" charset="0"/>
+                <a:cs typeface="Times New Roman" panose="02020603050405020304" pitchFamily="18" charset="0"/>
+              </a:rPr>
+              <a:t>The compilation decides the evaluation criteria for the model. </a:t>
+            </a:r>
+            <a:endParaRPr lang="en-US" sz="2800" dirty="0" smtClean="0">
+              <a:latin typeface="Times New Roman" panose="02020603050405020304" pitchFamily="18" charset="0"/>
+              <a:cs typeface="Times New Roman" panose="02020603050405020304" pitchFamily="18" charset="0"/>
+            </a:endParaRPr>
+          </a:p>
+          <a:p>
+            <a:pPr marL="457200" indent="-457200">
+              <a:buFont typeface="Arial" panose="020B0604020202020204" pitchFamily="34" charset="0"/>
+              <a:buChar char="•"/>
+            </a:pPr>
+            <a:r>
+              <a:rPr lang="en-US" sz="2800" b="1" u="sng" dirty="0" smtClean="0">
+                <a:latin typeface="Times New Roman" panose="02020603050405020304" pitchFamily="18" charset="0"/>
+                <a:cs typeface="Times New Roman" panose="02020603050405020304" pitchFamily="18" charset="0"/>
+              </a:rPr>
+              <a:t>Fitting</a:t>
+            </a:r>
+            <a:r>
+              <a:rPr lang="en-US" sz="2800" b="1" u="sng" dirty="0">
+                <a:latin typeface="Times New Roman" panose="02020603050405020304" pitchFamily="18" charset="0"/>
+                <a:cs typeface="Times New Roman" panose="02020603050405020304" pitchFamily="18" charset="0"/>
+              </a:rPr>
+              <a:t>:</a:t>
+            </a:r>
+            <a:r>
+              <a:rPr lang="en-US" sz="2800" b="1" dirty="0">
+                <a:latin typeface="Times New Roman" panose="02020603050405020304" pitchFamily="18" charset="0"/>
+                <a:cs typeface="Times New Roman" panose="02020603050405020304" pitchFamily="18" charset="0"/>
+              </a:rPr>
+              <a:t> </a:t>
+            </a:r>
+            <a:r>
+              <a:rPr lang="en-US" sz="2800" dirty="0">
+                <a:latin typeface="Times New Roman" panose="02020603050405020304" pitchFamily="18" charset="0"/>
+                <a:cs typeface="Times New Roman" panose="02020603050405020304" pitchFamily="18" charset="0"/>
+              </a:rPr>
+              <a:t>The deep learning model is fitted to the training data with parameters such as epochs and batch size. </a:t>
+            </a:r>
+          </a:p>
+          <a:p>
+            <a:endParaRPr lang="en-US" sz="2800" dirty="0">
+              <a:latin typeface="Times New Roman" panose="02020603050405020304" pitchFamily="18" charset="0"/>
+              <a:cs typeface="Times New Roman" panose="02020603050405020304" pitchFamily="18" charset="0"/>
+            </a:endParaRPr>
+          </a:p>
+          <a:p>
+            <a:endParaRPr lang="en-US" dirty="0"/>
+          </a:p>
+        </p:txBody>
+      </p:sp>
+      <p:sp>
+        <p:nvSpPr>
+          <p:cNvPr id="38" name="Rectangle 37">
+            <a:extLst>
+              <a:ext uri="{FF2B5EF4-FFF2-40B4-BE49-F238E27FC236}">
+                <a16:creationId xmlns="" xmlns:a16="http://schemas.microsoft.com/office/drawing/2014/main" id="{73E8E777-5E2A-4CAD-B2C6-148816999923}"/>
+              </a:ext>
+            </a:extLst>
+          </p:cNvPr>
+          <p:cNvSpPr/>
+          <p:nvPr/>
+        </p:nvSpPr>
+        <p:spPr>
+          <a:xfrm>
+            <a:off x="10355626" y="12077952"/>
+            <a:ext cx="10809608" cy="6274472"/>
+          </a:xfrm>
+          <a:prstGeom prst="rect">
+            <a:avLst/>
+          </a:prstGeom>
+          <a:gradFill flip="none" rotWithShape="1">
+            <a:gsLst>
+              <a:gs pos="0">
+                <a:schemeClr val="accent4">
+                  <a:lumMod val="0"/>
+                  <a:lumOff val="100000"/>
+                </a:schemeClr>
+              </a:gs>
+              <a:gs pos="35000">
+                <a:schemeClr val="accent4">
+                  <a:lumMod val="0"/>
+                  <a:lumOff val="100000"/>
+                </a:schemeClr>
+              </a:gs>
+              <a:gs pos="100000">
+                <a:schemeClr val="accent4">
+                  <a:lumMod val="100000"/>
+                </a:schemeClr>
+              </a:gs>
+            </a:gsLst>
+            <a:path path="circle">
+              <a:fillToRect l="50000" t="-80000" r="50000" b="180000"/>
+            </a:path>
+            <a:tileRect/>
+          </a:gradFill>
+        </p:spPr>
+        <p:style>
+          <a:lnRef idx="2">
+            <a:schemeClr val="accent1">
+              <a:shade val="50000"/>
+            </a:schemeClr>
+          </a:lnRef>
+          <a:fillRef idx="1">
+            <a:schemeClr val="accent1"/>
+          </a:fillRef>
+          <a:effectRef idx="0">
+            <a:schemeClr val="accent1"/>
+          </a:effectRef>
+          <a:fontRef idx="minor">
+            <a:schemeClr val="lt1"/>
+          </a:fontRef>
+        </p:style>
+        <p:txBody>
+          <a:bodyPr rtlCol="0" anchor="ctr"/>
+          <a:lstStyle/>
+          <a:p>
+            <a:pPr algn="ctr"/>
+            <a:endParaRPr lang="en-US"/>
+          </a:p>
+        </p:txBody>
+      </p:sp>
+      <p:sp>
+        <p:nvSpPr>
+          <p:cNvPr id="39" name="TextBox 38">
+            <a:extLst>
+              <a:ext uri="{FF2B5EF4-FFF2-40B4-BE49-F238E27FC236}">
+                <a16:creationId xmlns="" xmlns:a16="http://schemas.microsoft.com/office/drawing/2014/main" id="{B3D532AD-33F5-4A3F-84F7-31B5B307F3BC}"/>
+              </a:ext>
+            </a:extLst>
+          </p:cNvPr>
+          <p:cNvSpPr txBox="1"/>
+          <p:nvPr/>
+        </p:nvSpPr>
+        <p:spPr>
+          <a:xfrm>
+            <a:off x="10332140" y="12126618"/>
+            <a:ext cx="10818424" cy="861774"/>
+          </a:xfrm>
+          <a:prstGeom prst="rect">
+            <a:avLst/>
+          </a:prstGeom>
+          <a:noFill/>
+        </p:spPr>
+        <p:txBody>
+          <a:bodyPr wrap="square" rtlCol="0">
+            <a:spAutoFit/>
+          </a:bodyPr>
+          <a:lstStyle/>
+          <a:p>
+            <a:pPr algn="ctr"/>
+            <a:r>
+              <a:rPr lang="en-US" sz="3200" b="1" u="sng" dirty="0">
+                <a:latin typeface="Times New Roman" panose="02020603050405020304" pitchFamily="18" charset="0"/>
+                <a:cs typeface="Times New Roman" panose="02020603050405020304" pitchFamily="18" charset="0"/>
+              </a:rPr>
+              <a:t>Processing the user input</a:t>
+            </a:r>
+          </a:p>
+          <a:p>
+            <a:endParaRPr lang="en-US" dirty="0"/>
+          </a:p>
+        </p:txBody>
+      </p:sp>
+      <p:sp>
+        <p:nvSpPr>
+          <p:cNvPr id="22" name="TextBox 21">
+            <a:extLst>
+              <a:ext uri="{FF2B5EF4-FFF2-40B4-BE49-F238E27FC236}">
+                <a16:creationId xmlns="" xmlns:a16="http://schemas.microsoft.com/office/drawing/2014/main" id="{4F0AF74D-10E3-4563-AC18-4345763B9BDA}"/>
+              </a:ext>
+            </a:extLst>
+          </p:cNvPr>
+          <p:cNvSpPr txBox="1"/>
+          <p:nvPr/>
+        </p:nvSpPr>
+        <p:spPr>
+          <a:xfrm>
+            <a:off x="10587302" y="12658557"/>
+            <a:ext cx="4688764" cy="5693866"/>
+          </a:xfrm>
+          <a:prstGeom prst="rect">
+            <a:avLst/>
+          </a:prstGeom>
+          <a:noFill/>
+        </p:spPr>
+        <p:txBody>
+          <a:bodyPr wrap="square" rtlCol="0">
+            <a:spAutoFit/>
+          </a:bodyPr>
+          <a:lstStyle/>
+          <a:p>
+            <a:r>
+              <a:rPr lang="en-US" sz="2800" dirty="0">
+                <a:latin typeface="Times New Roman" panose="02020603050405020304" pitchFamily="18" charset="0"/>
+                <a:cs typeface="Times New Roman" panose="02020603050405020304" pitchFamily="18" charset="0"/>
+              </a:rPr>
+              <a:t>After training the model, we create functions to tokenize, stem and make a bag of words model for the user’s input (similar to the initial document). After processing the user input, a function is created to predict the class from which a response will be selected for the user’s query. To get the response after predicting the class another function is created. </a:t>
+            </a:r>
+            <a:endParaRPr lang="en-US" dirty="0"/>
+          </a:p>
+        </p:txBody>
+      </p:sp>
+      <p:sp>
+        <p:nvSpPr>
+          <p:cNvPr id="44" name="TextBox 43">
+            <a:extLst>
+              <a:ext uri="{FF2B5EF4-FFF2-40B4-BE49-F238E27FC236}">
+                <a16:creationId xmlns="" xmlns:a16="http://schemas.microsoft.com/office/drawing/2014/main" id="{97A53F94-D54C-4660-8792-7BDF05764992}"/>
+              </a:ext>
+            </a:extLst>
+          </p:cNvPr>
+          <p:cNvSpPr txBox="1"/>
+          <p:nvPr/>
+        </p:nvSpPr>
+        <p:spPr>
+          <a:xfrm>
+            <a:off x="10356915" y="18452243"/>
+            <a:ext cx="10833094" cy="584775"/>
+          </a:xfrm>
+          <a:prstGeom prst="rect">
+            <a:avLst/>
+          </a:prstGeom>
+          <a:noFill/>
+        </p:spPr>
+        <p:txBody>
+          <a:bodyPr wrap="square" rtlCol="0">
+            <a:spAutoFit/>
+          </a:bodyPr>
+          <a:lstStyle/>
+          <a:p>
+            <a:pPr algn="ctr"/>
+            <a:r>
+              <a:rPr lang="en-US" sz="3200" b="1" u="sng" dirty="0">
+                <a:latin typeface="Times New Roman" panose="02020603050405020304" pitchFamily="18" charset="0"/>
+                <a:cs typeface="Times New Roman" panose="02020603050405020304" pitchFamily="18" charset="0"/>
+              </a:rPr>
+              <a:t>Web Deployment</a:t>
+            </a:r>
+          </a:p>
+        </p:txBody>
+      </p:sp>
+      <p:pic>
+        <p:nvPicPr>
+          <p:cNvPr id="46" name="Picture 45">
+            <a:extLst>
+              <a:ext uri="{FF2B5EF4-FFF2-40B4-BE49-F238E27FC236}">
+                <a16:creationId xmlns="" xmlns:a16="http://schemas.microsoft.com/office/drawing/2014/main" id="{F90F5556-C8F2-4739-959D-CD03E1194564}"/>
               </a:ext>
             </a:extLst>
           </p:cNvPr>
@@ -4707,15 +5016,15 @@
           <p:nvPr/>
         </p:nvPicPr>
         <p:blipFill>
-          <a:blip r:embed="rId10"/>
+          <a:blip r:embed="rId6"/>
           <a:stretch>
             <a:fillRect/>
           </a:stretch>
         </p:blipFill>
         <p:spPr>
           <a:xfrm>
-            <a:off x="15254263" y="14418788"/>
-            <a:ext cx="5838849" cy="3619500"/>
+            <a:off x="16372754" y="19181098"/>
+            <a:ext cx="4253169" cy="3018169"/>
           </a:xfrm>
           <a:prstGeom prst="rect">
             <a:avLst/>
@@ -4724,100 +5033,740 @@
       </p:pic>
       <p:pic>
         <p:nvPicPr>
-          <p:cNvPr id="43" name="Picture 42">
+          <p:cNvPr id="1028" name="Picture 4" descr="File:Tensorflow logo.svg - Wikimedia Commons"/>
+          <p:cNvPicPr>
+            <a:picLocks noChangeAspect="1" noChangeArrowheads="1"/>
+          </p:cNvPicPr>
+          <p:nvPr/>
+        </p:nvPicPr>
+        <p:blipFill>
+          <a:blip r:embed="rId7" cstate="print">
             <a:extLst>
-              <a:ext uri="{FF2B5EF4-FFF2-40B4-BE49-F238E27FC236}">
-                <a16:creationId xmlns:a16="http://schemas.microsoft.com/office/drawing/2014/main" id="{22342CB2-574C-426B-8DEB-7BE2217B4C69}"/>
+              <a:ext uri="{28A0092B-C50C-407E-A947-70E740481C1C}">
+                <a14:useLocalDpi xmlns:a14="http://schemas.microsoft.com/office/drawing/2010/main" val="0"/>
               </a:ext>
             </a:extLst>
-          </p:cNvPr>
+          </a:blip>
+          <a:srcRect/>
+          <a:stretch>
+            <a:fillRect/>
+          </a:stretch>
+        </p:blipFill>
+        <p:spPr bwMode="auto">
+          <a:xfrm>
+            <a:off x="5816012" y="9376143"/>
+            <a:ext cx="892211" cy="953922"/>
+          </a:xfrm>
+          <a:prstGeom prst="rect">
+            <a:avLst/>
+          </a:prstGeom>
+          <a:noFill/>
+          <a:extLst>
+            <a:ext uri="{909E8E84-426E-40DD-AFC4-6F175D3DCCD1}">
+              <a14:hiddenFill xmlns:a14="http://schemas.microsoft.com/office/drawing/2010/main">
+                <a:solidFill>
+                  <a:srgbClr val="FFFFFF"/>
+                </a:solidFill>
+              </a14:hiddenFill>
+            </a:ext>
+          </a:extLst>
+        </p:spPr>
+      </p:pic>
+      <p:pic>
+        <p:nvPicPr>
+          <p:cNvPr id="1030" name="Picture 6" descr="Technologies - Sciling"/>
           <p:cNvPicPr>
-            <a:picLocks noChangeAspect="1"/>
+            <a:picLocks noChangeAspect="1" noChangeArrowheads="1"/>
           </p:cNvPicPr>
           <p:nvPr/>
         </p:nvPicPr>
         <p:blipFill rotWithShape="1">
-          <a:blip r:embed="rId11"/>
-          <a:srcRect l="-1" t="847" r="999" b="17650"/>
+          <a:blip r:embed="rId8" cstate="print">
+            <a:extLst>
+              <a:ext uri="{28A0092B-C50C-407E-A947-70E740481C1C}">
+                <a14:useLocalDpi xmlns:a14="http://schemas.microsoft.com/office/drawing/2010/main" val="0"/>
+              </a:ext>
+            </a:extLst>
+          </a:blip>
+          <a:srcRect t="24002" b="20743"/>
           <a:stretch/>
         </p:blipFill>
-        <p:spPr>
-          <a:xfrm>
-            <a:off x="15254263" y="18165698"/>
-            <a:ext cx="5838849" cy="4261960"/>
-          </a:xfrm>
-          <a:prstGeom prst="rect">
-            <a:avLst/>
-          </a:prstGeom>
-        </p:spPr>
-      </p:pic>
-      <p:sp>
-        <p:nvSpPr>
-          <p:cNvPr id="44" name="TextBox 43">
-            <a:extLst>
-              <a:ext uri="{FF2B5EF4-FFF2-40B4-BE49-F238E27FC236}">
-                <a16:creationId xmlns:a16="http://schemas.microsoft.com/office/drawing/2014/main" id="{97A53F94-D54C-4660-8792-7BDF05764992}"/>
-              </a:ext>
-            </a:extLst>
-          </p:cNvPr>
-          <p:cNvSpPr txBox="1"/>
-          <p:nvPr/>
-        </p:nvSpPr>
-        <p:spPr>
-          <a:xfrm>
-            <a:off x="10333018" y="22699473"/>
-            <a:ext cx="10833094" cy="584775"/>
+        <p:spPr bwMode="auto">
+          <a:xfrm>
+            <a:off x="7795728" y="9360652"/>
+            <a:ext cx="2158970" cy="1020726"/>
           </a:xfrm>
           <a:prstGeom prst="rect">
             <a:avLst/>
           </a:prstGeom>
           <a:noFill/>
-        </p:spPr>
-        <p:txBody>
-          <a:bodyPr wrap="square" rtlCol="0">
-            <a:spAutoFit/>
-          </a:bodyPr>
-          <a:lstStyle/>
-          <a:p>
-            <a:pPr algn="ctr"/>
-            <a:r>
-              <a:rPr lang="en-US" sz="3200" b="1" u="sng" dirty="0">
-                <a:latin typeface="Times New Roman" panose="02020603050405020304" pitchFamily="18" charset="0"/>
-                <a:cs typeface="Times New Roman" panose="02020603050405020304" pitchFamily="18" charset="0"/>
-              </a:rPr>
-              <a:t>Web Deployment</a:t>
-            </a:r>
-          </a:p>
-        </p:txBody>
-      </p:sp>
+          <a:extLst>
+            <a:ext uri="{909E8E84-426E-40DD-AFC4-6F175D3DCCD1}">
+              <a14:hiddenFill xmlns:a14="http://schemas.microsoft.com/office/drawing/2010/main">
+                <a:solidFill>
+                  <a:srgbClr val="FFFFFF"/>
+                </a:solidFill>
+              </a14:hiddenFill>
+            </a:ext>
+          </a:extLst>
+        </p:spPr>
+      </p:pic>
       <p:pic>
         <p:nvPicPr>
-          <p:cNvPr id="46" name="Picture 45">
+          <p:cNvPr id="1032" name="Picture 8" descr="File:NumPy logo.svg - Wikimedia Commons"/>
+          <p:cNvPicPr>
+            <a:picLocks noChangeAspect="1" noChangeArrowheads="1"/>
+          </p:cNvPicPr>
+          <p:nvPr/>
+        </p:nvPicPr>
+        <p:blipFill>
+          <a:blip r:embed="rId9" cstate="print">
             <a:extLst>
-              <a:ext uri="{FF2B5EF4-FFF2-40B4-BE49-F238E27FC236}">
-                <a16:creationId xmlns:a16="http://schemas.microsoft.com/office/drawing/2014/main" id="{F90F5556-C8F2-4739-959D-CD03E1194564}"/>
+              <a:ext uri="{28A0092B-C50C-407E-A947-70E740481C1C}">
+                <a14:useLocalDpi xmlns:a14="http://schemas.microsoft.com/office/drawing/2010/main" val="0"/>
               </a:ext>
             </a:extLst>
-          </p:cNvPr>
+          </a:blip>
+          <a:srcRect/>
+          <a:stretch>
+            <a:fillRect/>
+          </a:stretch>
+        </p:blipFill>
+        <p:spPr bwMode="auto">
+          <a:xfrm>
+            <a:off x="5816012" y="10541633"/>
+            <a:ext cx="1690335" cy="876151"/>
+          </a:xfrm>
+          <a:prstGeom prst="rect">
+            <a:avLst/>
+          </a:prstGeom>
+          <a:noFill/>
+          <a:extLst>
+            <a:ext uri="{909E8E84-426E-40DD-AFC4-6F175D3DCCD1}">
+              <a14:hiddenFill xmlns:a14="http://schemas.microsoft.com/office/drawing/2010/main">
+                <a:solidFill>
+                  <a:srgbClr val="FFFFFF"/>
+                </a:solidFill>
+              </a14:hiddenFill>
+            </a:ext>
+          </a:extLst>
+        </p:spPr>
+      </p:pic>
+      <p:pic>
+        <p:nvPicPr>
+          <p:cNvPr id="1034" name="Picture 10" descr="File:Created with Matplotlib-logo.svg - Wikimedia Commons"/>
+          <p:cNvPicPr>
+            <a:picLocks noChangeAspect="1" noChangeArrowheads="1"/>
+          </p:cNvPicPr>
+          <p:nvPr/>
+        </p:nvPicPr>
+        <p:blipFill>
+          <a:blip r:embed="rId10" cstate="print">
+            <a:extLst>
+              <a:ext uri="{28A0092B-C50C-407E-A947-70E740481C1C}">
+                <a14:useLocalDpi xmlns:a14="http://schemas.microsoft.com/office/drawing/2010/main" val="0"/>
+              </a:ext>
+            </a:extLst>
+          </a:blip>
+          <a:srcRect/>
+          <a:stretch>
+            <a:fillRect/>
+          </a:stretch>
+        </p:blipFill>
+        <p:spPr bwMode="auto">
+          <a:xfrm>
+            <a:off x="8429253" y="10525865"/>
+            <a:ext cx="891919" cy="891919"/>
+          </a:xfrm>
+          <a:prstGeom prst="rect">
+            <a:avLst/>
+          </a:prstGeom>
+          <a:noFill/>
+          <a:extLst>
+            <a:ext uri="{909E8E84-426E-40DD-AFC4-6F175D3DCCD1}">
+              <a14:hiddenFill xmlns:a14="http://schemas.microsoft.com/office/drawing/2010/main">
+                <a:solidFill>
+                  <a:srgbClr val="FFFFFF"/>
+                </a:solidFill>
+              </a14:hiddenFill>
+            </a:ext>
+          </a:extLst>
+        </p:spPr>
+      </p:pic>
+      <p:pic>
+        <p:nvPicPr>
+          <p:cNvPr id="1036" name="Picture 12" descr="AI Practice - Impelsys"/>
+          <p:cNvPicPr>
+            <a:picLocks noChangeAspect="1" noChangeArrowheads="1"/>
+          </p:cNvPicPr>
+          <p:nvPr/>
+        </p:nvPicPr>
+        <p:blipFill rotWithShape="1">
+          <a:blip r:embed="rId11" cstate="print">
+            <a:extLst>
+              <a:ext uri="{28A0092B-C50C-407E-A947-70E740481C1C}">
+                <a14:useLocalDpi xmlns:a14="http://schemas.microsoft.com/office/drawing/2010/main" val="0"/>
+              </a:ext>
+            </a:extLst>
+          </a:blip>
+          <a:srcRect l="10764" r="15689"/>
+          <a:stretch/>
+        </p:blipFill>
+        <p:spPr bwMode="auto">
+          <a:xfrm>
+            <a:off x="5627073" y="11629352"/>
+            <a:ext cx="1552354" cy="1492176"/>
+          </a:xfrm>
+          <a:prstGeom prst="rect">
+            <a:avLst/>
+          </a:prstGeom>
+          <a:noFill/>
+          <a:extLst>
+            <a:ext uri="{909E8E84-426E-40DD-AFC4-6F175D3DCCD1}">
+              <a14:hiddenFill xmlns:a14="http://schemas.microsoft.com/office/drawing/2010/main">
+                <a:solidFill>
+                  <a:srgbClr val="FFFFFF"/>
+                </a:solidFill>
+              </a14:hiddenFill>
+            </a:ext>
+          </a:extLst>
+        </p:spPr>
+      </p:pic>
+      <p:pic>
+        <p:nvPicPr>
+          <p:cNvPr id="1038" name="Picture 14" descr="Oracle brings the Autonomous Database to JSON | ZDNet"/>
+          <p:cNvPicPr>
+            <a:picLocks noChangeAspect="1" noChangeArrowheads="1"/>
+          </p:cNvPicPr>
+          <p:nvPr/>
+        </p:nvPicPr>
+        <p:blipFill>
+          <a:blip r:embed="rId12" cstate="print">
+            <a:extLst>
+              <a:ext uri="{28A0092B-C50C-407E-A947-70E740481C1C}">
+                <a14:useLocalDpi xmlns:a14="http://schemas.microsoft.com/office/drawing/2010/main" val="0"/>
+              </a:ext>
+            </a:extLst>
+          </a:blip>
+          <a:srcRect/>
+          <a:stretch>
+            <a:fillRect/>
+          </a:stretch>
+        </p:blipFill>
+        <p:spPr bwMode="auto">
+          <a:xfrm>
+            <a:off x="8429253" y="11739038"/>
+            <a:ext cx="1020251" cy="1020251"/>
+          </a:xfrm>
+          <a:prstGeom prst="rect">
+            <a:avLst/>
+          </a:prstGeom>
+          <a:noFill/>
+          <a:extLst>
+            <a:ext uri="{909E8E84-426E-40DD-AFC4-6F175D3DCCD1}">
+              <a14:hiddenFill xmlns:a14="http://schemas.microsoft.com/office/drawing/2010/main">
+                <a:solidFill>
+                  <a:srgbClr val="FFFFFF"/>
+                </a:solidFill>
+              </a14:hiddenFill>
+            </a:ext>
+          </a:extLst>
+        </p:spPr>
+      </p:pic>
+      <p:pic>
+        <p:nvPicPr>
+          <p:cNvPr id="18" name="Picture 17"/>
           <p:cNvPicPr>
             <a:picLocks noChangeAspect="1"/>
           </p:cNvPicPr>
           <p:nvPr/>
         </p:nvPicPr>
         <p:blipFill>
-          <a:blip r:embed="rId12"/>
+          <a:blip r:embed="rId13">
+            <a:extLst>
+              <a:ext uri="{28A0092B-C50C-407E-A947-70E740481C1C}">
+                <a14:useLocalDpi xmlns:a14="http://schemas.microsoft.com/office/drawing/2010/main" val="0"/>
+              </a:ext>
+            </a:extLst>
+          </a:blip>
           <a:stretch>
             <a:fillRect/>
           </a:stretch>
         </p:blipFill>
         <p:spPr>
           <a:xfrm>
-            <a:off x="16372946" y="23412818"/>
-            <a:ext cx="4661838" cy="3190507"/>
+            <a:off x="15114570" y="12949300"/>
+            <a:ext cx="5780832" cy="4588886"/>
           </a:xfrm>
           <a:prstGeom prst="rect">
             <a:avLst/>
           </a:prstGeom>
+        </p:spPr>
+      </p:pic>
+      <p:pic>
+        <p:nvPicPr>
+          <p:cNvPr id="15" name="Picture 2" descr="Birla Institute of Technology and Science, Pilani – Dubai Campus - Wikipedia"/>
+          <p:cNvPicPr>
+            <a:picLocks noChangeAspect="1" noChangeArrowheads="1"/>
+          </p:cNvPicPr>
+          <p:nvPr/>
+        </p:nvPicPr>
+        <p:blipFill>
+          <a:blip r:embed="rId14" cstate="print">
+            <a:extLst>
+              <a:ext uri="{28A0092B-C50C-407E-A947-70E740481C1C}">
+                <a14:useLocalDpi xmlns:a14="http://schemas.microsoft.com/office/drawing/2010/main" val="0"/>
+              </a:ext>
+            </a:extLst>
+          </a:blip>
+          <a:srcRect/>
+          <a:stretch>
+            <a:fillRect/>
+          </a:stretch>
+        </p:blipFill>
+        <p:spPr bwMode="auto">
+          <a:xfrm>
+            <a:off x="18226924" y="1064032"/>
+            <a:ext cx="2654686" cy="2654686"/>
+          </a:xfrm>
+          <a:prstGeom prst="rect">
+            <a:avLst/>
+          </a:prstGeom>
+          <a:noFill/>
+          <a:extLst>
+            <a:ext uri="{909E8E84-426E-40DD-AFC4-6F175D3DCCD1}">
+              <a14:hiddenFill xmlns:a14="http://schemas.microsoft.com/office/drawing/2010/main">
+                <a:solidFill>
+                  <a:srgbClr val="FFFFFF"/>
+                </a:solidFill>
+              </a14:hiddenFill>
+            </a:ext>
+          </a:extLst>
+        </p:spPr>
+      </p:pic>
+      <p:sp>
+        <p:nvSpPr>
+          <p:cNvPr id="30" name="Rectangle 29"/>
+          <p:cNvSpPr/>
+          <p:nvPr/>
+        </p:nvSpPr>
+        <p:spPr>
+          <a:xfrm>
+            <a:off x="10337801" y="27084528"/>
+            <a:ext cx="10852208" cy="2929963"/>
+          </a:xfrm>
+          <a:prstGeom prst="rect">
+            <a:avLst/>
+          </a:prstGeom>
+          <a:gradFill flip="none" rotWithShape="1">
+            <a:gsLst>
+              <a:gs pos="0">
+                <a:schemeClr val="accent3">
+                  <a:lumMod val="0"/>
+                  <a:lumOff val="100000"/>
+                </a:schemeClr>
+              </a:gs>
+              <a:gs pos="35000">
+                <a:schemeClr val="accent3">
+                  <a:lumMod val="0"/>
+                  <a:lumOff val="100000"/>
+                </a:schemeClr>
+              </a:gs>
+              <a:gs pos="100000">
+                <a:schemeClr val="accent3">
+                  <a:lumMod val="100000"/>
+                </a:schemeClr>
+              </a:gs>
+            </a:gsLst>
+            <a:path path="circle">
+              <a:fillToRect l="50000" t="-80000" r="50000" b="180000"/>
+            </a:path>
+            <a:tileRect/>
+          </a:gradFill>
+        </p:spPr>
+        <p:style>
+          <a:lnRef idx="2">
+            <a:schemeClr val="accent1">
+              <a:shade val="50000"/>
+            </a:schemeClr>
+          </a:lnRef>
+          <a:fillRef idx="1">
+            <a:schemeClr val="accent1"/>
+          </a:fillRef>
+          <a:effectRef idx="0">
+            <a:schemeClr val="accent1"/>
+          </a:effectRef>
+          <a:fontRef idx="minor">
+            <a:schemeClr val="lt1"/>
+          </a:fontRef>
+        </p:style>
+        <p:txBody>
+          <a:bodyPr rtlCol="0" anchor="ctr"/>
+          <a:lstStyle/>
+          <a:p>
+            <a:pPr algn="ctr"/>
+            <a:endParaRPr lang="en-US"/>
+          </a:p>
+        </p:txBody>
+      </p:sp>
+      <p:sp>
+        <p:nvSpPr>
+          <p:cNvPr id="31" name="TextBox 30"/>
+          <p:cNvSpPr txBox="1"/>
+          <p:nvPr/>
+        </p:nvSpPr>
+        <p:spPr>
+          <a:xfrm>
+            <a:off x="10587302" y="27168740"/>
+            <a:ext cx="10432136" cy="3170099"/>
+          </a:xfrm>
+          <a:prstGeom prst="rect">
+            <a:avLst/>
+          </a:prstGeom>
+          <a:noFill/>
+        </p:spPr>
+        <p:txBody>
+          <a:bodyPr wrap="square" rtlCol="0">
+            <a:spAutoFit/>
+          </a:bodyPr>
+          <a:lstStyle/>
+          <a:p>
+            <a:pPr algn="ctr"/>
+            <a:r>
+              <a:rPr lang="en-US" sz="3200" b="1" u="sng" dirty="0" smtClean="0">
+                <a:latin typeface="Times New Roman" panose="02020603050405020304" pitchFamily="18" charset="0"/>
+                <a:cs typeface="Times New Roman" panose="02020603050405020304" pitchFamily="18" charset="0"/>
+              </a:rPr>
+              <a:t>References</a:t>
+            </a:r>
+          </a:p>
+          <a:p>
+            <a:pPr marL="457200" indent="-457200">
+              <a:buFont typeface="Arial" panose="020B0604020202020204" pitchFamily="34" charset="0"/>
+              <a:buChar char="•"/>
+            </a:pPr>
+            <a:r>
+              <a:rPr lang="en-US" sz="2800" dirty="0">
+                <a:latin typeface="Times New Roman" panose="02020603050405020304" pitchFamily="18" charset="0"/>
+                <a:cs typeface="Times New Roman" panose="02020603050405020304" pitchFamily="18" charset="0"/>
+                <a:hlinkClick r:id="rId15"/>
+              </a:rPr>
+              <a:t>https://www.nltk.org</a:t>
+            </a:r>
+            <a:r>
+              <a:rPr lang="en-US" sz="2800" dirty="0" smtClean="0">
+                <a:latin typeface="Times New Roman" panose="02020603050405020304" pitchFamily="18" charset="0"/>
+                <a:cs typeface="Times New Roman" panose="02020603050405020304" pitchFamily="18" charset="0"/>
+                <a:hlinkClick r:id="rId15"/>
+              </a:rPr>
+              <a:t>/</a:t>
+            </a:r>
+            <a:endParaRPr lang="en-US" sz="2800" dirty="0" smtClean="0">
+              <a:latin typeface="Times New Roman" panose="02020603050405020304" pitchFamily="18" charset="0"/>
+              <a:cs typeface="Times New Roman" panose="02020603050405020304" pitchFamily="18" charset="0"/>
+            </a:endParaRPr>
+          </a:p>
+          <a:p>
+            <a:pPr marL="457200" indent="-457200">
+              <a:buFont typeface="Arial" panose="020B0604020202020204" pitchFamily="34" charset="0"/>
+              <a:buChar char="•"/>
+            </a:pPr>
+            <a:r>
+              <a:rPr lang="en-US" sz="2800" dirty="0">
+                <a:latin typeface="Times New Roman" panose="02020603050405020304" pitchFamily="18" charset="0"/>
+                <a:cs typeface="Times New Roman" panose="02020603050405020304" pitchFamily="18" charset="0"/>
+                <a:hlinkClick r:id="rId16"/>
+              </a:rPr>
+              <a:t>https://keras.io/api/models/sequential</a:t>
+            </a:r>
+            <a:r>
+              <a:rPr lang="en-US" sz="2800" dirty="0" smtClean="0">
+                <a:latin typeface="Times New Roman" panose="02020603050405020304" pitchFamily="18" charset="0"/>
+                <a:cs typeface="Times New Roman" panose="02020603050405020304" pitchFamily="18" charset="0"/>
+                <a:hlinkClick r:id="rId16"/>
+              </a:rPr>
+              <a:t>/</a:t>
+            </a:r>
+            <a:endParaRPr lang="en-US" sz="2800" dirty="0" smtClean="0">
+              <a:latin typeface="Times New Roman" panose="02020603050405020304" pitchFamily="18" charset="0"/>
+              <a:cs typeface="Times New Roman" panose="02020603050405020304" pitchFamily="18" charset="0"/>
+            </a:endParaRPr>
+          </a:p>
+          <a:p>
+            <a:pPr marL="457200" indent="-457200">
+              <a:buFont typeface="Arial" panose="020B0604020202020204" pitchFamily="34" charset="0"/>
+              <a:buChar char="•"/>
+            </a:pPr>
+            <a:r>
+              <a:rPr lang="en-US" sz="2800" dirty="0">
+                <a:latin typeface="Times New Roman" panose="02020603050405020304" pitchFamily="18" charset="0"/>
+                <a:cs typeface="Times New Roman" panose="02020603050405020304" pitchFamily="18" charset="0"/>
+                <a:hlinkClick r:id="rId17"/>
+              </a:rPr>
+              <a:t>https://flask.palletsprojects.com/en/2.0.x</a:t>
+            </a:r>
+            <a:r>
+              <a:rPr lang="en-US" sz="2800" dirty="0" smtClean="0">
+                <a:latin typeface="Times New Roman" panose="02020603050405020304" pitchFamily="18" charset="0"/>
+                <a:cs typeface="Times New Roman" panose="02020603050405020304" pitchFamily="18" charset="0"/>
+                <a:hlinkClick r:id="rId17"/>
+              </a:rPr>
+              <a:t>/</a:t>
+            </a:r>
+            <a:endParaRPr lang="en-US" sz="2800" dirty="0" smtClean="0">
+              <a:latin typeface="Times New Roman" panose="02020603050405020304" pitchFamily="18" charset="0"/>
+              <a:cs typeface="Times New Roman" panose="02020603050405020304" pitchFamily="18" charset="0"/>
+            </a:endParaRPr>
+          </a:p>
+          <a:p>
+            <a:pPr marL="457200" indent="-457200">
+              <a:buFont typeface="Arial" panose="020B0604020202020204" pitchFamily="34" charset="0"/>
+              <a:buChar char="•"/>
+            </a:pPr>
+            <a:r>
+              <a:rPr lang="en-US" sz="2800" dirty="0">
+                <a:latin typeface="Times New Roman" panose="02020603050405020304" pitchFamily="18" charset="0"/>
+                <a:cs typeface="Times New Roman" panose="02020603050405020304" pitchFamily="18" charset="0"/>
+                <a:hlinkClick r:id="rId18"/>
+              </a:rPr>
+              <a:t>https://docs.python.org/3.8</a:t>
+            </a:r>
+            <a:r>
+              <a:rPr lang="en-US" sz="2800" dirty="0" smtClean="0">
+                <a:latin typeface="Times New Roman" panose="02020603050405020304" pitchFamily="18" charset="0"/>
+                <a:cs typeface="Times New Roman" panose="02020603050405020304" pitchFamily="18" charset="0"/>
+                <a:hlinkClick r:id="rId18"/>
+              </a:rPr>
+              <a:t>/</a:t>
+            </a:r>
+            <a:endParaRPr lang="en-US" sz="2800" dirty="0" smtClean="0">
+              <a:latin typeface="Times New Roman" panose="02020603050405020304" pitchFamily="18" charset="0"/>
+              <a:cs typeface="Times New Roman" panose="02020603050405020304" pitchFamily="18" charset="0"/>
+            </a:endParaRPr>
+          </a:p>
+          <a:p>
+            <a:endParaRPr lang="en-US" sz="2800" dirty="0" smtClean="0">
+              <a:latin typeface="Times New Roman" panose="02020603050405020304" pitchFamily="18" charset="0"/>
+              <a:cs typeface="Times New Roman" panose="02020603050405020304" pitchFamily="18" charset="0"/>
+            </a:endParaRPr>
+          </a:p>
+          <a:p>
+            <a:pPr marL="457200" indent="-457200">
+              <a:buFont typeface="Arial" panose="020B0604020202020204" pitchFamily="34" charset="0"/>
+              <a:buChar char="•"/>
+            </a:pPr>
+            <a:endParaRPr lang="en-US" sz="2800" dirty="0">
+              <a:latin typeface="Times New Roman" panose="02020603050405020304" pitchFamily="18" charset="0"/>
+              <a:cs typeface="Times New Roman" panose="02020603050405020304" pitchFamily="18" charset="0"/>
+            </a:endParaRPr>
+          </a:p>
+        </p:txBody>
+      </p:sp>
+      <p:sp>
+        <p:nvSpPr>
+          <p:cNvPr id="11" name="Rectangle 10"/>
+          <p:cNvSpPr/>
+          <p:nvPr/>
+        </p:nvSpPr>
+        <p:spPr>
+          <a:xfrm>
+            <a:off x="241257" y="27076401"/>
+            <a:ext cx="9882187" cy="2938090"/>
+          </a:xfrm>
+          <a:prstGeom prst="rect">
+            <a:avLst/>
+          </a:prstGeom>
+          <a:solidFill>
+            <a:schemeClr val="bg1"/>
+          </a:solidFill>
+        </p:spPr>
+        <p:style>
+          <a:lnRef idx="2">
+            <a:schemeClr val="accent1">
+              <a:shade val="50000"/>
+            </a:schemeClr>
+          </a:lnRef>
+          <a:fillRef idx="1">
+            <a:schemeClr val="accent1"/>
+          </a:fillRef>
+          <a:effectRef idx="0">
+            <a:schemeClr val="accent1"/>
+          </a:effectRef>
+          <a:fontRef idx="minor">
+            <a:schemeClr val="lt1"/>
+          </a:fontRef>
+        </p:style>
+        <p:txBody>
+          <a:bodyPr rtlCol="0" anchor="ctr"/>
+          <a:lstStyle/>
+          <a:p>
+            <a:pPr algn="ctr"/>
+            <a:endParaRPr lang="en-US"/>
+          </a:p>
+        </p:txBody>
+      </p:sp>
+      <p:pic>
+        <p:nvPicPr>
+          <p:cNvPr id="45" name="Picture 2" descr="Python Logo, history, meaning, symbol, PNG"/>
+          <p:cNvPicPr>
+            <a:picLocks noChangeAspect="1" noChangeArrowheads="1"/>
+          </p:cNvPicPr>
+          <p:nvPr/>
+        </p:nvPicPr>
+        <p:blipFill>
+          <a:blip r:embed="rId19" cstate="print">
+            <a:extLst>
+              <a:ext uri="{28A0092B-C50C-407E-A947-70E740481C1C}">
+                <a14:useLocalDpi xmlns:a14="http://schemas.microsoft.com/office/drawing/2010/main" val="0"/>
+              </a:ext>
+            </a:extLst>
+          </a:blip>
+          <a:srcRect/>
+          <a:stretch>
+            <a:fillRect/>
+          </a:stretch>
+        </p:blipFill>
+        <p:spPr bwMode="auto">
+          <a:xfrm>
+            <a:off x="357189" y="27974449"/>
+            <a:ext cx="2542320" cy="1448097"/>
+          </a:xfrm>
+          <a:prstGeom prst="rect">
+            <a:avLst/>
+          </a:prstGeom>
+          <a:noFill/>
+          <a:extLst>
+            <a:ext uri="{909E8E84-426E-40DD-AFC4-6F175D3DCCD1}">
+              <a14:hiddenFill xmlns:a14="http://schemas.microsoft.com/office/drawing/2010/main">
+                <a:solidFill>
+                  <a:srgbClr val="FFFFFF"/>
+                </a:solidFill>
+              </a14:hiddenFill>
+            </a:ext>
+          </a:extLst>
+        </p:spPr>
+      </p:pic>
+      <p:pic>
+        <p:nvPicPr>
+          <p:cNvPr id="47" name="Picture 4" descr="File:Jupyter logo.svg - Wikimedia Commons"/>
+          <p:cNvPicPr>
+            <a:picLocks noChangeAspect="1" noChangeArrowheads="1"/>
+          </p:cNvPicPr>
+          <p:nvPr/>
+        </p:nvPicPr>
+        <p:blipFill>
+          <a:blip r:embed="rId20" cstate="print">
+            <a:extLst>
+              <a:ext uri="{28A0092B-C50C-407E-A947-70E740481C1C}">
+                <a14:useLocalDpi xmlns:a14="http://schemas.microsoft.com/office/drawing/2010/main" val="0"/>
+              </a:ext>
+            </a:extLst>
+          </a:blip>
+          <a:srcRect/>
+          <a:stretch>
+            <a:fillRect/>
+          </a:stretch>
+        </p:blipFill>
+        <p:spPr bwMode="auto">
+          <a:xfrm>
+            <a:off x="3164400" y="27674717"/>
+            <a:ext cx="1665440" cy="1929497"/>
+          </a:xfrm>
+          <a:prstGeom prst="rect">
+            <a:avLst/>
+          </a:prstGeom>
+          <a:noFill/>
+          <a:extLst>
+            <a:ext uri="{909E8E84-426E-40DD-AFC4-6F175D3DCCD1}">
+              <a14:hiddenFill xmlns:a14="http://schemas.microsoft.com/office/drawing/2010/main">
+                <a:solidFill>
+                  <a:srgbClr val="FFFFFF"/>
+                </a:solidFill>
+              </a14:hiddenFill>
+            </a:ext>
+          </a:extLst>
+        </p:spPr>
+      </p:pic>
+      <p:pic>
+        <p:nvPicPr>
+          <p:cNvPr id="48" name="Picture 6" descr="Index of /labs/mogillab/anaconda2/pkgs/anaconda -navigator-1.4.3-py27_0/lib/python2.7/site-packages/anaconda_navigator/static/images"/>
+          <p:cNvPicPr>
+            <a:picLocks noChangeAspect="1" noChangeArrowheads="1"/>
+          </p:cNvPicPr>
+          <p:nvPr/>
+        </p:nvPicPr>
+        <p:blipFill>
+          <a:blip r:embed="rId21" cstate="print">
+            <a:extLst>
+              <a:ext uri="{28A0092B-C50C-407E-A947-70E740481C1C}">
+                <a14:useLocalDpi xmlns:a14="http://schemas.microsoft.com/office/drawing/2010/main" val="0"/>
+              </a:ext>
+            </a:extLst>
+          </a:blip>
+          <a:srcRect/>
+          <a:stretch>
+            <a:fillRect/>
+          </a:stretch>
+        </p:blipFill>
+        <p:spPr bwMode="auto">
+          <a:xfrm>
+            <a:off x="5560090" y="27636577"/>
+            <a:ext cx="1877663" cy="1877663"/>
+          </a:xfrm>
+          <a:prstGeom prst="rect">
+            <a:avLst/>
+          </a:prstGeom>
+          <a:noFill/>
+          <a:extLst>
+            <a:ext uri="{909E8E84-426E-40DD-AFC4-6F175D3DCCD1}">
+              <a14:hiddenFill xmlns:a14="http://schemas.microsoft.com/office/drawing/2010/main">
+                <a:solidFill>
+                  <a:srgbClr val="FFFFFF"/>
+                </a:solidFill>
+              </a14:hiddenFill>
+            </a:ext>
+          </a:extLst>
+        </p:spPr>
+      </p:pic>
+      <p:pic>
+        <p:nvPicPr>
+          <p:cNvPr id="49" name="Picture 8" descr="Flask Training Courses"/>
+          <p:cNvPicPr>
+            <a:picLocks noChangeAspect="1" noChangeArrowheads="1"/>
+          </p:cNvPicPr>
+          <p:nvPr/>
+        </p:nvPicPr>
+        <p:blipFill>
+          <a:blip r:embed="rId22" cstate="print">
+            <a:extLst>
+              <a:ext uri="{28A0092B-C50C-407E-A947-70E740481C1C}">
+                <a14:useLocalDpi xmlns:a14="http://schemas.microsoft.com/office/drawing/2010/main" val="0"/>
+              </a:ext>
+            </a:extLst>
+          </a:blip>
+          <a:srcRect/>
+          <a:stretch>
+            <a:fillRect/>
+          </a:stretch>
+        </p:blipFill>
+        <p:spPr bwMode="auto">
+          <a:xfrm>
+            <a:off x="8229415" y="27525924"/>
+            <a:ext cx="1597148" cy="2100187"/>
+          </a:xfrm>
+          <a:prstGeom prst="rect">
+            <a:avLst/>
+          </a:prstGeom>
+          <a:noFill/>
+          <a:extLst>
+            <a:ext uri="{909E8E84-426E-40DD-AFC4-6F175D3DCCD1}">
+              <a14:hiddenFill xmlns:a14="http://schemas.microsoft.com/office/drawing/2010/main">
+                <a:solidFill>
+                  <a:srgbClr val="FFFFFF"/>
+                </a:solidFill>
+              </a14:hiddenFill>
+            </a:ext>
+          </a:extLst>
         </p:spPr>
       </p:pic>
     </p:spTree>
